--- a/Challenge Presentation.PPTX
+++ b/Challenge Presentation.PPTX
@@ -29344,7 +29344,58 @@
                   <a:srgbClr val="3B9BC1"/>
                 </a:solidFill>
               </a:rPr>
-              <a:t> sob Angular e </a:t>
+              <a:t> </a:t>
+            </a:r>
+            <a:r>
+              <a:rPr lang="en-US" sz="1200" dirty="0" err="1" smtClean="0">
+                <a:solidFill>
+                  <a:srgbClr val="3B9BC1"/>
+                </a:solidFill>
+              </a:rPr>
+              <a:t>sobre</a:t>
+            </a:r>
+            <a:r>
+              <a:rPr lang="en-US" sz="1200" dirty="0" smtClean="0">
+                <a:solidFill>
+                  <a:srgbClr val="3B9BC1"/>
+                </a:solidFill>
+              </a:rPr>
+              <a:t>:</a:t>
+            </a:r>
+          </a:p>
+          <a:p>
+            <a:pPr algn="just"/>
+            <a:r>
+              <a:rPr lang="en-US" sz="1200" dirty="0" err="1" smtClean="0">
+                <a:solidFill>
+                  <a:srgbClr val="3B9BC1"/>
+                </a:solidFill>
+              </a:rPr>
+              <a:t>Hipótese</a:t>
+            </a:r>
+            <a:r>
+              <a:rPr lang="en-US" sz="1200" dirty="0" smtClean="0">
+                <a:solidFill>
+                  <a:srgbClr val="3B9BC1"/>
+                </a:solidFill>
+              </a:rPr>
+              <a:t> 1</a:t>
+            </a:r>
+            <a:r>
+              <a:rPr lang="en-US" sz="1200" dirty="0" smtClean="0">
+                <a:solidFill>
+                  <a:srgbClr val="3B9BC1"/>
+                </a:solidFill>
+              </a:rPr>
+              <a:t>) Angular+ </a:t>
+            </a:r>
+            <a:r>
+              <a:rPr lang="en-US" sz="1200" dirty="0">
+                <a:solidFill>
+                  <a:srgbClr val="3B9BC1"/>
+                </a:solidFill>
+              </a:rPr>
+              <a:t>e </a:t>
             </a:r>
             <a:r>
               <a:rPr lang="en-US" sz="1200" dirty="0" err="1">
@@ -29376,47 +29427,39 @@
                   <a:srgbClr val="3B9BC1"/>
                 </a:solidFill>
               </a:rPr>
-              <a:t> framework que </a:t>
-            </a:r>
-            <a:r>
-              <a:rPr lang="en-US" sz="1200" dirty="0" err="1">
-                <a:solidFill>
-                  <a:srgbClr val="3B9BC1"/>
-                </a:solidFill>
-              </a:rPr>
-              <a:t>simula</a:t>
-            </a:r>
-            <a:r>
-              <a:rPr lang="en-US" sz="1200" dirty="0">
-                <a:solidFill>
-                  <a:srgbClr val="3B9BC1"/>
-                </a:solidFill>
-              </a:rPr>
-              <a:t> o </a:t>
-            </a:r>
-            <a:r>
-              <a:rPr lang="en-US" sz="1200" dirty="0" err="1">
-                <a:solidFill>
-                  <a:srgbClr val="3B9BC1"/>
-                </a:solidFill>
-              </a:rPr>
-              <a:t>comportamento</a:t>
-            </a:r>
-            <a:r>
-              <a:rPr lang="en-US" sz="1200" dirty="0">
-                <a:solidFill>
-                  <a:srgbClr val="3B9BC1"/>
-                </a:solidFill>
-              </a:rPr>
-              <a:t> do </a:t>
-            </a:r>
-            <a:r>
-              <a:rPr lang="en-US" sz="1200" dirty="0" err="1">
-                <a:solidFill>
-                  <a:srgbClr val="3B9BC1"/>
-                </a:solidFill>
-              </a:rPr>
-              <a:t>carro</a:t>
+              <a:t> framework </a:t>
+            </a:r>
+            <a:r>
+              <a:rPr lang="en-US" sz="1200" dirty="0" err="1" smtClean="0">
+                <a:solidFill>
+                  <a:srgbClr val="3B9BC1"/>
+                </a:solidFill>
+              </a:rPr>
+              <a:t>específica</a:t>
+            </a:r>
+            <a:endParaRPr lang="en-US" sz="1200" dirty="0" smtClean="0">
+              <a:solidFill>
+                <a:srgbClr val="3B9BC1"/>
+              </a:solidFill>
+            </a:endParaRPr>
+          </a:p>
+          <a:p>
+            <a:pPr algn="just"/>
+            <a:r>
+              <a:rPr lang="en-US" sz="1200" dirty="0" err="1" smtClean="0">
+                <a:solidFill>
+                  <a:srgbClr val="3B9BC1"/>
+                </a:solidFill>
+              </a:rPr>
+              <a:t>Hipótese</a:t>
+            </a:r>
+            <a:r>
+              <a:rPr lang="en-US" sz="1200" dirty="0" smtClean="0">
+                <a:solidFill>
+                  <a:srgbClr val="3B9BC1"/>
+                </a:solidFill>
+              </a:rPr>
+              <a:t> 2) Android</a:t>
             </a:r>
             <a:endParaRPr lang="en-US" sz="1200" dirty="0">
               <a:solidFill>
@@ -31934,6 +31977,12 @@
 </file>
 
 <file path=customXml/item1.xml><?xml version="1.0" encoding="utf-8"?>
+<p:properties xmlns:p="http://schemas.microsoft.com/office/2006/metadata/properties" xmlns:xsi="http://www.w3.org/2001/XMLSchema-instance" xmlns:pc="http://schemas.microsoft.com/office/infopath/2007/PartnerControls">
+  <documentManagement/>
+</p:properties>
+</file>
+
+<file path=customXml/item2.xml><?xml version="1.0" encoding="utf-8"?>
 <ct:contentTypeSchema xmlns:ct="http://schemas.microsoft.com/office/2006/metadata/contentType" xmlns:ma="http://schemas.microsoft.com/office/2006/metadata/properties/metaAttributes" ct:_="" ma:_="" ma:contentTypeName="Document" ma:contentTypeID="0x0101001F419E1A6EA81A4789CC2A27D54FE063" ma:contentTypeVersion="2" ma:contentTypeDescription="Create a new document." ma:contentTypeScope="" ma:versionID="6e5cb36ff88c0f99687fc20d43474a84">
   <xsd:schema xmlns:xsd="http://www.w3.org/2001/XMLSchema" xmlns:xs="http://www.w3.org/2001/XMLSchema" xmlns:p="http://schemas.microsoft.com/office/2006/metadata/properties" targetNamespace="http://schemas.microsoft.com/office/2006/metadata/properties" ma:root="true" ma:fieldsID="0d665e38e66d01d06a7f476fcfe73af8">
     <xsd:element name="properties">
@@ -32047,12 +32096,6 @@
 </ct:contentTypeSchema>
 </file>
 
-<file path=customXml/item2.xml><?xml version="1.0" encoding="utf-8"?>
-<p:properties xmlns:p="http://schemas.microsoft.com/office/2006/metadata/properties" xmlns:xsi="http://www.w3.org/2001/XMLSchema-instance" xmlns:pc="http://schemas.microsoft.com/office/infopath/2007/PartnerControls">
-  <documentManagement/>
-</p:properties>
-</file>
-
 <file path=customXml/item3.xml><?xml version="1.0" encoding="utf-8"?>
 <?mso-contentType ?>
 <FormTemplates xmlns="http://schemas.microsoft.com/sharepoint/v3/contenttype/forms">
@@ -32063,6 +32106,21 @@
 </file>
 
 <file path=customXml/itemProps1.xml><?xml version="1.0" encoding="utf-8"?>
+<ds:datastoreItem xmlns:ds="http://schemas.openxmlformats.org/officeDocument/2006/customXml" ds:itemID="{65F64EBE-3065-4A3D-B86E-F21B0406FD66}">
+  <ds:schemaRefs>
+    <ds:schemaRef ds:uri="http://schemas.openxmlformats.org/package/2006/metadata/core-properties"/>
+    <ds:schemaRef ds:uri="http://purl.org/dc/elements/1.1/"/>
+    <ds:schemaRef ds:uri="http://schemas.microsoft.com/office/infopath/2007/PartnerControls"/>
+    <ds:schemaRef ds:uri="http://purl.org/dc/dcmitype/"/>
+    <ds:schemaRef ds:uri="http://schemas.microsoft.com/office/2006/documentManagement/types"/>
+    <ds:schemaRef ds:uri="http://schemas.microsoft.com/office/2006/metadata/properties"/>
+    <ds:schemaRef ds:uri="http://purl.org/dc/terms/"/>
+    <ds:schemaRef ds:uri="http://www.w3.org/XML/1998/namespace"/>
+  </ds:schemaRefs>
+</ds:datastoreItem>
+</file>
+
+<file path=customXml/itemProps2.xml><?xml version="1.0" encoding="utf-8"?>
 <ds:datastoreItem xmlns:ds="http://schemas.openxmlformats.org/officeDocument/2006/customXml" ds:itemID="{71BEF1E5-09DF-46B0-9968-4DC05085673B}">
   <ds:schemaRefs>
     <ds:schemaRef ds:uri="http://schemas.microsoft.com/office/2006/metadata/contentType"/>
@@ -32078,21 +32136,6 @@
 </ds:datastoreItem>
 </file>
 
-<file path=customXml/itemProps2.xml><?xml version="1.0" encoding="utf-8"?>
-<ds:datastoreItem xmlns:ds="http://schemas.openxmlformats.org/officeDocument/2006/customXml" ds:itemID="{65F64EBE-3065-4A3D-B86E-F21B0406FD66}">
-  <ds:schemaRefs>
-    <ds:schemaRef ds:uri="http://schemas.openxmlformats.org/package/2006/metadata/core-properties"/>
-    <ds:schemaRef ds:uri="http://purl.org/dc/elements/1.1/"/>
-    <ds:schemaRef ds:uri="http://schemas.microsoft.com/office/infopath/2007/PartnerControls"/>
-    <ds:schemaRef ds:uri="http://purl.org/dc/dcmitype/"/>
-    <ds:schemaRef ds:uri="http://schemas.microsoft.com/office/2006/documentManagement/types"/>
-    <ds:schemaRef ds:uri="http://schemas.microsoft.com/office/2006/metadata/properties"/>
-    <ds:schemaRef ds:uri="http://purl.org/dc/terms/"/>
-    <ds:schemaRef ds:uri="http://www.w3.org/XML/1998/namespace"/>
-  </ds:schemaRefs>
-</ds:datastoreItem>
-</file>
-
 <file path=customXml/itemProps3.xml><?xml version="1.0" encoding="utf-8"?>
 <ds:datastoreItem xmlns:ds="http://schemas.openxmlformats.org/officeDocument/2006/customXml" ds:itemID="{74695D99-3EAE-4F55-A2B4-F38051B8FE0A}">
   <ds:schemaRefs>

--- a/Challenge Presentation.PPTX
+++ b/Challenge Presentation.PPTX
@@ -13280,6 +13280,36 @@
           </a:p>
         </p:txBody>
       </p:sp>
+      <p:pic>
+        <p:nvPicPr>
+          <p:cNvPr id="9" name="Picture 8"/>
+          <p:cNvPicPr>
+            <a:picLocks noChangeAspect="1"/>
+          </p:cNvPicPr>
+          <p:nvPr/>
+        </p:nvPicPr>
+        <p:blipFill>
+          <a:blip r:embed="rId5" cstate="print">
+            <a:extLst>
+              <a:ext uri="{28A0092B-C50C-407E-A947-70E740481C1C}">
+                <a14:useLocalDpi xmlns:a14="http://schemas.microsoft.com/office/drawing/2010/main" val="0"/>
+              </a:ext>
+            </a:extLst>
+          </a:blip>
+          <a:stretch>
+            <a:fillRect/>
+          </a:stretch>
+        </p:blipFill>
+        <p:spPr>
+          <a:xfrm>
+            <a:off x="982602" y="1906905"/>
+            <a:ext cx="710645" cy="355323"/>
+          </a:xfrm>
+          <a:prstGeom prst="rect">
+            <a:avLst/>
+          </a:prstGeom>
+        </p:spPr>
+      </p:pic>
     </p:spTree>
     <p:extLst>
       <p:ext uri="{BB962C8B-B14F-4D97-AF65-F5344CB8AC3E}">
@@ -14285,6 +14315,36 @@
           </p:txBody>
         </p:sp>
       </p:grpSp>
+      <p:pic>
+        <p:nvPicPr>
+          <p:cNvPr id="30" name="Picture 29"/>
+          <p:cNvPicPr>
+            <a:picLocks noChangeAspect="1"/>
+          </p:cNvPicPr>
+          <p:nvPr/>
+        </p:nvPicPr>
+        <p:blipFill>
+          <a:blip r:embed="rId5" cstate="print">
+            <a:extLst>
+              <a:ext uri="{28A0092B-C50C-407E-A947-70E740481C1C}">
+                <a14:useLocalDpi xmlns:a14="http://schemas.microsoft.com/office/drawing/2010/main" val="0"/>
+              </a:ext>
+            </a:extLst>
+          </a:blip>
+          <a:stretch>
+            <a:fillRect/>
+          </a:stretch>
+        </p:blipFill>
+        <p:spPr>
+          <a:xfrm>
+            <a:off x="982602" y="1906905"/>
+            <a:ext cx="710645" cy="355323"/>
+          </a:xfrm>
+          <a:prstGeom prst="rect">
+            <a:avLst/>
+          </a:prstGeom>
+        </p:spPr>
+      </p:pic>
     </p:spTree>
     <p:extLst>
       <p:ext uri="{BB962C8B-B14F-4D97-AF65-F5344CB8AC3E}">
@@ -29379,15 +29439,7 @@
                   <a:srgbClr val="3B9BC1"/>
                 </a:solidFill>
               </a:rPr>
-              <a:t> 1</a:t>
-            </a:r>
-            <a:r>
-              <a:rPr lang="en-US" sz="1200" dirty="0" smtClean="0">
-                <a:solidFill>
-                  <a:srgbClr val="3B9BC1"/>
-                </a:solidFill>
-              </a:rPr>
-              <a:t>) Angular+ </a:t>
+              <a:t> 1) Angular+ </a:t>
             </a:r>
             <a:r>
               <a:rPr lang="en-US" sz="1200" dirty="0">
@@ -31977,12 +32029,6 @@
 </file>
 
 <file path=customXml/item1.xml><?xml version="1.0" encoding="utf-8"?>
-<p:properties xmlns:p="http://schemas.microsoft.com/office/2006/metadata/properties" xmlns:xsi="http://www.w3.org/2001/XMLSchema-instance" xmlns:pc="http://schemas.microsoft.com/office/infopath/2007/PartnerControls">
-  <documentManagement/>
-</p:properties>
-</file>
-
-<file path=customXml/item2.xml><?xml version="1.0" encoding="utf-8"?>
 <ct:contentTypeSchema xmlns:ct="http://schemas.microsoft.com/office/2006/metadata/contentType" xmlns:ma="http://schemas.microsoft.com/office/2006/metadata/properties/metaAttributes" ct:_="" ma:_="" ma:contentTypeName="Document" ma:contentTypeID="0x0101001F419E1A6EA81A4789CC2A27D54FE063" ma:contentTypeVersion="2" ma:contentTypeDescription="Create a new document." ma:contentTypeScope="" ma:versionID="6e5cb36ff88c0f99687fc20d43474a84">
   <xsd:schema xmlns:xsd="http://www.w3.org/2001/XMLSchema" xmlns:xs="http://www.w3.org/2001/XMLSchema" xmlns:p="http://schemas.microsoft.com/office/2006/metadata/properties" targetNamespace="http://schemas.microsoft.com/office/2006/metadata/properties" ma:root="true" ma:fieldsID="0d665e38e66d01d06a7f476fcfe73af8">
     <xsd:element name="properties">
@@ -32096,6 +32142,12 @@
 </ct:contentTypeSchema>
 </file>
 
+<file path=customXml/item2.xml><?xml version="1.0" encoding="utf-8"?>
+<p:properties xmlns:p="http://schemas.microsoft.com/office/2006/metadata/properties" xmlns:xsi="http://www.w3.org/2001/XMLSchema-instance" xmlns:pc="http://schemas.microsoft.com/office/infopath/2007/PartnerControls">
+  <documentManagement/>
+</p:properties>
+</file>
+
 <file path=customXml/item3.xml><?xml version="1.0" encoding="utf-8"?>
 <?mso-contentType ?>
 <FormTemplates xmlns="http://schemas.microsoft.com/sharepoint/v3/contenttype/forms">
@@ -32106,21 +32158,6 @@
 </file>
 
 <file path=customXml/itemProps1.xml><?xml version="1.0" encoding="utf-8"?>
-<ds:datastoreItem xmlns:ds="http://schemas.openxmlformats.org/officeDocument/2006/customXml" ds:itemID="{65F64EBE-3065-4A3D-B86E-F21B0406FD66}">
-  <ds:schemaRefs>
-    <ds:schemaRef ds:uri="http://schemas.openxmlformats.org/package/2006/metadata/core-properties"/>
-    <ds:schemaRef ds:uri="http://purl.org/dc/elements/1.1/"/>
-    <ds:schemaRef ds:uri="http://schemas.microsoft.com/office/infopath/2007/PartnerControls"/>
-    <ds:schemaRef ds:uri="http://purl.org/dc/dcmitype/"/>
-    <ds:schemaRef ds:uri="http://schemas.microsoft.com/office/2006/documentManagement/types"/>
-    <ds:schemaRef ds:uri="http://schemas.microsoft.com/office/2006/metadata/properties"/>
-    <ds:schemaRef ds:uri="http://purl.org/dc/terms/"/>
-    <ds:schemaRef ds:uri="http://www.w3.org/XML/1998/namespace"/>
-  </ds:schemaRefs>
-</ds:datastoreItem>
-</file>
-
-<file path=customXml/itemProps2.xml><?xml version="1.0" encoding="utf-8"?>
 <ds:datastoreItem xmlns:ds="http://schemas.openxmlformats.org/officeDocument/2006/customXml" ds:itemID="{71BEF1E5-09DF-46B0-9968-4DC05085673B}">
   <ds:schemaRefs>
     <ds:schemaRef ds:uri="http://schemas.microsoft.com/office/2006/metadata/contentType"/>
@@ -32136,6 +32173,21 @@
 </ds:datastoreItem>
 </file>
 
+<file path=customXml/itemProps2.xml><?xml version="1.0" encoding="utf-8"?>
+<ds:datastoreItem xmlns:ds="http://schemas.openxmlformats.org/officeDocument/2006/customXml" ds:itemID="{65F64EBE-3065-4A3D-B86E-F21B0406FD66}">
+  <ds:schemaRefs>
+    <ds:schemaRef ds:uri="http://schemas.openxmlformats.org/package/2006/metadata/core-properties"/>
+    <ds:schemaRef ds:uri="http://purl.org/dc/elements/1.1/"/>
+    <ds:schemaRef ds:uri="http://schemas.microsoft.com/office/infopath/2007/PartnerControls"/>
+    <ds:schemaRef ds:uri="http://purl.org/dc/dcmitype/"/>
+    <ds:schemaRef ds:uri="http://schemas.microsoft.com/office/2006/documentManagement/types"/>
+    <ds:schemaRef ds:uri="http://schemas.microsoft.com/office/2006/metadata/properties"/>
+    <ds:schemaRef ds:uri="http://purl.org/dc/terms/"/>
+    <ds:schemaRef ds:uri="http://www.w3.org/XML/1998/namespace"/>
+  </ds:schemaRefs>
+</ds:datastoreItem>
+</file>
+
 <file path=customXml/itemProps3.xml><?xml version="1.0" encoding="utf-8"?>
 <ds:datastoreItem xmlns:ds="http://schemas.openxmlformats.org/officeDocument/2006/customXml" ds:itemID="{74695D99-3EAE-4F55-A2B4-F38051B8FE0A}">
   <ds:schemaRefs>

--- a/Challenge Presentation.PPTX
+++ b/Challenge Presentation.PPTX
@@ -5,10 +5,10 @@
     <p:sldMasterId id="2147483667" r:id="rId4"/>
   </p:sldMasterIdLst>
   <p:notesMasterIdLst>
-    <p:notesMasterId r:id="rId27"/>
+    <p:notesMasterId r:id="rId30"/>
   </p:notesMasterIdLst>
   <p:handoutMasterIdLst>
-    <p:handoutMasterId r:id="rId28"/>
+    <p:handoutMasterId r:id="rId31"/>
   </p:handoutMasterIdLst>
   <p:sldIdLst>
     <p:sldId id="257" r:id="rId5"/>
@@ -27,12 +27,15 @@
     <p:sldId id="344" r:id="rId18"/>
     <p:sldId id="345" r:id="rId19"/>
     <p:sldId id="346" r:id="rId20"/>
-    <p:sldId id="273" r:id="rId21"/>
-    <p:sldId id="342" r:id="rId22"/>
-    <p:sldId id="347" r:id="rId23"/>
-    <p:sldId id="275" r:id="rId24"/>
-    <p:sldId id="288" r:id="rId25"/>
-    <p:sldId id="269" r:id="rId26"/>
+    <p:sldId id="342" r:id="rId21"/>
+    <p:sldId id="347" r:id="rId22"/>
+    <p:sldId id="273" r:id="rId23"/>
+    <p:sldId id="349" r:id="rId24"/>
+    <p:sldId id="348" r:id="rId25"/>
+    <p:sldId id="350" r:id="rId26"/>
+    <p:sldId id="275" r:id="rId27"/>
+    <p:sldId id="288" r:id="rId28"/>
+    <p:sldId id="269" r:id="rId29"/>
   </p:sldIdLst>
   <p:sldSz cx="9144000" cy="5143500" type="screen16x9"/>
   <p:notesSz cx="6858000" cy="9144000"/>
@@ -152,9 +155,12 @@
             <p14:sldId id="344"/>
             <p14:sldId id="345"/>
             <p14:sldId id="346"/>
-            <p14:sldId id="273"/>
             <p14:sldId id="342"/>
             <p14:sldId id="347"/>
+            <p14:sldId id="273"/>
+            <p14:sldId id="349"/>
+            <p14:sldId id="348"/>
+            <p14:sldId id="350"/>
             <p14:sldId id="275"/>
             <p14:sldId id="288"/>
             <p14:sldId id="269"/>
@@ -363,7 +369,7 @@
           <a:p>
             <a:fld id="{63772A03-8192-4C8E-851E-DA871DEC8922}" type="datetimeFigureOut">
               <a:rPr lang="fr-FR" smtClean="0"/>
-              <a:t>05/12/2019</a:t>
+              <a:t>06/12/2019</a:t>
             </a:fld>
             <a:endParaRPr lang="fr-FR"/>
           </a:p>
@@ -533,7 +539,7 @@
             <a:fld id="{D680E798-53FF-4C51-A981-953463752515}" type="datetimeFigureOut">
               <a:rPr lang="fr-FR" smtClean="0"/>
               <a:pPr/>
-              <a:t>05/12/2019</a:t>
+              <a:t>06/12/2019</a:t>
             </a:fld>
             <a:endParaRPr lang="fr-FR" dirty="0"/>
           </a:p>
@@ -1214,7 +1220,7 @@
             <a:fld id="{1B06CD8F-B7ED-4A05-9FB1-A01CC0EF02CC}" type="slidenum">
               <a:rPr lang="fr-FR" smtClean="0"/>
               <a:pPr/>
-              <a:t>18</a:t>
+              <a:t>17</a:t>
             </a:fld>
             <a:endParaRPr lang="fr-FR" dirty="0"/>
           </a:p>
@@ -1299,7 +1305,7 @@
             <a:fld id="{1B06CD8F-B7ED-4A05-9FB1-A01CC0EF02CC}" type="slidenum">
               <a:rPr lang="fr-FR" smtClean="0"/>
               <a:pPr/>
-              <a:t>19</a:t>
+              <a:t>18</a:t>
             </a:fld>
             <a:endParaRPr lang="fr-FR" dirty="0"/>
           </a:p>
@@ -1384,7 +1390,7 @@
             <a:fld id="{1B06CD8F-B7ED-4A05-9FB1-A01CC0EF02CC}" type="slidenum">
               <a:rPr lang="fr-FR" smtClean="0"/>
               <a:pPr/>
-              <a:t>21</a:t>
+              <a:t>24</a:t>
             </a:fld>
             <a:endParaRPr lang="fr-FR" dirty="0"/>
           </a:p>
@@ -18845,7 +18851,7 @@
       </p:grpSpPr>
       <p:sp>
         <p:nvSpPr>
-          <p:cNvPr id="24" name="Titre 23"/>
+          <p:cNvPr id="7" name="Titre 6"/>
           <p:cNvSpPr>
             <a:spLocks noGrp="1"/>
           </p:cNvSpPr>
@@ -18859,8 +18865,20 @@
           <a:lstStyle/>
           <a:p>
             <a:r>
-              <a:rPr lang="fr-FR" dirty="0" smtClean="0"/>
-              <a:t>5.</a:t>
+              <a:rPr lang="en-US" dirty="0" smtClean="0"/>
+              <a:t>5. </a:t>
+            </a:r>
+            <a:r>
+              <a:rPr lang="en-US" dirty="0" err="1" smtClean="0"/>
+              <a:t>Requisitos</a:t>
+            </a:r>
+            <a:r>
+              <a:rPr lang="en-US" dirty="0" smtClean="0"/>
+              <a:t> </a:t>
+            </a:r>
+            <a:r>
+              <a:rPr lang="en-US" dirty="0" err="1" smtClean="0"/>
+              <a:t>Técnicos</a:t>
             </a:r>
             <a:endParaRPr lang="fr-FR" dirty="0"/>
           </a:p>
@@ -18868,7 +18886,7 @@
       </p:sp>
       <p:sp>
         <p:nvSpPr>
-          <p:cNvPr id="2" name="Espace réservé de la date 1"/>
+          <p:cNvPr id="3" name="Espace réservé de la date 2"/>
           <p:cNvSpPr>
             <a:spLocks noGrp="1"/>
           </p:cNvSpPr>
@@ -18882,10 +18900,10 @@
           <a:lstStyle/>
           <a:p>
             <a:r>
-              <a:rPr lang="fr-FR" noProof="0" smtClean="0"/>
+              <a:rPr lang="fr-FR" smtClean="0"/>
               <a:t>Date</a:t>
             </a:r>
-            <a:endParaRPr lang="fr-FR" noProof="0"/>
+            <a:endParaRPr lang="fr-FR"/>
           </a:p>
         </p:txBody>
       </p:sp>
@@ -18905,16 +18923,20 @@
           <a:lstStyle/>
           <a:p>
             <a:r>
-              <a:rPr lang="en-US" noProof="0" smtClean="0"/>
-              <a:t>Presentation title</a:t>
-            </a:r>
-            <a:endParaRPr lang="fr-FR" noProof="0"/>
-          </a:p>
-        </p:txBody>
-      </p:sp>
-      <p:sp>
-        <p:nvSpPr>
-          <p:cNvPr id="3" name="Espace réservé du numéro de diapositive 2"/>
+              <a:rPr lang="fr-FR" dirty="0"/>
+              <a:t>Code Race – O </a:t>
+            </a:r>
+            <a:r>
+              <a:rPr lang="fr-FR" dirty="0" err="1"/>
+              <a:t>Desafio</a:t>
+            </a:r>
+            <a:endParaRPr lang="fr-FR" dirty="0"/>
+          </a:p>
+        </p:txBody>
+      </p:sp>
+      <p:sp>
+        <p:nvSpPr>
+          <p:cNvPr id="5" name="Espace réservé du numéro de diapositive 4"/>
           <p:cNvSpPr>
             <a:spLocks noGrp="1"/>
           </p:cNvSpPr>
@@ -18927,53 +18949,1031 @@
           <a:bodyPr/>
           <a:lstStyle/>
           <a:p>
-            <a:fld id="{733122C9-A0B9-462F-8757-0847AD287B63}" type="slidenum">
-              <a:rPr lang="fr-FR" noProof="0" smtClean="0"/>
+            <a:fld id="{10C140CD-8AED-46FF-A9A2-77308F3F39AE}" type="slidenum">
+              <a:rPr lang="fr-FR" smtClean="0"/>
               <a:pPr/>
               <a:t>17</a:t>
             </a:fld>
-            <a:endParaRPr lang="fr-FR" noProof="0"/>
-          </a:p>
-        </p:txBody>
-      </p:sp>
-      <p:sp>
-        <p:nvSpPr>
-          <p:cNvPr id="25" name="Espace réservé du texte 24"/>
-          <p:cNvSpPr>
-            <a:spLocks noGrp="1"/>
-          </p:cNvSpPr>
-          <p:nvPr>
-            <p:ph type="body" sz="quarter" idx="13"/>
-          </p:nvPr>
-        </p:nvSpPr>
-        <p:spPr/>
-        <p:txBody>
-          <a:bodyPr/>
+            <a:endParaRPr lang="fr-FR" dirty="0"/>
+          </a:p>
+        </p:txBody>
+      </p:sp>
+      <p:sp>
+        <p:nvSpPr>
+          <p:cNvPr id="6" name="Rectangle 5"/>
+          <p:cNvSpPr/>
+          <p:nvPr/>
+        </p:nvSpPr>
+        <p:spPr>
+          <a:xfrm>
+            <a:off x="5223613" y="815846"/>
+            <a:ext cx="3522881" cy="216365"/>
+          </a:xfrm>
+          <a:prstGeom prst="rect">
+            <a:avLst/>
+          </a:prstGeom>
+          <a:solidFill>
+            <a:srgbClr val="3B9BC1"/>
+          </a:solidFill>
+          <a:ln>
+            <a:solidFill>
+              <a:srgbClr val="3B9BC1"/>
+            </a:solidFill>
+          </a:ln>
+        </p:spPr>
+        <p:style>
+          <a:lnRef idx="2">
+            <a:schemeClr val="accent1">
+              <a:shade val="50000"/>
+            </a:schemeClr>
+          </a:lnRef>
+          <a:fillRef idx="1">
+            <a:schemeClr val="accent1"/>
+          </a:fillRef>
+          <a:effectRef idx="0">
+            <a:schemeClr val="accent1"/>
+          </a:effectRef>
+          <a:fontRef idx="minor">
+            <a:schemeClr val="lt1"/>
+          </a:fontRef>
+        </p:style>
+        <p:txBody>
+          <a:bodyPr rtlCol="0" anchor="ctr"/>
           <a:lstStyle/>
           <a:p>
-            <a:r>
-              <a:rPr lang="en-US" dirty="0" err="1"/>
-              <a:t>Requisitos</a:t>
-            </a:r>
-            <a:r>
-              <a:rPr lang="en-US" dirty="0"/>
-              <a:t> </a:t>
-            </a:r>
-            <a:r>
-              <a:rPr lang="en-US" dirty="0" err="1" smtClean="0"/>
-              <a:t>Técnicos</a:t>
+            <a:pPr algn="ctr"/>
+            <a:r>
+              <a:rPr lang="en-US" sz="1400" dirty="0" err="1" smtClean="0">
+                <a:solidFill>
+                  <a:schemeClr val="bg1"/>
+                </a:solidFill>
+              </a:rPr>
+              <a:t>Opcionais</a:t>
+            </a:r>
+            <a:endParaRPr lang="en-US" sz="1400" dirty="0">
+              <a:solidFill>
+                <a:schemeClr val="bg1"/>
+              </a:solidFill>
+            </a:endParaRPr>
+          </a:p>
+        </p:txBody>
+      </p:sp>
+      <p:cxnSp>
+        <p:nvCxnSpPr>
+          <p:cNvPr id="8" name="Straight Connector 7"/>
+          <p:cNvCxnSpPr/>
+          <p:nvPr/>
+        </p:nvCxnSpPr>
+        <p:spPr>
+          <a:xfrm>
+            <a:off x="5967308" y="1040017"/>
+            <a:ext cx="2923202" cy="0"/>
+          </a:xfrm>
+          <a:prstGeom prst="line">
+            <a:avLst/>
+          </a:prstGeom>
+          <a:ln w="28575">
+            <a:solidFill>
+              <a:schemeClr val="tx1"/>
+            </a:solidFill>
+          </a:ln>
+        </p:spPr>
+        <p:style>
+          <a:lnRef idx="1">
+            <a:schemeClr val="accent1"/>
+          </a:lnRef>
+          <a:fillRef idx="0">
+            <a:schemeClr val="accent1"/>
+          </a:fillRef>
+          <a:effectRef idx="0">
+            <a:schemeClr val="accent1"/>
+          </a:effectRef>
+          <a:fontRef idx="minor">
+            <a:schemeClr val="tx1"/>
+          </a:fontRef>
+        </p:style>
+      </p:cxnSp>
+      <p:cxnSp>
+        <p:nvCxnSpPr>
+          <p:cNvPr id="65" name="Straight Connector 64"/>
+          <p:cNvCxnSpPr/>
+          <p:nvPr/>
+        </p:nvCxnSpPr>
+        <p:spPr>
+          <a:xfrm>
+            <a:off x="1263459" y="1491630"/>
+            <a:ext cx="0" cy="2592288"/>
+          </a:xfrm>
+          <a:prstGeom prst="line">
+            <a:avLst/>
+          </a:prstGeom>
+          <a:ln w="28575">
+            <a:solidFill>
+              <a:srgbClr val="1BA5DC"/>
+            </a:solidFill>
+          </a:ln>
+        </p:spPr>
+        <p:style>
+          <a:lnRef idx="1">
+            <a:schemeClr val="accent1"/>
+          </a:lnRef>
+          <a:fillRef idx="0">
+            <a:schemeClr val="accent1"/>
+          </a:fillRef>
+          <a:effectRef idx="0">
+            <a:schemeClr val="accent1"/>
+          </a:effectRef>
+          <a:fontRef idx="minor">
+            <a:schemeClr val="tx1"/>
+          </a:fontRef>
+        </p:style>
+      </p:cxnSp>
+      <p:cxnSp>
+        <p:nvCxnSpPr>
+          <p:cNvPr id="66" name="Straight Connector 65"/>
+          <p:cNvCxnSpPr/>
+          <p:nvPr/>
+        </p:nvCxnSpPr>
+        <p:spPr>
+          <a:xfrm flipV="1">
+            <a:off x="539552" y="1895605"/>
+            <a:ext cx="7920880" cy="15158"/>
+          </a:xfrm>
+          <a:prstGeom prst="line">
+            <a:avLst/>
+          </a:prstGeom>
+          <a:ln w="22225">
+            <a:solidFill>
+              <a:srgbClr val="1BA5DC"/>
+            </a:solidFill>
+          </a:ln>
+        </p:spPr>
+        <p:style>
+          <a:lnRef idx="1">
+            <a:schemeClr val="accent1"/>
+          </a:lnRef>
+          <a:fillRef idx="0">
+            <a:schemeClr val="accent1"/>
+          </a:fillRef>
+          <a:effectRef idx="0">
+            <a:schemeClr val="accent1"/>
+          </a:effectRef>
+          <a:fontRef idx="minor">
+            <a:schemeClr val="tx1"/>
+          </a:fontRef>
+        </p:style>
+      </p:cxnSp>
+      <p:cxnSp>
+        <p:nvCxnSpPr>
+          <p:cNvPr id="67" name="Straight Connector 66"/>
+          <p:cNvCxnSpPr/>
+          <p:nvPr/>
+        </p:nvCxnSpPr>
+        <p:spPr>
+          <a:xfrm>
+            <a:off x="539552" y="2774859"/>
+            <a:ext cx="7920880" cy="0"/>
+          </a:xfrm>
+          <a:prstGeom prst="line">
+            <a:avLst/>
+          </a:prstGeom>
+          <a:ln w="22225">
+            <a:solidFill>
+              <a:srgbClr val="1BA5DC"/>
+            </a:solidFill>
+          </a:ln>
+        </p:spPr>
+        <p:style>
+          <a:lnRef idx="1">
+            <a:schemeClr val="accent1"/>
+          </a:lnRef>
+          <a:fillRef idx="0">
+            <a:schemeClr val="accent1"/>
+          </a:fillRef>
+          <a:effectRef idx="0">
+            <a:schemeClr val="accent1"/>
+          </a:effectRef>
+          <a:fontRef idx="minor">
+            <a:schemeClr val="tx1"/>
+          </a:fontRef>
+        </p:style>
+      </p:cxnSp>
+      <p:cxnSp>
+        <p:nvCxnSpPr>
+          <p:cNvPr id="68" name="Straight Connector 67"/>
+          <p:cNvCxnSpPr/>
+          <p:nvPr/>
+        </p:nvCxnSpPr>
+        <p:spPr>
+          <a:xfrm>
+            <a:off x="547613" y="3638955"/>
+            <a:ext cx="7912819" cy="0"/>
+          </a:xfrm>
+          <a:prstGeom prst="line">
+            <a:avLst/>
+          </a:prstGeom>
+          <a:ln w="22225">
+            <a:solidFill>
+              <a:srgbClr val="1BA5DC"/>
+            </a:solidFill>
+          </a:ln>
+        </p:spPr>
+        <p:style>
+          <a:lnRef idx="1">
+            <a:schemeClr val="accent1"/>
+          </a:lnRef>
+          <a:fillRef idx="0">
+            <a:schemeClr val="accent1"/>
+          </a:fillRef>
+          <a:effectRef idx="0">
+            <a:schemeClr val="accent1"/>
+          </a:effectRef>
+          <a:fontRef idx="minor">
+            <a:schemeClr val="tx1"/>
+          </a:fontRef>
+        </p:style>
+      </p:cxnSp>
+      <p:cxnSp>
+        <p:nvCxnSpPr>
+          <p:cNvPr id="69" name="Straight Connector 68"/>
+          <p:cNvCxnSpPr/>
+          <p:nvPr/>
+        </p:nvCxnSpPr>
+        <p:spPr>
+          <a:xfrm>
+            <a:off x="539552" y="1478715"/>
+            <a:ext cx="6336704" cy="0"/>
+          </a:xfrm>
+          <a:prstGeom prst="line">
+            <a:avLst/>
+          </a:prstGeom>
+          <a:ln>
+            <a:solidFill>
+              <a:srgbClr val="1BA5DC"/>
+            </a:solidFill>
+          </a:ln>
+        </p:spPr>
+        <p:style>
+          <a:lnRef idx="1">
+            <a:schemeClr val="accent1"/>
+          </a:lnRef>
+          <a:fillRef idx="0">
+            <a:schemeClr val="accent1"/>
+          </a:fillRef>
+          <a:effectRef idx="0">
+            <a:schemeClr val="accent1"/>
+          </a:effectRef>
+          <a:fontRef idx="minor">
+            <a:schemeClr val="tx1"/>
+          </a:fontRef>
+        </p:style>
+      </p:cxnSp>
+      <p:cxnSp>
+        <p:nvCxnSpPr>
+          <p:cNvPr id="70" name="Straight Connector 69"/>
+          <p:cNvCxnSpPr/>
+          <p:nvPr/>
+        </p:nvCxnSpPr>
+        <p:spPr>
+          <a:xfrm flipV="1">
+            <a:off x="539552" y="4067734"/>
+            <a:ext cx="7920880" cy="3269"/>
+          </a:xfrm>
+          <a:prstGeom prst="line">
+            <a:avLst/>
+          </a:prstGeom>
+          <a:ln w="28575">
+            <a:solidFill>
+              <a:srgbClr val="1BA5DC"/>
+            </a:solidFill>
+          </a:ln>
+        </p:spPr>
+        <p:style>
+          <a:lnRef idx="1">
+            <a:schemeClr val="accent1"/>
+          </a:lnRef>
+          <a:fillRef idx="0">
+            <a:schemeClr val="accent1"/>
+          </a:fillRef>
+          <a:effectRef idx="0">
+            <a:schemeClr val="accent1"/>
+          </a:effectRef>
+          <a:fontRef idx="minor">
+            <a:schemeClr val="tx1"/>
+          </a:fontRef>
+        </p:style>
+      </p:cxnSp>
+      <p:cxnSp>
+        <p:nvCxnSpPr>
+          <p:cNvPr id="71" name="Straight Connector 70"/>
+          <p:cNvCxnSpPr/>
+          <p:nvPr/>
+        </p:nvCxnSpPr>
+        <p:spPr>
+          <a:xfrm>
+            <a:off x="547613" y="1478715"/>
+            <a:ext cx="0" cy="2592288"/>
+          </a:xfrm>
+          <a:prstGeom prst="line">
+            <a:avLst/>
+          </a:prstGeom>
+          <a:ln w="28575">
+            <a:solidFill>
+              <a:srgbClr val="1BA5DC"/>
+            </a:solidFill>
+          </a:ln>
+        </p:spPr>
+        <p:style>
+          <a:lnRef idx="1">
+            <a:schemeClr val="accent1"/>
+          </a:lnRef>
+          <a:fillRef idx="0">
+            <a:schemeClr val="accent1"/>
+          </a:fillRef>
+          <a:effectRef idx="0">
+            <a:schemeClr val="accent1"/>
+          </a:effectRef>
+          <a:fontRef idx="minor">
+            <a:schemeClr val="tx1"/>
+          </a:fontRef>
+        </p:style>
+      </p:cxnSp>
+      <p:cxnSp>
+        <p:nvCxnSpPr>
+          <p:cNvPr id="72" name="Straight Connector 71"/>
+          <p:cNvCxnSpPr/>
+          <p:nvPr/>
+        </p:nvCxnSpPr>
+        <p:spPr>
+          <a:xfrm flipV="1">
+            <a:off x="539552" y="1472177"/>
+            <a:ext cx="7920880" cy="12999"/>
+          </a:xfrm>
+          <a:prstGeom prst="line">
+            <a:avLst/>
+          </a:prstGeom>
+          <a:ln w="22225">
+            <a:solidFill>
+              <a:srgbClr val="1BA5DC"/>
+            </a:solidFill>
+          </a:ln>
+        </p:spPr>
+        <p:style>
+          <a:lnRef idx="1">
+            <a:schemeClr val="accent1"/>
+          </a:lnRef>
+          <a:fillRef idx="0">
+            <a:schemeClr val="accent1"/>
+          </a:fillRef>
+          <a:effectRef idx="0">
+            <a:schemeClr val="accent1"/>
+          </a:effectRef>
+          <a:fontRef idx="minor">
+            <a:schemeClr val="tx1"/>
+          </a:fontRef>
+        </p:style>
+      </p:cxnSp>
+      <p:sp>
+        <p:nvSpPr>
+          <p:cNvPr id="73" name="TextBox 72"/>
+          <p:cNvSpPr txBox="1"/>
+          <p:nvPr/>
+        </p:nvSpPr>
+        <p:spPr>
+          <a:xfrm>
+            <a:off x="574473" y="1199735"/>
+            <a:ext cx="671979" cy="276999"/>
+          </a:xfrm>
+          <a:prstGeom prst="rect">
+            <a:avLst/>
+          </a:prstGeom>
+          <a:noFill/>
+        </p:spPr>
+        <p:txBody>
+          <a:bodyPr wrap="none" rtlCol="0">
+            <a:spAutoFit/>
+          </a:bodyPr>
+          <a:lstStyle/>
+          <a:p>
+            <a:r>
+              <a:rPr lang="en-US" sz="1200" b="1" dirty="0" err="1" smtClean="0">
+                <a:solidFill>
+                  <a:srgbClr val="3B9BC1"/>
+                </a:solidFill>
+              </a:rPr>
+              <a:t>Req</a:t>
+            </a:r>
+            <a:r>
+              <a:rPr lang="en-US" sz="1200" b="1" dirty="0" smtClean="0">
+                <a:solidFill>
+                  <a:srgbClr val="3B9BC1"/>
+                </a:solidFill>
+              </a:rPr>
+              <a:t> ID</a:t>
+            </a:r>
+            <a:endParaRPr lang="en-US" sz="1200" b="1" dirty="0">
+              <a:solidFill>
+                <a:srgbClr val="3B9BC1"/>
+              </a:solidFill>
+            </a:endParaRPr>
+          </a:p>
+        </p:txBody>
+      </p:sp>
+      <p:sp>
+        <p:nvSpPr>
+          <p:cNvPr id="74" name="TextBox 73"/>
+          <p:cNvSpPr txBox="1"/>
+          <p:nvPr/>
+        </p:nvSpPr>
+        <p:spPr>
+          <a:xfrm>
+            <a:off x="1350630" y="1190570"/>
+            <a:ext cx="1050592" cy="276999"/>
+          </a:xfrm>
+          <a:prstGeom prst="rect">
+            <a:avLst/>
+          </a:prstGeom>
+          <a:noFill/>
+        </p:spPr>
+        <p:txBody>
+          <a:bodyPr wrap="square" rtlCol="0">
+            <a:spAutoFit/>
+          </a:bodyPr>
+          <a:lstStyle/>
+          <a:p>
+            <a:r>
+              <a:rPr lang="en-US" sz="1200" b="1" dirty="0" err="1" smtClean="0">
+                <a:solidFill>
+                  <a:srgbClr val="3B9BC1"/>
+                </a:solidFill>
+              </a:rPr>
+              <a:t>Descrição</a:t>
+            </a:r>
+            <a:endParaRPr lang="en-US" sz="1200" b="1" dirty="0">
+              <a:solidFill>
+                <a:srgbClr val="3B9BC1"/>
+              </a:solidFill>
+            </a:endParaRPr>
+          </a:p>
+        </p:txBody>
+      </p:sp>
+      <p:cxnSp>
+        <p:nvCxnSpPr>
+          <p:cNvPr id="75" name="Straight Connector 74"/>
+          <p:cNvCxnSpPr/>
+          <p:nvPr/>
+        </p:nvCxnSpPr>
+        <p:spPr>
+          <a:xfrm>
+            <a:off x="8460432" y="1491630"/>
+            <a:ext cx="0" cy="2592288"/>
+          </a:xfrm>
+          <a:prstGeom prst="line">
+            <a:avLst/>
+          </a:prstGeom>
+          <a:ln w="28575">
+            <a:solidFill>
+              <a:srgbClr val="1BA5DC"/>
+            </a:solidFill>
+          </a:ln>
+        </p:spPr>
+        <p:style>
+          <a:lnRef idx="1">
+            <a:schemeClr val="accent1"/>
+          </a:lnRef>
+          <a:fillRef idx="0">
+            <a:schemeClr val="accent1"/>
+          </a:fillRef>
+          <a:effectRef idx="0">
+            <a:schemeClr val="accent1"/>
+          </a:effectRef>
+          <a:fontRef idx="minor">
+            <a:schemeClr val="tx1"/>
+          </a:fontRef>
+        </p:style>
+      </p:cxnSp>
+      <p:sp>
+        <p:nvSpPr>
+          <p:cNvPr id="76" name="TextBox 75"/>
+          <p:cNvSpPr txBox="1"/>
+          <p:nvPr/>
+        </p:nvSpPr>
+        <p:spPr>
+          <a:xfrm>
+            <a:off x="660386" y="1556390"/>
+            <a:ext cx="557012" cy="276999"/>
+          </a:xfrm>
+          <a:prstGeom prst="rect">
+            <a:avLst/>
+          </a:prstGeom>
+          <a:noFill/>
+        </p:spPr>
+        <p:txBody>
+          <a:bodyPr wrap="none" rtlCol="0">
+            <a:spAutoFit/>
+          </a:bodyPr>
+          <a:lstStyle/>
+          <a:p>
+            <a:r>
+              <a:rPr lang="en-US" sz="1200" dirty="0" smtClean="0">
+                <a:solidFill>
+                  <a:srgbClr val="3B9BC1"/>
+                </a:solidFill>
+              </a:rPr>
+              <a:t>RT01</a:t>
+            </a:r>
+            <a:endParaRPr lang="en-US" sz="1200" dirty="0">
+              <a:solidFill>
+                <a:srgbClr val="3B9BC1"/>
+              </a:solidFill>
+            </a:endParaRPr>
+          </a:p>
+        </p:txBody>
+      </p:sp>
+      <p:sp>
+        <p:nvSpPr>
+          <p:cNvPr id="77" name="TextBox 76"/>
+          <p:cNvSpPr txBox="1"/>
+          <p:nvPr/>
+        </p:nvSpPr>
+        <p:spPr>
+          <a:xfrm>
+            <a:off x="647955" y="2008438"/>
+            <a:ext cx="557012" cy="276999"/>
+          </a:xfrm>
+          <a:prstGeom prst="rect">
+            <a:avLst/>
+          </a:prstGeom>
+          <a:noFill/>
+        </p:spPr>
+        <p:txBody>
+          <a:bodyPr wrap="none" rtlCol="0">
+            <a:spAutoFit/>
+          </a:bodyPr>
+          <a:lstStyle/>
+          <a:p>
+            <a:r>
+              <a:rPr lang="en-US" sz="1200" dirty="0" smtClean="0">
+                <a:solidFill>
+                  <a:srgbClr val="3B9BC1"/>
+                </a:solidFill>
+              </a:rPr>
+              <a:t>RT02</a:t>
+            </a:r>
+            <a:endParaRPr lang="en-US" sz="1200" dirty="0">
+              <a:solidFill>
+                <a:srgbClr val="3B9BC1"/>
+              </a:solidFill>
+            </a:endParaRPr>
+          </a:p>
+        </p:txBody>
+      </p:sp>
+      <p:sp>
+        <p:nvSpPr>
+          <p:cNvPr id="78" name="TextBox 77"/>
+          <p:cNvSpPr txBox="1"/>
+          <p:nvPr/>
+        </p:nvSpPr>
+        <p:spPr>
+          <a:xfrm>
+            <a:off x="641937" y="2415818"/>
+            <a:ext cx="557012" cy="276999"/>
+          </a:xfrm>
+          <a:prstGeom prst="rect">
+            <a:avLst/>
+          </a:prstGeom>
+          <a:noFill/>
+        </p:spPr>
+        <p:txBody>
+          <a:bodyPr wrap="none" rtlCol="0">
+            <a:spAutoFit/>
+          </a:bodyPr>
+          <a:lstStyle/>
+          <a:p>
+            <a:r>
+              <a:rPr lang="en-US" sz="1200" dirty="0" smtClean="0">
+                <a:solidFill>
+                  <a:srgbClr val="3B9BC1"/>
+                </a:solidFill>
+              </a:rPr>
+              <a:t>RT03</a:t>
+            </a:r>
+            <a:endParaRPr lang="en-US" sz="1200" dirty="0">
+              <a:solidFill>
+                <a:srgbClr val="3B9BC1"/>
+              </a:solidFill>
+            </a:endParaRPr>
+          </a:p>
+        </p:txBody>
+      </p:sp>
+      <p:sp>
+        <p:nvSpPr>
+          <p:cNvPr id="79" name="TextBox 78"/>
+          <p:cNvSpPr txBox="1"/>
+          <p:nvPr/>
+        </p:nvSpPr>
+        <p:spPr>
+          <a:xfrm>
+            <a:off x="633600" y="2859491"/>
+            <a:ext cx="557012" cy="276999"/>
+          </a:xfrm>
+          <a:prstGeom prst="rect">
+            <a:avLst/>
+          </a:prstGeom>
+          <a:noFill/>
+        </p:spPr>
+        <p:txBody>
+          <a:bodyPr wrap="none" rtlCol="0">
+            <a:spAutoFit/>
+          </a:bodyPr>
+          <a:lstStyle/>
+          <a:p>
+            <a:r>
+              <a:rPr lang="en-US" sz="1200" dirty="0" smtClean="0">
+                <a:solidFill>
+                  <a:srgbClr val="3B9BC1"/>
+                </a:solidFill>
+              </a:rPr>
+              <a:t>RT04</a:t>
+            </a:r>
+            <a:endParaRPr lang="en-US" sz="1200" dirty="0">
+              <a:solidFill>
+                <a:srgbClr val="3B9BC1"/>
+              </a:solidFill>
+            </a:endParaRPr>
+          </a:p>
+        </p:txBody>
+      </p:sp>
+      <p:sp>
+        <p:nvSpPr>
+          <p:cNvPr id="80" name="TextBox 79"/>
+          <p:cNvSpPr txBox="1"/>
+          <p:nvPr/>
+        </p:nvSpPr>
+        <p:spPr>
+          <a:xfrm>
+            <a:off x="657537" y="3301756"/>
+            <a:ext cx="557012" cy="276999"/>
+          </a:xfrm>
+          <a:prstGeom prst="rect">
+            <a:avLst/>
+          </a:prstGeom>
+          <a:noFill/>
+        </p:spPr>
+        <p:txBody>
+          <a:bodyPr wrap="none" rtlCol="0">
+            <a:spAutoFit/>
+          </a:bodyPr>
+          <a:lstStyle/>
+          <a:p>
+            <a:r>
+              <a:rPr lang="en-US" sz="1200" dirty="0" smtClean="0">
+                <a:solidFill>
+                  <a:srgbClr val="3B9BC1"/>
+                </a:solidFill>
+              </a:rPr>
+              <a:t>RT05</a:t>
+            </a:r>
+            <a:endParaRPr lang="en-US" sz="1200" dirty="0">
+              <a:solidFill>
+                <a:srgbClr val="3B9BC1"/>
+              </a:solidFill>
+            </a:endParaRPr>
+          </a:p>
+        </p:txBody>
+      </p:sp>
+      <p:sp>
+        <p:nvSpPr>
+          <p:cNvPr id="81" name="TextBox 80"/>
+          <p:cNvSpPr txBox="1"/>
+          <p:nvPr/>
+        </p:nvSpPr>
+        <p:spPr>
+          <a:xfrm>
+            <a:off x="654840" y="3701922"/>
+            <a:ext cx="557012" cy="276999"/>
+          </a:xfrm>
+          <a:prstGeom prst="rect">
+            <a:avLst/>
+          </a:prstGeom>
+          <a:noFill/>
+        </p:spPr>
+        <p:txBody>
+          <a:bodyPr wrap="none" rtlCol="0">
+            <a:spAutoFit/>
+          </a:bodyPr>
+          <a:lstStyle/>
+          <a:p>
+            <a:r>
+              <a:rPr lang="en-US" sz="1200" dirty="0" smtClean="0">
+                <a:solidFill>
+                  <a:srgbClr val="3B9BC1"/>
+                </a:solidFill>
+              </a:rPr>
+              <a:t>RT06</a:t>
+            </a:r>
+            <a:endParaRPr lang="en-US" sz="1200" dirty="0">
+              <a:solidFill>
+                <a:srgbClr val="3B9BC1"/>
+              </a:solidFill>
+            </a:endParaRPr>
+          </a:p>
+        </p:txBody>
+      </p:sp>
+      <p:cxnSp>
+        <p:nvCxnSpPr>
+          <p:cNvPr id="82" name="Straight Connector 81"/>
+          <p:cNvCxnSpPr/>
+          <p:nvPr/>
+        </p:nvCxnSpPr>
+        <p:spPr>
+          <a:xfrm flipV="1">
+            <a:off x="546348" y="2325122"/>
+            <a:ext cx="7920880" cy="15158"/>
+          </a:xfrm>
+          <a:prstGeom prst="line">
+            <a:avLst/>
+          </a:prstGeom>
+          <a:ln w="22225">
+            <a:solidFill>
+              <a:srgbClr val="1BA5DC"/>
+            </a:solidFill>
+          </a:ln>
+        </p:spPr>
+        <p:style>
+          <a:lnRef idx="1">
+            <a:schemeClr val="accent1"/>
+          </a:lnRef>
+          <a:fillRef idx="0">
+            <a:schemeClr val="accent1"/>
+          </a:fillRef>
+          <a:effectRef idx="0">
+            <a:schemeClr val="accent1"/>
+          </a:effectRef>
+          <a:fontRef idx="minor">
+            <a:schemeClr val="tx1"/>
+          </a:fontRef>
+        </p:style>
+      </p:cxnSp>
+      <p:cxnSp>
+        <p:nvCxnSpPr>
+          <p:cNvPr id="83" name="Straight Connector 82"/>
+          <p:cNvCxnSpPr/>
+          <p:nvPr/>
+        </p:nvCxnSpPr>
+        <p:spPr>
+          <a:xfrm flipV="1">
+            <a:off x="532757" y="3194165"/>
+            <a:ext cx="7920880" cy="15158"/>
+          </a:xfrm>
+          <a:prstGeom prst="line">
+            <a:avLst/>
+          </a:prstGeom>
+          <a:ln w="22225">
+            <a:solidFill>
+              <a:srgbClr val="1BA5DC"/>
+            </a:solidFill>
+          </a:ln>
+        </p:spPr>
+        <p:style>
+          <a:lnRef idx="1">
+            <a:schemeClr val="accent1"/>
+          </a:lnRef>
+          <a:fillRef idx="0">
+            <a:schemeClr val="accent1"/>
+          </a:fillRef>
+          <a:effectRef idx="0">
+            <a:schemeClr val="accent1"/>
+          </a:effectRef>
+          <a:fontRef idx="minor">
+            <a:schemeClr val="tx1"/>
+          </a:fontRef>
+        </p:style>
+      </p:cxnSp>
+      <p:sp>
+        <p:nvSpPr>
+          <p:cNvPr id="84" name="TextBox 83"/>
+          <p:cNvSpPr txBox="1"/>
+          <p:nvPr/>
+        </p:nvSpPr>
+        <p:spPr>
+          <a:xfrm>
+            <a:off x="1244579" y="2349271"/>
+            <a:ext cx="7199006" cy="276999"/>
+          </a:xfrm>
+          <a:prstGeom prst="rect">
+            <a:avLst/>
+          </a:prstGeom>
+          <a:noFill/>
+        </p:spPr>
+        <p:txBody>
+          <a:bodyPr wrap="square" rtlCol="0">
+            <a:spAutoFit/>
+          </a:bodyPr>
+          <a:lstStyle/>
+          <a:p>
+            <a:pPr algn="just"/>
+            <a:r>
+              <a:rPr lang="pt-BR" sz="1200" dirty="0">
+                <a:solidFill>
+                  <a:srgbClr val="3B9BC1"/>
+                </a:solidFill>
+              </a:rPr>
+              <a:t>O uso de padrões de desenho deve ser privilegiado, em vez de código esparguete.</a:t>
             </a:r>
             <a:endParaRPr lang="en-US" dirty="0"/>
           </a:p>
-          <a:p>
-            <a:endParaRPr lang="fr-FR" dirty="0"/>
+        </p:txBody>
+      </p:sp>
+      <p:sp>
+        <p:nvSpPr>
+          <p:cNvPr id="85" name="TextBox 84"/>
+          <p:cNvSpPr txBox="1"/>
+          <p:nvPr/>
+        </p:nvSpPr>
+        <p:spPr>
+          <a:xfrm>
+            <a:off x="1244579" y="1490817"/>
+            <a:ext cx="7199006" cy="276999"/>
+          </a:xfrm>
+          <a:prstGeom prst="rect">
+            <a:avLst/>
+          </a:prstGeom>
+          <a:noFill/>
+        </p:spPr>
+        <p:txBody>
+          <a:bodyPr wrap="square" rtlCol="0">
+            <a:spAutoFit/>
+          </a:bodyPr>
+          <a:lstStyle/>
+          <a:p>
+            <a:pPr algn="just"/>
+            <a:r>
+              <a:rPr lang="pt-BR" sz="1200" dirty="0">
+                <a:solidFill>
+                  <a:srgbClr val="3B9BC1"/>
+                </a:solidFill>
+              </a:rPr>
+              <a:t>A comunicação do sistema deve usar serviços REST, transportando JSON.</a:t>
+            </a:r>
+            <a:endParaRPr lang="en-US" dirty="0"/>
+          </a:p>
+        </p:txBody>
+      </p:sp>
+      <p:sp>
+        <p:nvSpPr>
+          <p:cNvPr id="86" name="TextBox 85"/>
+          <p:cNvSpPr txBox="1"/>
+          <p:nvPr/>
+        </p:nvSpPr>
+        <p:spPr>
+          <a:xfrm>
+            <a:off x="1247133" y="1912928"/>
+            <a:ext cx="7199006" cy="461665"/>
+          </a:xfrm>
+          <a:prstGeom prst="rect">
+            <a:avLst/>
+          </a:prstGeom>
+          <a:noFill/>
+        </p:spPr>
+        <p:txBody>
+          <a:bodyPr wrap="square" rtlCol="0">
+            <a:spAutoFit/>
+          </a:bodyPr>
+          <a:lstStyle/>
+          <a:p>
+            <a:pPr algn="just"/>
+            <a:r>
+              <a:rPr lang="pt-BR" sz="1200" dirty="0">
+                <a:solidFill>
+                  <a:srgbClr val="3B9BC1"/>
+                </a:solidFill>
+              </a:rPr>
+              <a:t>O Backend deverá seguir o padrão MVC.</a:t>
+            </a:r>
+          </a:p>
+          <a:p>
+            <a:pPr algn="just"/>
+            <a:r>
+              <a:rPr lang="pt-BR" sz="1200" dirty="0">
+                <a:solidFill>
+                  <a:srgbClr val="3B9BC1"/>
+                </a:solidFill>
+              </a:rPr>
+              <a:t>O Frontend e a MobileApp deverão ser modulares.</a:t>
+            </a:r>
+          </a:p>
+        </p:txBody>
+      </p:sp>
+      <p:sp>
+        <p:nvSpPr>
+          <p:cNvPr id="87" name="TextBox 86"/>
+          <p:cNvSpPr txBox="1"/>
+          <p:nvPr/>
+        </p:nvSpPr>
+        <p:spPr>
+          <a:xfrm>
+            <a:off x="1251374" y="2778049"/>
+            <a:ext cx="7199006" cy="276999"/>
+          </a:xfrm>
+          <a:prstGeom prst="rect">
+            <a:avLst/>
+          </a:prstGeom>
+          <a:noFill/>
+        </p:spPr>
+        <p:txBody>
+          <a:bodyPr wrap="square" rtlCol="0">
+            <a:spAutoFit/>
+          </a:bodyPr>
+          <a:lstStyle/>
+          <a:p>
+            <a:pPr algn="just"/>
+            <a:r>
+              <a:rPr lang="pt-BR" sz="1200" dirty="0">
+                <a:solidFill>
+                  <a:srgbClr val="3B9BC1"/>
+                </a:solidFill>
+              </a:rPr>
+              <a:t>O código de todos os sistemas deve estar testado automaticamente.</a:t>
+            </a:r>
+            <a:endParaRPr lang="en-US" dirty="0"/>
+          </a:p>
+        </p:txBody>
+      </p:sp>
+      <p:sp>
+        <p:nvSpPr>
+          <p:cNvPr id="88" name="TextBox 87"/>
+          <p:cNvSpPr txBox="1"/>
+          <p:nvPr/>
+        </p:nvSpPr>
+        <p:spPr>
+          <a:xfrm>
+            <a:off x="1241322" y="3195345"/>
+            <a:ext cx="7199006" cy="461665"/>
+          </a:xfrm>
+          <a:prstGeom prst="rect">
+            <a:avLst/>
+          </a:prstGeom>
+          <a:noFill/>
+        </p:spPr>
+        <p:txBody>
+          <a:bodyPr wrap="square" rtlCol="0">
+            <a:spAutoFit/>
+          </a:bodyPr>
+          <a:lstStyle/>
+          <a:p>
+            <a:pPr algn="just"/>
+            <a:r>
+              <a:rPr lang="pt-BR" sz="1200" dirty="0">
+                <a:solidFill>
+                  <a:srgbClr val="3B9BC1"/>
+                </a:solidFill>
+              </a:rPr>
+              <a:t>O código do sistema deverá seguir as melhores práticas de desenvolvimento (code quality and analysis).</a:t>
+            </a:r>
+            <a:endParaRPr lang="en-US" dirty="0"/>
+          </a:p>
+        </p:txBody>
+      </p:sp>
+      <p:sp>
+        <p:nvSpPr>
+          <p:cNvPr id="89" name="TextBox 88"/>
+          <p:cNvSpPr txBox="1"/>
+          <p:nvPr/>
+        </p:nvSpPr>
+        <p:spPr>
+          <a:xfrm>
+            <a:off x="1266395" y="3609589"/>
+            <a:ext cx="7199006" cy="276999"/>
+          </a:xfrm>
+          <a:prstGeom prst="rect">
+            <a:avLst/>
+          </a:prstGeom>
+          <a:noFill/>
+        </p:spPr>
+        <p:txBody>
+          <a:bodyPr wrap="square" rtlCol="0">
+            <a:spAutoFit/>
+          </a:bodyPr>
+          <a:lstStyle/>
+          <a:p>
+            <a:pPr algn="just"/>
+            <a:r>
+              <a:rPr lang="pt-BR" sz="1200" dirty="0">
+                <a:solidFill>
+                  <a:srgbClr val="3B9BC1"/>
+                </a:solidFill>
+              </a:rPr>
+              <a:t>O sistema deve estar documentado, também com comentários ao código.</a:t>
+            </a:r>
+            <a:endParaRPr lang="en-US" dirty="0"/>
           </a:p>
         </p:txBody>
       </p:sp>
     </p:spTree>
     <p:extLst>
       <p:ext uri="{BB962C8B-B14F-4D97-AF65-F5344CB8AC3E}">
-        <p14:creationId xmlns:p14="http://schemas.microsoft.com/office/powerpoint/2010/main" val="894643797"/>
+        <p14:creationId xmlns:p14="http://schemas.microsoft.com/office/powerpoint/2010/main" val="1361176474"/>
       </p:ext>
     </p:extLst>
   </p:cSld>
@@ -19023,7 +20023,7 @@
           <a:lstStyle/>
           <a:p>
             <a:r>
-              <a:rPr lang="en-US" dirty="0" smtClean="0"/>
+              <a:rPr lang="fr-FR" dirty="0" smtClean="0"/>
               <a:t>5. </a:t>
             </a:r>
             <a:r>
@@ -19038,6 +20038,13 @@
               <a:rPr lang="en-US" dirty="0" err="1" smtClean="0"/>
               <a:t>Técnicos</a:t>
             </a:r>
+            <a:r>
+              <a:rPr lang="en-US" dirty="0"/>
+              <a:t/>
+            </a:r>
+            <a:br>
+              <a:rPr lang="en-US" dirty="0"/>
+            </a:br>
             <a:endParaRPr lang="fr-FR" dirty="0"/>
           </a:p>
         </p:txBody>
@@ -19213,19 +20220,532 @@
       </p:cxnSp>
       <p:cxnSp>
         <p:nvCxnSpPr>
+          <p:cNvPr id="10" name="Straight Connector 9"/>
+          <p:cNvCxnSpPr/>
+          <p:nvPr/>
+        </p:nvCxnSpPr>
+        <p:spPr>
+          <a:xfrm>
+            <a:off x="1263459" y="1491630"/>
+            <a:ext cx="0" cy="2592288"/>
+          </a:xfrm>
+          <a:prstGeom prst="line">
+            <a:avLst/>
+          </a:prstGeom>
+          <a:ln w="28575">
+            <a:solidFill>
+              <a:srgbClr val="1BA5DC"/>
+            </a:solidFill>
+          </a:ln>
+        </p:spPr>
+        <p:style>
+          <a:lnRef idx="1">
+            <a:schemeClr val="accent1"/>
+          </a:lnRef>
+          <a:fillRef idx="0">
+            <a:schemeClr val="accent1"/>
+          </a:fillRef>
+          <a:effectRef idx="0">
+            <a:schemeClr val="accent1"/>
+          </a:effectRef>
+          <a:fontRef idx="minor">
+            <a:schemeClr val="tx1"/>
+          </a:fontRef>
+        </p:style>
+      </p:cxnSp>
+      <p:cxnSp>
+        <p:nvCxnSpPr>
+          <p:cNvPr id="15" name="Straight Connector 14"/>
+          <p:cNvCxnSpPr/>
+          <p:nvPr/>
+        </p:nvCxnSpPr>
+        <p:spPr>
+          <a:xfrm flipV="1">
+            <a:off x="539552" y="1895605"/>
+            <a:ext cx="7920880" cy="15158"/>
+          </a:xfrm>
+          <a:prstGeom prst="line">
+            <a:avLst/>
+          </a:prstGeom>
+          <a:ln w="22225">
+            <a:solidFill>
+              <a:srgbClr val="1BA5DC"/>
+            </a:solidFill>
+          </a:ln>
+        </p:spPr>
+        <p:style>
+          <a:lnRef idx="1">
+            <a:schemeClr val="accent1"/>
+          </a:lnRef>
+          <a:fillRef idx="0">
+            <a:schemeClr val="accent1"/>
+          </a:fillRef>
+          <a:effectRef idx="0">
+            <a:schemeClr val="accent1"/>
+          </a:effectRef>
+          <a:fontRef idx="minor">
+            <a:schemeClr val="tx1"/>
+          </a:fontRef>
+        </p:style>
+      </p:cxnSp>
+      <p:cxnSp>
+        <p:nvCxnSpPr>
+          <p:cNvPr id="29" name="Straight Connector 28"/>
+          <p:cNvCxnSpPr/>
+          <p:nvPr/>
+        </p:nvCxnSpPr>
+        <p:spPr>
+          <a:xfrm>
+            <a:off x="539552" y="2774859"/>
+            <a:ext cx="7920880" cy="0"/>
+          </a:xfrm>
+          <a:prstGeom prst="line">
+            <a:avLst/>
+          </a:prstGeom>
+          <a:ln w="22225">
+            <a:solidFill>
+              <a:srgbClr val="1BA5DC"/>
+            </a:solidFill>
+          </a:ln>
+        </p:spPr>
+        <p:style>
+          <a:lnRef idx="1">
+            <a:schemeClr val="accent1"/>
+          </a:lnRef>
+          <a:fillRef idx="0">
+            <a:schemeClr val="accent1"/>
+          </a:fillRef>
+          <a:effectRef idx="0">
+            <a:schemeClr val="accent1"/>
+          </a:effectRef>
+          <a:fontRef idx="minor">
+            <a:schemeClr val="tx1"/>
+          </a:fontRef>
+        </p:style>
+      </p:cxnSp>
+      <p:cxnSp>
+        <p:nvCxnSpPr>
+          <p:cNvPr id="41" name="Straight Connector 40"/>
+          <p:cNvCxnSpPr/>
+          <p:nvPr/>
+        </p:nvCxnSpPr>
+        <p:spPr>
+          <a:xfrm>
+            <a:off x="547613" y="3638955"/>
+            <a:ext cx="7912819" cy="0"/>
+          </a:xfrm>
+          <a:prstGeom prst="line">
+            <a:avLst/>
+          </a:prstGeom>
+          <a:ln w="22225">
+            <a:solidFill>
+              <a:srgbClr val="1BA5DC"/>
+            </a:solidFill>
+          </a:ln>
+        </p:spPr>
+        <p:style>
+          <a:lnRef idx="1">
+            <a:schemeClr val="accent1"/>
+          </a:lnRef>
+          <a:fillRef idx="0">
+            <a:schemeClr val="accent1"/>
+          </a:fillRef>
+          <a:effectRef idx="0">
+            <a:schemeClr val="accent1"/>
+          </a:effectRef>
+          <a:fontRef idx="minor">
+            <a:schemeClr val="tx1"/>
+          </a:fontRef>
+        </p:style>
+      </p:cxnSp>
+      <p:cxnSp>
+        <p:nvCxnSpPr>
+          <p:cNvPr id="42" name="Straight Connector 41"/>
+          <p:cNvCxnSpPr/>
+          <p:nvPr/>
+        </p:nvCxnSpPr>
+        <p:spPr>
+          <a:xfrm>
+            <a:off x="539552" y="1478715"/>
+            <a:ext cx="6336704" cy="0"/>
+          </a:xfrm>
+          <a:prstGeom prst="line">
+            <a:avLst/>
+          </a:prstGeom>
+          <a:ln>
+            <a:solidFill>
+              <a:srgbClr val="1BA5DC"/>
+            </a:solidFill>
+          </a:ln>
+        </p:spPr>
+        <p:style>
+          <a:lnRef idx="1">
+            <a:schemeClr val="accent1"/>
+          </a:lnRef>
+          <a:fillRef idx="0">
+            <a:schemeClr val="accent1"/>
+          </a:fillRef>
+          <a:effectRef idx="0">
+            <a:schemeClr val="accent1"/>
+          </a:effectRef>
+          <a:fontRef idx="minor">
+            <a:schemeClr val="tx1"/>
+          </a:fontRef>
+        </p:style>
+      </p:cxnSp>
+      <p:cxnSp>
+        <p:nvCxnSpPr>
+          <p:cNvPr id="48" name="Straight Connector 47"/>
+          <p:cNvCxnSpPr/>
+          <p:nvPr/>
+        </p:nvCxnSpPr>
+        <p:spPr>
+          <a:xfrm flipV="1">
+            <a:off x="539552" y="4067734"/>
+            <a:ext cx="7920880" cy="3269"/>
+          </a:xfrm>
+          <a:prstGeom prst="line">
+            <a:avLst/>
+          </a:prstGeom>
+          <a:ln w="28575">
+            <a:solidFill>
+              <a:srgbClr val="1BA5DC"/>
+            </a:solidFill>
+          </a:ln>
+        </p:spPr>
+        <p:style>
+          <a:lnRef idx="1">
+            <a:schemeClr val="accent1"/>
+          </a:lnRef>
+          <a:fillRef idx="0">
+            <a:schemeClr val="accent1"/>
+          </a:fillRef>
+          <a:effectRef idx="0">
+            <a:schemeClr val="accent1"/>
+          </a:effectRef>
+          <a:fontRef idx="minor">
+            <a:schemeClr val="tx1"/>
+          </a:fontRef>
+        </p:style>
+      </p:cxnSp>
+      <p:cxnSp>
+        <p:nvCxnSpPr>
+          <p:cNvPr id="50" name="Straight Connector 49"/>
+          <p:cNvCxnSpPr/>
+          <p:nvPr/>
+        </p:nvCxnSpPr>
+        <p:spPr>
+          <a:xfrm>
+            <a:off x="547613" y="1478715"/>
+            <a:ext cx="0" cy="2592288"/>
+          </a:xfrm>
+          <a:prstGeom prst="line">
+            <a:avLst/>
+          </a:prstGeom>
+          <a:ln w="28575">
+            <a:solidFill>
+              <a:srgbClr val="1BA5DC"/>
+            </a:solidFill>
+          </a:ln>
+        </p:spPr>
+        <p:style>
+          <a:lnRef idx="1">
+            <a:schemeClr val="accent1"/>
+          </a:lnRef>
+          <a:fillRef idx="0">
+            <a:schemeClr val="accent1"/>
+          </a:fillRef>
+          <a:effectRef idx="0">
+            <a:schemeClr val="accent1"/>
+          </a:effectRef>
+          <a:fontRef idx="minor">
+            <a:schemeClr val="tx1"/>
+          </a:fontRef>
+        </p:style>
+      </p:cxnSp>
+      <p:cxnSp>
+        <p:nvCxnSpPr>
+          <p:cNvPr id="174" name="Straight Connector 173"/>
+          <p:cNvCxnSpPr/>
+          <p:nvPr/>
+        </p:nvCxnSpPr>
+        <p:spPr>
+          <a:xfrm flipV="1">
+            <a:off x="539552" y="1472177"/>
+            <a:ext cx="7920880" cy="12999"/>
+          </a:xfrm>
+          <a:prstGeom prst="line">
+            <a:avLst/>
+          </a:prstGeom>
+          <a:ln w="22225">
+            <a:solidFill>
+              <a:srgbClr val="1BA5DC"/>
+            </a:solidFill>
+          </a:ln>
+        </p:spPr>
+        <p:style>
+          <a:lnRef idx="1">
+            <a:schemeClr val="accent1"/>
+          </a:lnRef>
+          <a:fillRef idx="0">
+            <a:schemeClr val="accent1"/>
+          </a:fillRef>
+          <a:effectRef idx="0">
+            <a:schemeClr val="accent1"/>
+          </a:effectRef>
+          <a:fontRef idx="minor">
+            <a:schemeClr val="tx1"/>
+          </a:fontRef>
+        </p:style>
+      </p:cxnSp>
+      <p:sp>
+        <p:nvSpPr>
+          <p:cNvPr id="176" name="TextBox 175"/>
+          <p:cNvSpPr txBox="1"/>
+          <p:nvPr/>
+        </p:nvSpPr>
+        <p:spPr>
+          <a:xfrm>
+            <a:off x="574473" y="1199735"/>
+            <a:ext cx="671979" cy="276999"/>
+          </a:xfrm>
+          <a:prstGeom prst="rect">
+            <a:avLst/>
+          </a:prstGeom>
+          <a:noFill/>
+        </p:spPr>
+        <p:txBody>
+          <a:bodyPr wrap="none" rtlCol="0">
+            <a:spAutoFit/>
+          </a:bodyPr>
+          <a:lstStyle/>
+          <a:p>
+            <a:r>
+              <a:rPr lang="en-US" sz="1200" b="1" dirty="0" err="1" smtClean="0">
+                <a:solidFill>
+                  <a:srgbClr val="3B9BC1"/>
+                </a:solidFill>
+              </a:rPr>
+              <a:t>Req</a:t>
+            </a:r>
+            <a:r>
+              <a:rPr lang="en-US" sz="1200" b="1" dirty="0" smtClean="0">
+                <a:solidFill>
+                  <a:srgbClr val="3B9BC1"/>
+                </a:solidFill>
+              </a:rPr>
+              <a:t> ID</a:t>
+            </a:r>
+            <a:endParaRPr lang="en-US" sz="1200" b="1" dirty="0">
+              <a:solidFill>
+                <a:srgbClr val="3B9BC1"/>
+              </a:solidFill>
+            </a:endParaRPr>
+          </a:p>
+        </p:txBody>
+      </p:sp>
+      <p:sp>
+        <p:nvSpPr>
+          <p:cNvPr id="178" name="TextBox 177"/>
+          <p:cNvSpPr txBox="1"/>
+          <p:nvPr/>
+        </p:nvSpPr>
+        <p:spPr>
+          <a:xfrm>
+            <a:off x="1350630" y="1190570"/>
+            <a:ext cx="1050592" cy="276999"/>
+          </a:xfrm>
+          <a:prstGeom prst="rect">
+            <a:avLst/>
+          </a:prstGeom>
+          <a:noFill/>
+        </p:spPr>
+        <p:txBody>
+          <a:bodyPr wrap="square" rtlCol="0">
+            <a:spAutoFit/>
+          </a:bodyPr>
+          <a:lstStyle/>
+          <a:p>
+            <a:r>
+              <a:rPr lang="en-US" sz="1200" b="1" dirty="0" err="1" smtClean="0">
+                <a:solidFill>
+                  <a:srgbClr val="3B9BC1"/>
+                </a:solidFill>
+              </a:rPr>
+              <a:t>Descrição</a:t>
+            </a:r>
+            <a:endParaRPr lang="en-US" sz="1200" b="1" dirty="0">
+              <a:solidFill>
+                <a:srgbClr val="3B9BC1"/>
+              </a:solidFill>
+            </a:endParaRPr>
+          </a:p>
+        </p:txBody>
+      </p:sp>
+      <p:cxnSp>
+        <p:nvCxnSpPr>
+          <p:cNvPr id="181" name="Straight Connector 180"/>
+          <p:cNvCxnSpPr/>
+          <p:nvPr/>
+        </p:nvCxnSpPr>
+        <p:spPr>
+          <a:xfrm>
+            <a:off x="8460432" y="1491630"/>
+            <a:ext cx="0" cy="2592288"/>
+          </a:xfrm>
+          <a:prstGeom prst="line">
+            <a:avLst/>
+          </a:prstGeom>
+          <a:ln w="28575">
+            <a:solidFill>
+              <a:srgbClr val="1BA5DC"/>
+            </a:solidFill>
+          </a:ln>
+        </p:spPr>
+        <p:style>
+          <a:lnRef idx="1">
+            <a:schemeClr val="accent1"/>
+          </a:lnRef>
+          <a:fillRef idx="0">
+            <a:schemeClr val="accent1"/>
+          </a:fillRef>
+          <a:effectRef idx="0">
+            <a:schemeClr val="accent1"/>
+          </a:effectRef>
+          <a:fontRef idx="minor">
+            <a:schemeClr val="tx1"/>
+          </a:fontRef>
+        </p:style>
+      </p:cxnSp>
+      <p:sp>
+        <p:nvSpPr>
+          <p:cNvPr id="192" name="TextBox 191"/>
+          <p:cNvSpPr txBox="1"/>
+          <p:nvPr/>
+        </p:nvSpPr>
+        <p:spPr>
+          <a:xfrm>
+            <a:off x="660386" y="1556390"/>
+            <a:ext cx="557012" cy="276999"/>
+          </a:xfrm>
+          <a:prstGeom prst="rect">
+            <a:avLst/>
+          </a:prstGeom>
+          <a:noFill/>
+        </p:spPr>
+        <p:txBody>
+          <a:bodyPr wrap="none" rtlCol="0">
+            <a:spAutoFit/>
+          </a:bodyPr>
+          <a:lstStyle/>
+          <a:p>
+            <a:r>
+              <a:rPr lang="en-US" sz="1200" dirty="0" smtClean="0">
+                <a:solidFill>
+                  <a:srgbClr val="3B9BC1"/>
+                </a:solidFill>
+              </a:rPr>
+              <a:t>RT07</a:t>
+            </a:r>
+            <a:endParaRPr lang="en-US" sz="1200" dirty="0">
+              <a:solidFill>
+                <a:srgbClr val="3B9BC1"/>
+              </a:solidFill>
+            </a:endParaRPr>
+          </a:p>
+        </p:txBody>
+      </p:sp>
+      <p:sp>
+        <p:nvSpPr>
+          <p:cNvPr id="193" name="TextBox 192"/>
+          <p:cNvSpPr txBox="1"/>
+          <p:nvPr/>
+        </p:nvSpPr>
+        <p:spPr>
+          <a:xfrm>
+            <a:off x="647955" y="2008438"/>
+            <a:ext cx="557012" cy="276999"/>
+          </a:xfrm>
+          <a:prstGeom prst="rect">
+            <a:avLst/>
+          </a:prstGeom>
+          <a:noFill/>
+        </p:spPr>
+        <p:txBody>
+          <a:bodyPr wrap="none" rtlCol="0">
+            <a:spAutoFit/>
+          </a:bodyPr>
+          <a:lstStyle/>
+          <a:p>
+            <a:r>
+              <a:rPr lang="en-US" sz="1200" dirty="0" smtClean="0">
+                <a:solidFill>
+                  <a:srgbClr val="3B9BC1"/>
+                </a:solidFill>
+              </a:rPr>
+              <a:t>RT08</a:t>
+            </a:r>
+            <a:endParaRPr lang="en-US" sz="1200" dirty="0">
+              <a:solidFill>
+                <a:srgbClr val="3B9BC1"/>
+              </a:solidFill>
+            </a:endParaRPr>
+          </a:p>
+        </p:txBody>
+      </p:sp>
+      <p:sp>
+        <p:nvSpPr>
+          <p:cNvPr id="194" name="TextBox 193"/>
+          <p:cNvSpPr txBox="1"/>
+          <p:nvPr/>
+        </p:nvSpPr>
+        <p:spPr>
+          <a:xfrm>
+            <a:off x="641937" y="2415818"/>
+            <a:ext cx="559769" cy="276999"/>
+          </a:xfrm>
+          <a:prstGeom prst="rect">
+            <a:avLst/>
+          </a:prstGeom>
+          <a:noFill/>
+        </p:spPr>
+        <p:txBody>
+          <a:bodyPr wrap="none" rtlCol="0">
+            <a:spAutoFit/>
+          </a:bodyPr>
+          <a:lstStyle/>
+          <a:p>
+            <a:r>
+              <a:rPr lang="en-US" sz="1200" dirty="0" smtClean="0">
+                <a:solidFill>
+                  <a:srgbClr val="3B9BC1"/>
+                </a:solidFill>
+              </a:rPr>
+              <a:t>RF18</a:t>
+            </a:r>
+            <a:endParaRPr lang="en-US" sz="1200" dirty="0">
+              <a:solidFill>
+                <a:srgbClr val="3B9BC1"/>
+              </a:solidFill>
+            </a:endParaRPr>
+          </a:p>
+        </p:txBody>
+      </p:sp>
+      <p:cxnSp>
+        <p:nvCxnSpPr>
           <p:cNvPr id="65" name="Straight Connector 64"/>
           <p:cNvCxnSpPr/>
           <p:nvPr/>
         </p:nvCxnSpPr>
         <p:spPr>
-          <a:xfrm>
-            <a:off x="1263459" y="1491630"/>
-            <a:ext cx="0" cy="2592288"/>
+          <a:xfrm flipV="1">
+            <a:off x="546348" y="2325122"/>
+            <a:ext cx="7920880" cy="15158"/>
           </a:xfrm>
           <a:prstGeom prst="line">
             <a:avLst/>
           </a:prstGeom>
-          <a:ln w="28575">
+          <a:ln w="22225">
             <a:solidFill>
               <a:srgbClr val="1BA5DC"/>
             </a:solidFill>
@@ -19254,7 +20774,7 @@
         </p:nvCxnSpPr>
         <p:spPr>
           <a:xfrm flipV="1">
-            <a:off x="539552" y="1895605"/>
+            <a:off x="532757" y="3194165"/>
             <a:ext cx="7920880" cy="15158"/>
           </a:xfrm>
           <a:prstGeom prst="line">
@@ -19281,272 +20801,16 @@
           </a:fontRef>
         </p:style>
       </p:cxnSp>
-      <p:cxnSp>
-        <p:nvCxnSpPr>
-          <p:cNvPr id="67" name="Straight Connector 66"/>
-          <p:cNvCxnSpPr/>
-          <p:nvPr/>
-        </p:nvCxnSpPr>
-        <p:spPr>
-          <a:xfrm>
-            <a:off x="539552" y="2774859"/>
-            <a:ext cx="7920880" cy="0"/>
-          </a:xfrm>
-          <a:prstGeom prst="line">
-            <a:avLst/>
-          </a:prstGeom>
-          <a:ln w="22225">
-            <a:solidFill>
-              <a:srgbClr val="1BA5DC"/>
-            </a:solidFill>
-          </a:ln>
-        </p:spPr>
-        <p:style>
-          <a:lnRef idx="1">
-            <a:schemeClr val="accent1"/>
-          </a:lnRef>
-          <a:fillRef idx="0">
-            <a:schemeClr val="accent1"/>
-          </a:fillRef>
-          <a:effectRef idx="0">
-            <a:schemeClr val="accent1"/>
-          </a:effectRef>
-          <a:fontRef idx="minor">
-            <a:schemeClr val="tx1"/>
-          </a:fontRef>
-        </p:style>
-      </p:cxnSp>
-      <p:cxnSp>
-        <p:nvCxnSpPr>
-          <p:cNvPr id="68" name="Straight Connector 67"/>
-          <p:cNvCxnSpPr/>
-          <p:nvPr/>
-        </p:nvCxnSpPr>
-        <p:spPr>
-          <a:xfrm>
-            <a:off x="547613" y="3638955"/>
-            <a:ext cx="7912819" cy="0"/>
-          </a:xfrm>
-          <a:prstGeom prst="line">
-            <a:avLst/>
-          </a:prstGeom>
-          <a:ln w="22225">
-            <a:solidFill>
-              <a:srgbClr val="1BA5DC"/>
-            </a:solidFill>
-          </a:ln>
-        </p:spPr>
-        <p:style>
-          <a:lnRef idx="1">
-            <a:schemeClr val="accent1"/>
-          </a:lnRef>
-          <a:fillRef idx="0">
-            <a:schemeClr val="accent1"/>
-          </a:fillRef>
-          <a:effectRef idx="0">
-            <a:schemeClr val="accent1"/>
-          </a:effectRef>
-          <a:fontRef idx="minor">
-            <a:schemeClr val="tx1"/>
-          </a:fontRef>
-        </p:style>
-      </p:cxnSp>
-      <p:cxnSp>
-        <p:nvCxnSpPr>
-          <p:cNvPr id="69" name="Straight Connector 68"/>
-          <p:cNvCxnSpPr/>
-          <p:nvPr/>
-        </p:nvCxnSpPr>
-        <p:spPr>
-          <a:xfrm>
-            <a:off x="539552" y="1478715"/>
-            <a:ext cx="6336704" cy="0"/>
-          </a:xfrm>
-          <a:prstGeom prst="line">
-            <a:avLst/>
-          </a:prstGeom>
-          <a:ln>
-            <a:solidFill>
-              <a:srgbClr val="1BA5DC"/>
-            </a:solidFill>
-          </a:ln>
-        </p:spPr>
-        <p:style>
-          <a:lnRef idx="1">
-            <a:schemeClr val="accent1"/>
-          </a:lnRef>
-          <a:fillRef idx="0">
-            <a:schemeClr val="accent1"/>
-          </a:fillRef>
-          <a:effectRef idx="0">
-            <a:schemeClr val="accent1"/>
-          </a:effectRef>
-          <a:fontRef idx="minor">
-            <a:schemeClr val="tx1"/>
-          </a:fontRef>
-        </p:style>
-      </p:cxnSp>
-      <p:cxnSp>
-        <p:nvCxnSpPr>
-          <p:cNvPr id="70" name="Straight Connector 69"/>
-          <p:cNvCxnSpPr/>
-          <p:nvPr/>
-        </p:nvCxnSpPr>
-        <p:spPr>
-          <a:xfrm flipV="1">
-            <a:off x="539552" y="4067734"/>
-            <a:ext cx="7920880" cy="3269"/>
-          </a:xfrm>
-          <a:prstGeom prst="line">
-            <a:avLst/>
-          </a:prstGeom>
-          <a:ln w="28575">
-            <a:solidFill>
-              <a:srgbClr val="1BA5DC"/>
-            </a:solidFill>
-          </a:ln>
-        </p:spPr>
-        <p:style>
-          <a:lnRef idx="1">
-            <a:schemeClr val="accent1"/>
-          </a:lnRef>
-          <a:fillRef idx="0">
-            <a:schemeClr val="accent1"/>
-          </a:fillRef>
-          <a:effectRef idx="0">
-            <a:schemeClr val="accent1"/>
-          </a:effectRef>
-          <a:fontRef idx="minor">
-            <a:schemeClr val="tx1"/>
-          </a:fontRef>
-        </p:style>
-      </p:cxnSp>
-      <p:cxnSp>
-        <p:nvCxnSpPr>
-          <p:cNvPr id="71" name="Straight Connector 70"/>
-          <p:cNvCxnSpPr/>
-          <p:nvPr/>
-        </p:nvCxnSpPr>
-        <p:spPr>
-          <a:xfrm>
-            <a:off x="547613" y="1478715"/>
-            <a:ext cx="0" cy="2592288"/>
-          </a:xfrm>
-          <a:prstGeom prst="line">
-            <a:avLst/>
-          </a:prstGeom>
-          <a:ln w="28575">
-            <a:solidFill>
-              <a:srgbClr val="1BA5DC"/>
-            </a:solidFill>
-          </a:ln>
-        </p:spPr>
-        <p:style>
-          <a:lnRef idx="1">
-            <a:schemeClr val="accent1"/>
-          </a:lnRef>
-          <a:fillRef idx="0">
-            <a:schemeClr val="accent1"/>
-          </a:fillRef>
-          <a:effectRef idx="0">
-            <a:schemeClr val="accent1"/>
-          </a:effectRef>
-          <a:fontRef idx="minor">
-            <a:schemeClr val="tx1"/>
-          </a:fontRef>
-        </p:style>
-      </p:cxnSp>
-      <p:cxnSp>
-        <p:nvCxnSpPr>
-          <p:cNvPr id="72" name="Straight Connector 71"/>
-          <p:cNvCxnSpPr/>
-          <p:nvPr/>
-        </p:nvCxnSpPr>
-        <p:spPr>
-          <a:xfrm flipV="1">
-            <a:off x="539552" y="1472177"/>
-            <a:ext cx="7920880" cy="12999"/>
-          </a:xfrm>
-          <a:prstGeom prst="line">
-            <a:avLst/>
-          </a:prstGeom>
-          <a:ln w="22225">
-            <a:solidFill>
-              <a:srgbClr val="1BA5DC"/>
-            </a:solidFill>
-          </a:ln>
-        </p:spPr>
-        <p:style>
-          <a:lnRef idx="1">
-            <a:schemeClr val="accent1"/>
-          </a:lnRef>
-          <a:fillRef idx="0">
-            <a:schemeClr val="accent1"/>
-          </a:fillRef>
-          <a:effectRef idx="0">
-            <a:schemeClr val="accent1"/>
-          </a:effectRef>
-          <a:fontRef idx="minor">
-            <a:schemeClr val="tx1"/>
-          </a:fontRef>
-        </p:style>
-      </p:cxnSp>
-      <p:sp>
-        <p:nvSpPr>
-          <p:cNvPr id="73" name="TextBox 72"/>
+      <p:sp>
+        <p:nvSpPr>
+          <p:cNvPr id="2" name="TextBox 1"/>
           <p:cNvSpPr txBox="1"/>
           <p:nvPr/>
         </p:nvSpPr>
         <p:spPr>
           <a:xfrm>
-            <a:off x="574473" y="1199735"/>
-            <a:ext cx="671979" cy="276999"/>
-          </a:xfrm>
-          <a:prstGeom prst="rect">
-            <a:avLst/>
-          </a:prstGeom>
-          <a:noFill/>
-        </p:spPr>
-        <p:txBody>
-          <a:bodyPr wrap="none" rtlCol="0">
-            <a:spAutoFit/>
-          </a:bodyPr>
-          <a:lstStyle/>
-          <a:p>
-            <a:r>
-              <a:rPr lang="en-US" sz="1200" b="1" dirty="0" err="1" smtClean="0">
-                <a:solidFill>
-                  <a:srgbClr val="3B9BC1"/>
-                </a:solidFill>
-              </a:rPr>
-              <a:t>Req</a:t>
-            </a:r>
-            <a:r>
-              <a:rPr lang="en-US" sz="1200" b="1" dirty="0" smtClean="0">
-                <a:solidFill>
-                  <a:srgbClr val="3B9BC1"/>
-                </a:solidFill>
-              </a:rPr>
-              <a:t> ID</a:t>
-            </a:r>
-            <a:endParaRPr lang="en-US" sz="1200" b="1" dirty="0">
-              <a:solidFill>
-                <a:srgbClr val="3B9BC1"/>
-              </a:solidFill>
-            </a:endParaRPr>
-          </a:p>
-        </p:txBody>
-      </p:sp>
-      <p:sp>
-        <p:nvSpPr>
-          <p:cNvPr id="74" name="TextBox 73"/>
-          <p:cNvSpPr txBox="1"/>
-          <p:nvPr/>
-        </p:nvSpPr>
-        <p:spPr>
-          <a:xfrm>
-            <a:off x="1350630" y="1190570"/>
-            <a:ext cx="1050592" cy="276999"/>
+            <a:off x="1261427" y="1482898"/>
+            <a:ext cx="7199006" cy="461665"/>
           </a:xfrm>
           <a:prstGeom prst="rect">
             <a:avLst/>
@@ -19559,365 +20823,29 @@
           </a:bodyPr>
           <a:lstStyle/>
           <a:p>
-            <a:r>
-              <a:rPr lang="en-US" sz="1200" b="1" dirty="0" err="1" smtClean="0">
-                <a:solidFill>
-                  <a:srgbClr val="3B9BC1"/>
-                </a:solidFill>
-              </a:rPr>
-              <a:t>Descrição</a:t>
-            </a:r>
-            <a:endParaRPr lang="en-US" sz="1200" b="1" dirty="0">
-              <a:solidFill>
-                <a:srgbClr val="3B9BC1"/>
-              </a:solidFill>
-            </a:endParaRPr>
-          </a:p>
-        </p:txBody>
-      </p:sp>
-      <p:cxnSp>
-        <p:nvCxnSpPr>
-          <p:cNvPr id="75" name="Straight Connector 74"/>
-          <p:cNvCxnSpPr/>
-          <p:nvPr/>
-        </p:nvCxnSpPr>
-        <p:spPr>
-          <a:xfrm>
-            <a:off x="8460432" y="1491630"/>
-            <a:ext cx="0" cy="2592288"/>
-          </a:xfrm>
-          <a:prstGeom prst="line">
-            <a:avLst/>
-          </a:prstGeom>
-          <a:ln w="28575">
-            <a:solidFill>
-              <a:srgbClr val="1BA5DC"/>
-            </a:solidFill>
-          </a:ln>
-        </p:spPr>
-        <p:style>
-          <a:lnRef idx="1">
-            <a:schemeClr val="accent1"/>
-          </a:lnRef>
-          <a:fillRef idx="0">
-            <a:schemeClr val="accent1"/>
-          </a:fillRef>
-          <a:effectRef idx="0">
-            <a:schemeClr val="accent1"/>
-          </a:effectRef>
-          <a:fontRef idx="minor">
-            <a:schemeClr val="tx1"/>
-          </a:fontRef>
-        </p:style>
-      </p:cxnSp>
-      <p:sp>
-        <p:nvSpPr>
-          <p:cNvPr id="76" name="TextBox 75"/>
+            <a:pPr algn="just"/>
+            <a:r>
+              <a:rPr lang="pt-BR" sz="1200" dirty="0">
+                <a:solidFill>
+                  <a:srgbClr val="3B9BC1"/>
+                </a:solidFill>
+              </a:rPr>
+              <a:t>O sistema deve possuir código com soluções elegantes, IDENTADAS e seguindo as naming conventions.</a:t>
+            </a:r>
+            <a:endParaRPr lang="en-US" dirty="0"/>
+          </a:p>
+        </p:txBody>
+      </p:sp>
+      <p:sp>
+        <p:nvSpPr>
+          <p:cNvPr id="68" name="TextBox 67"/>
           <p:cNvSpPr txBox="1"/>
           <p:nvPr/>
         </p:nvSpPr>
         <p:spPr>
           <a:xfrm>
-            <a:off x="660386" y="1556390"/>
-            <a:ext cx="557012" cy="276999"/>
-          </a:xfrm>
-          <a:prstGeom prst="rect">
-            <a:avLst/>
-          </a:prstGeom>
-          <a:noFill/>
-        </p:spPr>
-        <p:txBody>
-          <a:bodyPr wrap="none" rtlCol="0">
-            <a:spAutoFit/>
-          </a:bodyPr>
-          <a:lstStyle/>
-          <a:p>
-            <a:r>
-              <a:rPr lang="en-US" sz="1200" dirty="0" smtClean="0">
-                <a:solidFill>
-                  <a:srgbClr val="3B9BC1"/>
-                </a:solidFill>
-              </a:rPr>
-              <a:t>RT01</a:t>
-            </a:r>
-            <a:endParaRPr lang="en-US" sz="1200" dirty="0">
-              <a:solidFill>
-                <a:srgbClr val="3B9BC1"/>
-              </a:solidFill>
-            </a:endParaRPr>
-          </a:p>
-        </p:txBody>
-      </p:sp>
-      <p:sp>
-        <p:nvSpPr>
-          <p:cNvPr id="77" name="TextBox 76"/>
-          <p:cNvSpPr txBox="1"/>
-          <p:nvPr/>
-        </p:nvSpPr>
-        <p:spPr>
-          <a:xfrm>
-            <a:off x="647955" y="2008438"/>
-            <a:ext cx="557012" cy="276999"/>
-          </a:xfrm>
-          <a:prstGeom prst="rect">
-            <a:avLst/>
-          </a:prstGeom>
-          <a:noFill/>
-        </p:spPr>
-        <p:txBody>
-          <a:bodyPr wrap="none" rtlCol="0">
-            <a:spAutoFit/>
-          </a:bodyPr>
-          <a:lstStyle/>
-          <a:p>
-            <a:r>
-              <a:rPr lang="en-US" sz="1200" dirty="0" smtClean="0">
-                <a:solidFill>
-                  <a:srgbClr val="3B9BC1"/>
-                </a:solidFill>
-              </a:rPr>
-              <a:t>RT02</a:t>
-            </a:r>
-            <a:endParaRPr lang="en-US" sz="1200" dirty="0">
-              <a:solidFill>
-                <a:srgbClr val="3B9BC1"/>
-              </a:solidFill>
-            </a:endParaRPr>
-          </a:p>
-        </p:txBody>
-      </p:sp>
-      <p:sp>
-        <p:nvSpPr>
-          <p:cNvPr id="78" name="TextBox 77"/>
-          <p:cNvSpPr txBox="1"/>
-          <p:nvPr/>
-        </p:nvSpPr>
-        <p:spPr>
-          <a:xfrm>
-            <a:off x="641937" y="2415818"/>
-            <a:ext cx="557012" cy="276999"/>
-          </a:xfrm>
-          <a:prstGeom prst="rect">
-            <a:avLst/>
-          </a:prstGeom>
-          <a:noFill/>
-        </p:spPr>
-        <p:txBody>
-          <a:bodyPr wrap="none" rtlCol="0">
-            <a:spAutoFit/>
-          </a:bodyPr>
-          <a:lstStyle/>
-          <a:p>
-            <a:r>
-              <a:rPr lang="en-US" sz="1200" dirty="0" smtClean="0">
-                <a:solidFill>
-                  <a:srgbClr val="3B9BC1"/>
-                </a:solidFill>
-              </a:rPr>
-              <a:t>RT03</a:t>
-            </a:r>
-            <a:endParaRPr lang="en-US" sz="1200" dirty="0">
-              <a:solidFill>
-                <a:srgbClr val="3B9BC1"/>
-              </a:solidFill>
-            </a:endParaRPr>
-          </a:p>
-        </p:txBody>
-      </p:sp>
-      <p:sp>
-        <p:nvSpPr>
-          <p:cNvPr id="79" name="TextBox 78"/>
-          <p:cNvSpPr txBox="1"/>
-          <p:nvPr/>
-        </p:nvSpPr>
-        <p:spPr>
-          <a:xfrm>
-            <a:off x="633600" y="2859491"/>
-            <a:ext cx="557012" cy="276999"/>
-          </a:xfrm>
-          <a:prstGeom prst="rect">
-            <a:avLst/>
-          </a:prstGeom>
-          <a:noFill/>
-        </p:spPr>
-        <p:txBody>
-          <a:bodyPr wrap="none" rtlCol="0">
-            <a:spAutoFit/>
-          </a:bodyPr>
-          <a:lstStyle/>
-          <a:p>
-            <a:r>
-              <a:rPr lang="en-US" sz="1200" dirty="0" smtClean="0">
-                <a:solidFill>
-                  <a:srgbClr val="3B9BC1"/>
-                </a:solidFill>
-              </a:rPr>
-              <a:t>RT04</a:t>
-            </a:r>
-            <a:endParaRPr lang="en-US" sz="1200" dirty="0">
-              <a:solidFill>
-                <a:srgbClr val="3B9BC1"/>
-              </a:solidFill>
-            </a:endParaRPr>
-          </a:p>
-        </p:txBody>
-      </p:sp>
-      <p:sp>
-        <p:nvSpPr>
-          <p:cNvPr id="80" name="TextBox 79"/>
-          <p:cNvSpPr txBox="1"/>
-          <p:nvPr/>
-        </p:nvSpPr>
-        <p:spPr>
-          <a:xfrm>
-            <a:off x="657537" y="3301756"/>
-            <a:ext cx="557012" cy="276999"/>
-          </a:xfrm>
-          <a:prstGeom prst="rect">
-            <a:avLst/>
-          </a:prstGeom>
-          <a:noFill/>
-        </p:spPr>
-        <p:txBody>
-          <a:bodyPr wrap="none" rtlCol="0">
-            <a:spAutoFit/>
-          </a:bodyPr>
-          <a:lstStyle/>
-          <a:p>
-            <a:r>
-              <a:rPr lang="en-US" sz="1200" dirty="0" smtClean="0">
-                <a:solidFill>
-                  <a:srgbClr val="3B9BC1"/>
-                </a:solidFill>
-              </a:rPr>
-              <a:t>RT05</a:t>
-            </a:r>
-            <a:endParaRPr lang="en-US" sz="1200" dirty="0">
-              <a:solidFill>
-                <a:srgbClr val="3B9BC1"/>
-              </a:solidFill>
-            </a:endParaRPr>
-          </a:p>
-        </p:txBody>
-      </p:sp>
-      <p:sp>
-        <p:nvSpPr>
-          <p:cNvPr id="81" name="TextBox 80"/>
-          <p:cNvSpPr txBox="1"/>
-          <p:nvPr/>
-        </p:nvSpPr>
-        <p:spPr>
-          <a:xfrm>
-            <a:off x="654840" y="3701922"/>
-            <a:ext cx="557012" cy="276999"/>
-          </a:xfrm>
-          <a:prstGeom prst="rect">
-            <a:avLst/>
-          </a:prstGeom>
-          <a:noFill/>
-        </p:spPr>
-        <p:txBody>
-          <a:bodyPr wrap="none" rtlCol="0">
-            <a:spAutoFit/>
-          </a:bodyPr>
-          <a:lstStyle/>
-          <a:p>
-            <a:r>
-              <a:rPr lang="en-US" sz="1200" dirty="0" smtClean="0">
-                <a:solidFill>
-                  <a:srgbClr val="3B9BC1"/>
-                </a:solidFill>
-              </a:rPr>
-              <a:t>RT06</a:t>
-            </a:r>
-            <a:endParaRPr lang="en-US" sz="1200" dirty="0">
-              <a:solidFill>
-                <a:srgbClr val="3B9BC1"/>
-              </a:solidFill>
-            </a:endParaRPr>
-          </a:p>
-        </p:txBody>
-      </p:sp>
-      <p:cxnSp>
-        <p:nvCxnSpPr>
-          <p:cNvPr id="82" name="Straight Connector 81"/>
-          <p:cNvCxnSpPr/>
-          <p:nvPr/>
-        </p:nvCxnSpPr>
-        <p:spPr>
-          <a:xfrm flipV="1">
-            <a:off x="546348" y="2325122"/>
-            <a:ext cx="7920880" cy="15158"/>
-          </a:xfrm>
-          <a:prstGeom prst="line">
-            <a:avLst/>
-          </a:prstGeom>
-          <a:ln w="22225">
-            <a:solidFill>
-              <a:srgbClr val="1BA5DC"/>
-            </a:solidFill>
-          </a:ln>
-        </p:spPr>
-        <p:style>
-          <a:lnRef idx="1">
-            <a:schemeClr val="accent1"/>
-          </a:lnRef>
-          <a:fillRef idx="0">
-            <a:schemeClr val="accent1"/>
-          </a:fillRef>
-          <a:effectRef idx="0">
-            <a:schemeClr val="accent1"/>
-          </a:effectRef>
-          <a:fontRef idx="minor">
-            <a:schemeClr val="tx1"/>
-          </a:fontRef>
-        </p:style>
-      </p:cxnSp>
-      <p:cxnSp>
-        <p:nvCxnSpPr>
-          <p:cNvPr id="83" name="Straight Connector 82"/>
-          <p:cNvCxnSpPr/>
-          <p:nvPr/>
-        </p:nvCxnSpPr>
-        <p:spPr>
-          <a:xfrm flipV="1">
-            <a:off x="532757" y="3194165"/>
-            <a:ext cx="7920880" cy="15158"/>
-          </a:xfrm>
-          <a:prstGeom prst="line">
-            <a:avLst/>
-          </a:prstGeom>
-          <a:ln w="22225">
-            <a:solidFill>
-              <a:srgbClr val="1BA5DC"/>
-            </a:solidFill>
-          </a:ln>
-        </p:spPr>
-        <p:style>
-          <a:lnRef idx="1">
-            <a:schemeClr val="accent1"/>
-          </a:lnRef>
-          <a:fillRef idx="0">
-            <a:schemeClr val="accent1"/>
-          </a:fillRef>
-          <a:effectRef idx="0">
-            <a:schemeClr val="accent1"/>
-          </a:effectRef>
-          <a:fontRef idx="minor">
-            <a:schemeClr val="tx1"/>
-          </a:fontRef>
-        </p:style>
-      </p:cxnSp>
-      <p:sp>
-        <p:nvSpPr>
-          <p:cNvPr id="84" name="TextBox 83"/>
-          <p:cNvSpPr txBox="1"/>
-          <p:nvPr/>
-        </p:nvSpPr>
-        <p:spPr>
-          <a:xfrm>
-            <a:off x="1244579" y="2349271"/>
-            <a:ext cx="7199006" cy="276999"/>
+            <a:off x="1258934" y="1913533"/>
+            <a:ext cx="7199006" cy="461665"/>
           </a:xfrm>
           <a:prstGeom prst="rect">
             <a:avLst/>
@@ -19937,7 +20865,7 @@
                   <a:srgbClr val="3B9BC1"/>
                 </a:solidFill>
               </a:rPr>
-              <a:t>O uso de padrões de desenho deve ser privilegiado, em vez de código esparguete.</a:t>
+              <a:t>O sistema deve ter persistência baseado num Sistema de Gestão de Base de Dados, onde devem ser armazenados todos os dados e operações.</a:t>
             </a:r>
             <a:endParaRPr lang="en-US" dirty="0"/>
           </a:p>
@@ -19945,13 +20873,13 @@
       </p:sp>
       <p:sp>
         <p:nvSpPr>
-          <p:cNvPr id="85" name="TextBox 84"/>
+          <p:cNvPr id="69" name="TextBox 68"/>
           <p:cNvSpPr txBox="1"/>
           <p:nvPr/>
         </p:nvSpPr>
         <p:spPr>
           <a:xfrm>
-            <a:off x="1244579" y="1490817"/>
+            <a:off x="1244579" y="2349271"/>
             <a:ext cx="7199006" cy="276999"/>
           </a:xfrm>
           <a:prstGeom prst="rect">
@@ -19972,166 +20900,64 @@
                   <a:srgbClr val="3B9BC1"/>
                 </a:solidFill>
               </a:rPr>
-              <a:t>A comunicação do sistema deve usar serviços REST, transportando JSON.</a:t>
-            </a:r>
-            <a:endParaRPr lang="en-US" dirty="0"/>
-          </a:p>
-        </p:txBody>
-      </p:sp>
-      <p:sp>
-        <p:nvSpPr>
-          <p:cNvPr id="86" name="TextBox 85"/>
-          <p:cNvSpPr txBox="1"/>
+              <a:t>As interfaces de utilizador devem ser elegantes e responsivas.</a:t>
+            </a:r>
+            <a:endParaRPr lang="en-US" sz="1200" dirty="0"/>
+          </a:p>
+        </p:txBody>
+      </p:sp>
+      <p:sp>
+        <p:nvSpPr>
+          <p:cNvPr id="33" name="Rectangle 32"/>
+          <p:cNvSpPr/>
           <p:nvPr/>
         </p:nvSpPr>
         <p:spPr>
           <a:xfrm>
-            <a:off x="1247133" y="1912928"/>
-            <a:ext cx="7199006" cy="461665"/>
+            <a:off x="179513" y="2364581"/>
+            <a:ext cx="8784976" cy="2007370"/>
           </a:xfrm>
           <a:prstGeom prst="rect">
             <a:avLst/>
           </a:prstGeom>
-          <a:noFill/>
-        </p:spPr>
-        <p:txBody>
-          <a:bodyPr wrap="square" rtlCol="0">
-            <a:spAutoFit/>
-          </a:bodyPr>
+          <a:solidFill>
+            <a:srgbClr val="FFFFFF"/>
+          </a:solidFill>
+          <a:ln>
+            <a:solidFill>
+              <a:srgbClr val="FFFFFF"/>
+            </a:solidFill>
+          </a:ln>
+        </p:spPr>
+        <p:style>
+          <a:lnRef idx="2">
+            <a:schemeClr val="accent1">
+              <a:shade val="50000"/>
+            </a:schemeClr>
+          </a:lnRef>
+          <a:fillRef idx="1">
+            <a:schemeClr val="accent1"/>
+          </a:fillRef>
+          <a:effectRef idx="0">
+            <a:schemeClr val="accent1"/>
+          </a:effectRef>
+          <a:fontRef idx="minor">
+            <a:schemeClr val="lt1"/>
+          </a:fontRef>
+        </p:style>
+        <p:txBody>
+          <a:bodyPr rtlCol="0" anchor="ctr"/>
           <a:lstStyle/>
           <a:p>
-            <a:pPr algn="just"/>
-            <a:r>
-              <a:rPr lang="pt-BR" sz="1200" dirty="0">
-                <a:solidFill>
-                  <a:srgbClr val="3B9BC1"/>
-                </a:solidFill>
-              </a:rPr>
-              <a:t>O Backend deverá seguir o padrão MVC.</a:t>
-            </a:r>
-          </a:p>
-          <a:p>
-            <a:pPr algn="just"/>
-            <a:r>
-              <a:rPr lang="pt-BR" sz="1200" dirty="0">
-                <a:solidFill>
-                  <a:srgbClr val="3B9BC1"/>
-                </a:solidFill>
-              </a:rPr>
-              <a:t>O Frontend e a MobileApp deverão ser modulares.</a:t>
-            </a:r>
-          </a:p>
-        </p:txBody>
-      </p:sp>
-      <p:sp>
-        <p:nvSpPr>
-          <p:cNvPr id="87" name="TextBox 86"/>
-          <p:cNvSpPr txBox="1"/>
-          <p:nvPr/>
-        </p:nvSpPr>
-        <p:spPr>
-          <a:xfrm>
-            <a:off x="1251374" y="2778049"/>
-            <a:ext cx="7199006" cy="276999"/>
-          </a:xfrm>
-          <a:prstGeom prst="rect">
-            <a:avLst/>
-          </a:prstGeom>
-          <a:noFill/>
-        </p:spPr>
-        <p:txBody>
-          <a:bodyPr wrap="square" rtlCol="0">
-            <a:spAutoFit/>
-          </a:bodyPr>
-          <a:lstStyle/>
-          <a:p>
-            <a:pPr algn="just"/>
-            <a:r>
-              <a:rPr lang="pt-BR" sz="1200" dirty="0">
-                <a:solidFill>
-                  <a:srgbClr val="3B9BC1"/>
-                </a:solidFill>
-              </a:rPr>
-              <a:t>O código de todos os sistemas deve estar testado automaticamente.</a:t>
-            </a:r>
-            <a:endParaRPr lang="en-US" dirty="0"/>
-          </a:p>
-        </p:txBody>
-      </p:sp>
-      <p:sp>
-        <p:nvSpPr>
-          <p:cNvPr id="88" name="TextBox 87"/>
-          <p:cNvSpPr txBox="1"/>
-          <p:nvPr/>
-        </p:nvSpPr>
-        <p:spPr>
-          <a:xfrm>
-            <a:off x="1241322" y="3195345"/>
-            <a:ext cx="7199006" cy="461665"/>
-          </a:xfrm>
-          <a:prstGeom prst="rect">
-            <a:avLst/>
-          </a:prstGeom>
-          <a:noFill/>
-        </p:spPr>
-        <p:txBody>
-          <a:bodyPr wrap="square" rtlCol="0">
-            <a:spAutoFit/>
-          </a:bodyPr>
-          <a:lstStyle/>
-          <a:p>
-            <a:pPr algn="just"/>
-            <a:r>
-              <a:rPr lang="pt-BR" sz="1200" dirty="0">
-                <a:solidFill>
-                  <a:srgbClr val="3B9BC1"/>
-                </a:solidFill>
-              </a:rPr>
-              <a:t>O código do sistema deverá seguir as melhores práticas de desenvolvimento (code quality and analysis).</a:t>
-            </a:r>
-            <a:endParaRPr lang="en-US" dirty="0"/>
-          </a:p>
-        </p:txBody>
-      </p:sp>
-      <p:sp>
-        <p:nvSpPr>
-          <p:cNvPr id="89" name="TextBox 88"/>
-          <p:cNvSpPr txBox="1"/>
-          <p:nvPr/>
-        </p:nvSpPr>
-        <p:spPr>
-          <a:xfrm>
-            <a:off x="1266395" y="3609589"/>
-            <a:ext cx="7199006" cy="276999"/>
-          </a:xfrm>
-          <a:prstGeom prst="rect">
-            <a:avLst/>
-          </a:prstGeom>
-          <a:noFill/>
-        </p:spPr>
-        <p:txBody>
-          <a:bodyPr wrap="square" rtlCol="0">
-            <a:spAutoFit/>
-          </a:bodyPr>
-          <a:lstStyle/>
-          <a:p>
-            <a:pPr algn="just"/>
-            <a:r>
-              <a:rPr lang="pt-BR" sz="1200" dirty="0">
-                <a:solidFill>
-                  <a:srgbClr val="3B9BC1"/>
-                </a:solidFill>
-              </a:rPr>
-              <a:t>O sistema deve estar documentado, também com comentários ao código.</a:t>
-            </a:r>
-            <a:endParaRPr lang="en-US" dirty="0"/>
+            <a:pPr algn="ctr"/>
+            <a:endParaRPr lang="en-US"/>
           </a:p>
         </p:txBody>
       </p:sp>
     </p:spTree>
     <p:extLst>
       <p:ext uri="{BB962C8B-B14F-4D97-AF65-F5344CB8AC3E}">
-        <p14:creationId xmlns:p14="http://schemas.microsoft.com/office/powerpoint/2010/main" val="1361176474"/>
+        <p14:creationId xmlns:p14="http://schemas.microsoft.com/office/powerpoint/2010/main" val="2460407180"/>
       </p:ext>
     </p:extLst>
   </p:cSld>
@@ -20167,7 +20993,7 @@
       </p:grpSpPr>
       <p:sp>
         <p:nvSpPr>
-          <p:cNvPr id="7" name="Titre 6"/>
+          <p:cNvPr id="24" name="Titre 23"/>
           <p:cNvSpPr>
             <a:spLocks noGrp="1"/>
           </p:cNvSpPr>
@@ -20182,34 +21008,15 @@
           <a:p>
             <a:r>
               <a:rPr lang="fr-FR" dirty="0" smtClean="0"/>
-              <a:t>5. </a:t>
-            </a:r>
-            <a:r>
-              <a:rPr lang="en-US" dirty="0" err="1" smtClean="0"/>
-              <a:t>Requisitos</a:t>
-            </a:r>
-            <a:r>
-              <a:rPr lang="en-US" dirty="0" smtClean="0"/>
-              <a:t> </a:t>
-            </a:r>
-            <a:r>
-              <a:rPr lang="en-US" dirty="0" err="1" smtClean="0"/>
-              <a:t>Técnicos</a:t>
-            </a:r>
-            <a:r>
-              <a:rPr lang="en-US" dirty="0"/>
-              <a:t/>
-            </a:r>
-            <a:br>
-              <a:rPr lang="en-US" dirty="0"/>
-            </a:br>
+              <a:t>5.</a:t>
+            </a:r>
             <a:endParaRPr lang="fr-FR" dirty="0"/>
           </a:p>
         </p:txBody>
       </p:sp>
       <p:sp>
         <p:nvSpPr>
-          <p:cNvPr id="3" name="Espace réservé de la date 2"/>
+          <p:cNvPr id="2" name="Espace réservé de la date 1"/>
           <p:cNvSpPr>
             <a:spLocks noGrp="1"/>
           </p:cNvSpPr>
@@ -20223,10 +21030,10 @@
           <a:lstStyle/>
           <a:p>
             <a:r>
-              <a:rPr lang="fr-FR" smtClean="0"/>
+              <a:rPr lang="fr-FR" noProof="0" smtClean="0"/>
               <a:t>Date</a:t>
             </a:r>
-            <a:endParaRPr lang="fr-FR"/>
+            <a:endParaRPr lang="fr-FR" noProof="0"/>
           </a:p>
         </p:txBody>
       </p:sp>
@@ -20246,20 +21053,16 @@
           <a:lstStyle/>
           <a:p>
             <a:r>
-              <a:rPr lang="fr-FR" dirty="0"/>
-              <a:t>Code Race – O </a:t>
-            </a:r>
-            <a:r>
-              <a:rPr lang="fr-FR" dirty="0" err="1"/>
-              <a:t>Desafio</a:t>
-            </a:r>
-            <a:endParaRPr lang="fr-FR" dirty="0"/>
-          </a:p>
-        </p:txBody>
-      </p:sp>
-      <p:sp>
-        <p:nvSpPr>
-          <p:cNvPr id="5" name="Espace réservé du numéro de diapositive 4"/>
+              <a:rPr lang="en-US" noProof="0" smtClean="0"/>
+              <a:t>Presentation title</a:t>
+            </a:r>
+            <a:endParaRPr lang="fr-FR" noProof="0"/>
+          </a:p>
+        </p:txBody>
+      </p:sp>
+      <p:sp>
+        <p:nvSpPr>
+          <p:cNvPr id="3" name="Espace réservé du numéro de diapositive 2"/>
           <p:cNvSpPr>
             <a:spLocks noGrp="1"/>
           </p:cNvSpPr>
@@ -20272,850 +21075,58 @@
           <a:bodyPr/>
           <a:lstStyle/>
           <a:p>
-            <a:fld id="{10C140CD-8AED-46FF-A9A2-77308F3F39AE}" type="slidenum">
-              <a:rPr lang="fr-FR" smtClean="0"/>
+            <a:fld id="{733122C9-A0B9-462F-8757-0847AD287B63}" type="slidenum">
+              <a:rPr lang="fr-FR" noProof="0" smtClean="0"/>
               <a:pPr/>
               <a:t>19</a:t>
             </a:fld>
+            <a:endParaRPr lang="fr-FR" noProof="0"/>
+          </a:p>
+        </p:txBody>
+      </p:sp>
+      <p:sp>
+        <p:nvSpPr>
+          <p:cNvPr id="25" name="Espace réservé du texte 24"/>
+          <p:cNvSpPr>
+            <a:spLocks noGrp="1"/>
+          </p:cNvSpPr>
+          <p:nvPr>
+            <p:ph type="body" sz="quarter" idx="13"/>
+          </p:nvPr>
+        </p:nvSpPr>
+        <p:spPr/>
+        <p:txBody>
+          <a:bodyPr/>
+          <a:lstStyle/>
+          <a:p>
+            <a:pPr marL="182880"/>
+            <a:r>
+              <a:rPr lang="en-US" dirty="0"/>
+              <a:t>Checkpoints, </a:t>
+            </a:r>
+            <a:r>
+              <a:rPr lang="en-US" dirty="0" err="1"/>
+              <a:t>Mentores</a:t>
+            </a:r>
+            <a:r>
+              <a:rPr lang="en-US" dirty="0"/>
+              <a:t> e </a:t>
+            </a:r>
+            <a:r>
+              <a:rPr lang="en-US" dirty="0" err="1"/>
+              <a:t>Entregáveis</a:t>
+            </a:r>
+            <a:endParaRPr lang="en-US" dirty="0"/>
+          </a:p>
+          <a:p>
             <a:endParaRPr lang="fr-FR" dirty="0"/>
-          </a:p>
-        </p:txBody>
-      </p:sp>
-      <p:sp>
-        <p:nvSpPr>
-          <p:cNvPr id="6" name="Rectangle 5"/>
-          <p:cNvSpPr/>
-          <p:nvPr/>
-        </p:nvSpPr>
-        <p:spPr>
-          <a:xfrm>
-            <a:off x="5223613" y="815846"/>
-            <a:ext cx="3522881" cy="216365"/>
-          </a:xfrm>
-          <a:prstGeom prst="rect">
-            <a:avLst/>
-          </a:prstGeom>
-          <a:solidFill>
-            <a:srgbClr val="3B9BC1"/>
-          </a:solidFill>
-          <a:ln>
-            <a:solidFill>
-              <a:srgbClr val="3B9BC1"/>
-            </a:solidFill>
-          </a:ln>
-        </p:spPr>
-        <p:style>
-          <a:lnRef idx="2">
-            <a:schemeClr val="accent1">
-              <a:shade val="50000"/>
-            </a:schemeClr>
-          </a:lnRef>
-          <a:fillRef idx="1">
-            <a:schemeClr val="accent1"/>
-          </a:fillRef>
-          <a:effectRef idx="0">
-            <a:schemeClr val="accent1"/>
-          </a:effectRef>
-          <a:fontRef idx="minor">
-            <a:schemeClr val="lt1"/>
-          </a:fontRef>
-        </p:style>
-        <p:txBody>
-          <a:bodyPr rtlCol="0" anchor="ctr"/>
-          <a:lstStyle/>
-          <a:p>
-            <a:pPr algn="ctr"/>
-            <a:r>
-              <a:rPr lang="en-US" sz="1400" dirty="0" err="1" smtClean="0">
-                <a:solidFill>
-                  <a:schemeClr val="bg1"/>
-                </a:solidFill>
-              </a:rPr>
-              <a:t>Obrigatórios</a:t>
-            </a:r>
-            <a:endParaRPr lang="en-US" sz="1400" dirty="0">
-              <a:solidFill>
-                <a:schemeClr val="bg1"/>
-              </a:solidFill>
-            </a:endParaRPr>
-          </a:p>
-        </p:txBody>
-      </p:sp>
-      <p:cxnSp>
-        <p:nvCxnSpPr>
-          <p:cNvPr id="8" name="Straight Connector 7"/>
-          <p:cNvCxnSpPr/>
-          <p:nvPr/>
-        </p:nvCxnSpPr>
-        <p:spPr>
-          <a:xfrm>
-            <a:off x="5967308" y="1040017"/>
-            <a:ext cx="2923202" cy="0"/>
-          </a:xfrm>
-          <a:prstGeom prst="line">
-            <a:avLst/>
-          </a:prstGeom>
-          <a:ln w="28575">
-            <a:solidFill>
-              <a:schemeClr val="tx1"/>
-            </a:solidFill>
-          </a:ln>
-        </p:spPr>
-        <p:style>
-          <a:lnRef idx="1">
-            <a:schemeClr val="accent1"/>
-          </a:lnRef>
-          <a:fillRef idx="0">
-            <a:schemeClr val="accent1"/>
-          </a:fillRef>
-          <a:effectRef idx="0">
-            <a:schemeClr val="accent1"/>
-          </a:effectRef>
-          <a:fontRef idx="minor">
-            <a:schemeClr val="tx1"/>
-          </a:fontRef>
-        </p:style>
-      </p:cxnSp>
-      <p:cxnSp>
-        <p:nvCxnSpPr>
-          <p:cNvPr id="10" name="Straight Connector 9"/>
-          <p:cNvCxnSpPr/>
-          <p:nvPr/>
-        </p:nvCxnSpPr>
-        <p:spPr>
-          <a:xfrm>
-            <a:off x="1263459" y="1491630"/>
-            <a:ext cx="0" cy="2592288"/>
-          </a:xfrm>
-          <a:prstGeom prst="line">
-            <a:avLst/>
-          </a:prstGeom>
-          <a:ln w="28575">
-            <a:solidFill>
-              <a:srgbClr val="1BA5DC"/>
-            </a:solidFill>
-          </a:ln>
-        </p:spPr>
-        <p:style>
-          <a:lnRef idx="1">
-            <a:schemeClr val="accent1"/>
-          </a:lnRef>
-          <a:fillRef idx="0">
-            <a:schemeClr val="accent1"/>
-          </a:fillRef>
-          <a:effectRef idx="0">
-            <a:schemeClr val="accent1"/>
-          </a:effectRef>
-          <a:fontRef idx="minor">
-            <a:schemeClr val="tx1"/>
-          </a:fontRef>
-        </p:style>
-      </p:cxnSp>
-      <p:cxnSp>
-        <p:nvCxnSpPr>
-          <p:cNvPr id="15" name="Straight Connector 14"/>
-          <p:cNvCxnSpPr/>
-          <p:nvPr/>
-        </p:nvCxnSpPr>
-        <p:spPr>
-          <a:xfrm flipV="1">
-            <a:off x="539552" y="1895605"/>
-            <a:ext cx="7920880" cy="15158"/>
-          </a:xfrm>
-          <a:prstGeom prst="line">
-            <a:avLst/>
-          </a:prstGeom>
-          <a:ln w="22225">
-            <a:solidFill>
-              <a:srgbClr val="1BA5DC"/>
-            </a:solidFill>
-          </a:ln>
-        </p:spPr>
-        <p:style>
-          <a:lnRef idx="1">
-            <a:schemeClr val="accent1"/>
-          </a:lnRef>
-          <a:fillRef idx="0">
-            <a:schemeClr val="accent1"/>
-          </a:fillRef>
-          <a:effectRef idx="0">
-            <a:schemeClr val="accent1"/>
-          </a:effectRef>
-          <a:fontRef idx="minor">
-            <a:schemeClr val="tx1"/>
-          </a:fontRef>
-        </p:style>
-      </p:cxnSp>
-      <p:cxnSp>
-        <p:nvCxnSpPr>
-          <p:cNvPr id="29" name="Straight Connector 28"/>
-          <p:cNvCxnSpPr/>
-          <p:nvPr/>
-        </p:nvCxnSpPr>
-        <p:spPr>
-          <a:xfrm>
-            <a:off x="539552" y="2774859"/>
-            <a:ext cx="7920880" cy="0"/>
-          </a:xfrm>
-          <a:prstGeom prst="line">
-            <a:avLst/>
-          </a:prstGeom>
-          <a:ln w="22225">
-            <a:solidFill>
-              <a:srgbClr val="1BA5DC"/>
-            </a:solidFill>
-          </a:ln>
-        </p:spPr>
-        <p:style>
-          <a:lnRef idx="1">
-            <a:schemeClr val="accent1"/>
-          </a:lnRef>
-          <a:fillRef idx="0">
-            <a:schemeClr val="accent1"/>
-          </a:fillRef>
-          <a:effectRef idx="0">
-            <a:schemeClr val="accent1"/>
-          </a:effectRef>
-          <a:fontRef idx="minor">
-            <a:schemeClr val="tx1"/>
-          </a:fontRef>
-        </p:style>
-      </p:cxnSp>
-      <p:cxnSp>
-        <p:nvCxnSpPr>
-          <p:cNvPr id="41" name="Straight Connector 40"/>
-          <p:cNvCxnSpPr/>
-          <p:nvPr/>
-        </p:nvCxnSpPr>
-        <p:spPr>
-          <a:xfrm>
-            <a:off x="547613" y="3638955"/>
-            <a:ext cx="7912819" cy="0"/>
-          </a:xfrm>
-          <a:prstGeom prst="line">
-            <a:avLst/>
-          </a:prstGeom>
-          <a:ln w="22225">
-            <a:solidFill>
-              <a:srgbClr val="1BA5DC"/>
-            </a:solidFill>
-          </a:ln>
-        </p:spPr>
-        <p:style>
-          <a:lnRef idx="1">
-            <a:schemeClr val="accent1"/>
-          </a:lnRef>
-          <a:fillRef idx="0">
-            <a:schemeClr val="accent1"/>
-          </a:fillRef>
-          <a:effectRef idx="0">
-            <a:schemeClr val="accent1"/>
-          </a:effectRef>
-          <a:fontRef idx="minor">
-            <a:schemeClr val="tx1"/>
-          </a:fontRef>
-        </p:style>
-      </p:cxnSp>
-      <p:cxnSp>
-        <p:nvCxnSpPr>
-          <p:cNvPr id="42" name="Straight Connector 41"/>
-          <p:cNvCxnSpPr/>
-          <p:nvPr/>
-        </p:nvCxnSpPr>
-        <p:spPr>
-          <a:xfrm>
-            <a:off x="539552" y="1478715"/>
-            <a:ext cx="6336704" cy="0"/>
-          </a:xfrm>
-          <a:prstGeom prst="line">
-            <a:avLst/>
-          </a:prstGeom>
-          <a:ln>
-            <a:solidFill>
-              <a:srgbClr val="1BA5DC"/>
-            </a:solidFill>
-          </a:ln>
-        </p:spPr>
-        <p:style>
-          <a:lnRef idx="1">
-            <a:schemeClr val="accent1"/>
-          </a:lnRef>
-          <a:fillRef idx="0">
-            <a:schemeClr val="accent1"/>
-          </a:fillRef>
-          <a:effectRef idx="0">
-            <a:schemeClr val="accent1"/>
-          </a:effectRef>
-          <a:fontRef idx="minor">
-            <a:schemeClr val="tx1"/>
-          </a:fontRef>
-        </p:style>
-      </p:cxnSp>
-      <p:cxnSp>
-        <p:nvCxnSpPr>
-          <p:cNvPr id="48" name="Straight Connector 47"/>
-          <p:cNvCxnSpPr/>
-          <p:nvPr/>
-        </p:nvCxnSpPr>
-        <p:spPr>
-          <a:xfrm flipV="1">
-            <a:off x="539552" y="4067734"/>
-            <a:ext cx="7920880" cy="3269"/>
-          </a:xfrm>
-          <a:prstGeom prst="line">
-            <a:avLst/>
-          </a:prstGeom>
-          <a:ln w="28575">
-            <a:solidFill>
-              <a:srgbClr val="1BA5DC"/>
-            </a:solidFill>
-          </a:ln>
-        </p:spPr>
-        <p:style>
-          <a:lnRef idx="1">
-            <a:schemeClr val="accent1"/>
-          </a:lnRef>
-          <a:fillRef idx="0">
-            <a:schemeClr val="accent1"/>
-          </a:fillRef>
-          <a:effectRef idx="0">
-            <a:schemeClr val="accent1"/>
-          </a:effectRef>
-          <a:fontRef idx="minor">
-            <a:schemeClr val="tx1"/>
-          </a:fontRef>
-        </p:style>
-      </p:cxnSp>
-      <p:cxnSp>
-        <p:nvCxnSpPr>
-          <p:cNvPr id="50" name="Straight Connector 49"/>
-          <p:cNvCxnSpPr/>
-          <p:nvPr/>
-        </p:nvCxnSpPr>
-        <p:spPr>
-          <a:xfrm>
-            <a:off x="547613" y="1478715"/>
-            <a:ext cx="0" cy="2592288"/>
-          </a:xfrm>
-          <a:prstGeom prst="line">
-            <a:avLst/>
-          </a:prstGeom>
-          <a:ln w="28575">
-            <a:solidFill>
-              <a:srgbClr val="1BA5DC"/>
-            </a:solidFill>
-          </a:ln>
-        </p:spPr>
-        <p:style>
-          <a:lnRef idx="1">
-            <a:schemeClr val="accent1"/>
-          </a:lnRef>
-          <a:fillRef idx="0">
-            <a:schemeClr val="accent1"/>
-          </a:fillRef>
-          <a:effectRef idx="0">
-            <a:schemeClr val="accent1"/>
-          </a:effectRef>
-          <a:fontRef idx="minor">
-            <a:schemeClr val="tx1"/>
-          </a:fontRef>
-        </p:style>
-      </p:cxnSp>
-      <p:cxnSp>
-        <p:nvCxnSpPr>
-          <p:cNvPr id="174" name="Straight Connector 173"/>
-          <p:cNvCxnSpPr/>
-          <p:nvPr/>
-        </p:nvCxnSpPr>
-        <p:spPr>
-          <a:xfrm flipV="1">
-            <a:off x="539552" y="1472177"/>
-            <a:ext cx="7920880" cy="12999"/>
-          </a:xfrm>
-          <a:prstGeom prst="line">
-            <a:avLst/>
-          </a:prstGeom>
-          <a:ln w="22225">
-            <a:solidFill>
-              <a:srgbClr val="1BA5DC"/>
-            </a:solidFill>
-          </a:ln>
-        </p:spPr>
-        <p:style>
-          <a:lnRef idx="1">
-            <a:schemeClr val="accent1"/>
-          </a:lnRef>
-          <a:fillRef idx="0">
-            <a:schemeClr val="accent1"/>
-          </a:fillRef>
-          <a:effectRef idx="0">
-            <a:schemeClr val="accent1"/>
-          </a:effectRef>
-          <a:fontRef idx="minor">
-            <a:schemeClr val="tx1"/>
-          </a:fontRef>
-        </p:style>
-      </p:cxnSp>
-      <p:sp>
-        <p:nvSpPr>
-          <p:cNvPr id="176" name="TextBox 175"/>
-          <p:cNvSpPr txBox="1"/>
-          <p:nvPr/>
-        </p:nvSpPr>
-        <p:spPr>
-          <a:xfrm>
-            <a:off x="574473" y="1199735"/>
-            <a:ext cx="671979" cy="276999"/>
-          </a:xfrm>
-          <a:prstGeom prst="rect">
-            <a:avLst/>
-          </a:prstGeom>
-          <a:noFill/>
-        </p:spPr>
-        <p:txBody>
-          <a:bodyPr wrap="none" rtlCol="0">
-            <a:spAutoFit/>
-          </a:bodyPr>
-          <a:lstStyle/>
-          <a:p>
-            <a:r>
-              <a:rPr lang="en-US" sz="1200" b="1" dirty="0" err="1" smtClean="0">
-                <a:solidFill>
-                  <a:srgbClr val="3B9BC1"/>
-                </a:solidFill>
-              </a:rPr>
-              <a:t>Req</a:t>
-            </a:r>
-            <a:r>
-              <a:rPr lang="en-US" sz="1200" b="1" dirty="0" smtClean="0">
-                <a:solidFill>
-                  <a:srgbClr val="3B9BC1"/>
-                </a:solidFill>
-              </a:rPr>
-              <a:t> ID</a:t>
-            </a:r>
-            <a:endParaRPr lang="en-US" sz="1200" b="1" dirty="0">
-              <a:solidFill>
-                <a:srgbClr val="3B9BC1"/>
-              </a:solidFill>
-            </a:endParaRPr>
-          </a:p>
-        </p:txBody>
-      </p:sp>
-      <p:sp>
-        <p:nvSpPr>
-          <p:cNvPr id="178" name="TextBox 177"/>
-          <p:cNvSpPr txBox="1"/>
-          <p:nvPr/>
-        </p:nvSpPr>
-        <p:spPr>
-          <a:xfrm>
-            <a:off x="1350630" y="1190570"/>
-            <a:ext cx="1050592" cy="276999"/>
-          </a:xfrm>
-          <a:prstGeom prst="rect">
-            <a:avLst/>
-          </a:prstGeom>
-          <a:noFill/>
-        </p:spPr>
-        <p:txBody>
-          <a:bodyPr wrap="square" rtlCol="0">
-            <a:spAutoFit/>
-          </a:bodyPr>
-          <a:lstStyle/>
-          <a:p>
-            <a:r>
-              <a:rPr lang="en-US" sz="1200" b="1" dirty="0" err="1" smtClean="0">
-                <a:solidFill>
-                  <a:srgbClr val="3B9BC1"/>
-                </a:solidFill>
-              </a:rPr>
-              <a:t>Descrição</a:t>
-            </a:r>
-            <a:endParaRPr lang="en-US" sz="1200" b="1" dirty="0">
-              <a:solidFill>
-                <a:srgbClr val="3B9BC1"/>
-              </a:solidFill>
-            </a:endParaRPr>
-          </a:p>
-        </p:txBody>
-      </p:sp>
-      <p:cxnSp>
-        <p:nvCxnSpPr>
-          <p:cNvPr id="181" name="Straight Connector 180"/>
-          <p:cNvCxnSpPr/>
-          <p:nvPr/>
-        </p:nvCxnSpPr>
-        <p:spPr>
-          <a:xfrm>
-            <a:off x="8460432" y="1491630"/>
-            <a:ext cx="0" cy="2592288"/>
-          </a:xfrm>
-          <a:prstGeom prst="line">
-            <a:avLst/>
-          </a:prstGeom>
-          <a:ln w="28575">
-            <a:solidFill>
-              <a:srgbClr val="1BA5DC"/>
-            </a:solidFill>
-          </a:ln>
-        </p:spPr>
-        <p:style>
-          <a:lnRef idx="1">
-            <a:schemeClr val="accent1"/>
-          </a:lnRef>
-          <a:fillRef idx="0">
-            <a:schemeClr val="accent1"/>
-          </a:fillRef>
-          <a:effectRef idx="0">
-            <a:schemeClr val="accent1"/>
-          </a:effectRef>
-          <a:fontRef idx="minor">
-            <a:schemeClr val="tx1"/>
-          </a:fontRef>
-        </p:style>
-      </p:cxnSp>
-      <p:sp>
-        <p:nvSpPr>
-          <p:cNvPr id="192" name="TextBox 191"/>
-          <p:cNvSpPr txBox="1"/>
-          <p:nvPr/>
-        </p:nvSpPr>
-        <p:spPr>
-          <a:xfrm>
-            <a:off x="660386" y="1556390"/>
-            <a:ext cx="557012" cy="276999"/>
-          </a:xfrm>
-          <a:prstGeom prst="rect">
-            <a:avLst/>
-          </a:prstGeom>
-          <a:noFill/>
-        </p:spPr>
-        <p:txBody>
-          <a:bodyPr wrap="none" rtlCol="0">
-            <a:spAutoFit/>
-          </a:bodyPr>
-          <a:lstStyle/>
-          <a:p>
-            <a:r>
-              <a:rPr lang="en-US" sz="1200" dirty="0" smtClean="0">
-                <a:solidFill>
-                  <a:srgbClr val="3B9BC1"/>
-                </a:solidFill>
-              </a:rPr>
-              <a:t>RT07</a:t>
-            </a:r>
-            <a:endParaRPr lang="en-US" sz="1200" dirty="0">
-              <a:solidFill>
-                <a:srgbClr val="3B9BC1"/>
-              </a:solidFill>
-            </a:endParaRPr>
-          </a:p>
-        </p:txBody>
-      </p:sp>
-      <p:sp>
-        <p:nvSpPr>
-          <p:cNvPr id="193" name="TextBox 192"/>
-          <p:cNvSpPr txBox="1"/>
-          <p:nvPr/>
-        </p:nvSpPr>
-        <p:spPr>
-          <a:xfrm>
-            <a:off x="647955" y="2008438"/>
-            <a:ext cx="557012" cy="276999"/>
-          </a:xfrm>
-          <a:prstGeom prst="rect">
-            <a:avLst/>
-          </a:prstGeom>
-          <a:noFill/>
-        </p:spPr>
-        <p:txBody>
-          <a:bodyPr wrap="none" rtlCol="0">
-            <a:spAutoFit/>
-          </a:bodyPr>
-          <a:lstStyle/>
-          <a:p>
-            <a:r>
-              <a:rPr lang="en-US" sz="1200" dirty="0" smtClean="0">
-                <a:solidFill>
-                  <a:srgbClr val="3B9BC1"/>
-                </a:solidFill>
-              </a:rPr>
-              <a:t>RT08</a:t>
-            </a:r>
-            <a:endParaRPr lang="en-US" sz="1200" dirty="0">
-              <a:solidFill>
-                <a:srgbClr val="3B9BC1"/>
-              </a:solidFill>
-            </a:endParaRPr>
-          </a:p>
-        </p:txBody>
-      </p:sp>
-      <p:sp>
-        <p:nvSpPr>
-          <p:cNvPr id="194" name="TextBox 193"/>
-          <p:cNvSpPr txBox="1"/>
-          <p:nvPr/>
-        </p:nvSpPr>
-        <p:spPr>
-          <a:xfrm>
-            <a:off x="641937" y="2415818"/>
-            <a:ext cx="559769" cy="276999"/>
-          </a:xfrm>
-          <a:prstGeom prst="rect">
-            <a:avLst/>
-          </a:prstGeom>
-          <a:noFill/>
-        </p:spPr>
-        <p:txBody>
-          <a:bodyPr wrap="none" rtlCol="0">
-            <a:spAutoFit/>
-          </a:bodyPr>
-          <a:lstStyle/>
-          <a:p>
-            <a:r>
-              <a:rPr lang="en-US" sz="1200" dirty="0" smtClean="0">
-                <a:solidFill>
-                  <a:srgbClr val="3B9BC1"/>
-                </a:solidFill>
-              </a:rPr>
-              <a:t>RF18</a:t>
-            </a:r>
-            <a:endParaRPr lang="en-US" sz="1200" dirty="0">
-              <a:solidFill>
-                <a:srgbClr val="3B9BC1"/>
-              </a:solidFill>
-            </a:endParaRPr>
-          </a:p>
-        </p:txBody>
-      </p:sp>
-      <p:cxnSp>
-        <p:nvCxnSpPr>
-          <p:cNvPr id="65" name="Straight Connector 64"/>
-          <p:cNvCxnSpPr/>
-          <p:nvPr/>
-        </p:nvCxnSpPr>
-        <p:spPr>
-          <a:xfrm flipV="1">
-            <a:off x="546348" y="2325122"/>
-            <a:ext cx="7920880" cy="15158"/>
-          </a:xfrm>
-          <a:prstGeom prst="line">
-            <a:avLst/>
-          </a:prstGeom>
-          <a:ln w="22225">
-            <a:solidFill>
-              <a:srgbClr val="1BA5DC"/>
-            </a:solidFill>
-          </a:ln>
-        </p:spPr>
-        <p:style>
-          <a:lnRef idx="1">
-            <a:schemeClr val="accent1"/>
-          </a:lnRef>
-          <a:fillRef idx="0">
-            <a:schemeClr val="accent1"/>
-          </a:fillRef>
-          <a:effectRef idx="0">
-            <a:schemeClr val="accent1"/>
-          </a:effectRef>
-          <a:fontRef idx="minor">
-            <a:schemeClr val="tx1"/>
-          </a:fontRef>
-        </p:style>
-      </p:cxnSp>
-      <p:cxnSp>
-        <p:nvCxnSpPr>
-          <p:cNvPr id="66" name="Straight Connector 65"/>
-          <p:cNvCxnSpPr/>
-          <p:nvPr/>
-        </p:nvCxnSpPr>
-        <p:spPr>
-          <a:xfrm flipV="1">
-            <a:off x="532757" y="3194165"/>
-            <a:ext cx="7920880" cy="15158"/>
-          </a:xfrm>
-          <a:prstGeom prst="line">
-            <a:avLst/>
-          </a:prstGeom>
-          <a:ln w="22225">
-            <a:solidFill>
-              <a:srgbClr val="1BA5DC"/>
-            </a:solidFill>
-          </a:ln>
-        </p:spPr>
-        <p:style>
-          <a:lnRef idx="1">
-            <a:schemeClr val="accent1"/>
-          </a:lnRef>
-          <a:fillRef idx="0">
-            <a:schemeClr val="accent1"/>
-          </a:fillRef>
-          <a:effectRef idx="0">
-            <a:schemeClr val="accent1"/>
-          </a:effectRef>
-          <a:fontRef idx="minor">
-            <a:schemeClr val="tx1"/>
-          </a:fontRef>
-        </p:style>
-      </p:cxnSp>
-      <p:sp>
-        <p:nvSpPr>
-          <p:cNvPr id="2" name="TextBox 1"/>
-          <p:cNvSpPr txBox="1"/>
-          <p:nvPr/>
-        </p:nvSpPr>
-        <p:spPr>
-          <a:xfrm>
-            <a:off x="1261427" y="1482898"/>
-            <a:ext cx="7199006" cy="461665"/>
-          </a:xfrm>
-          <a:prstGeom prst="rect">
-            <a:avLst/>
-          </a:prstGeom>
-          <a:noFill/>
-        </p:spPr>
-        <p:txBody>
-          <a:bodyPr wrap="square" rtlCol="0">
-            <a:spAutoFit/>
-          </a:bodyPr>
-          <a:lstStyle/>
-          <a:p>
-            <a:pPr algn="just"/>
-            <a:r>
-              <a:rPr lang="pt-BR" sz="1200" dirty="0">
-                <a:solidFill>
-                  <a:srgbClr val="3B9BC1"/>
-                </a:solidFill>
-              </a:rPr>
-              <a:t>O sistema deve possuir código com soluções elegantes, IDENTADAS e seguindo as naming conventions.</a:t>
-            </a:r>
-            <a:endParaRPr lang="en-US" dirty="0"/>
-          </a:p>
-        </p:txBody>
-      </p:sp>
-      <p:sp>
-        <p:nvSpPr>
-          <p:cNvPr id="68" name="TextBox 67"/>
-          <p:cNvSpPr txBox="1"/>
-          <p:nvPr/>
-        </p:nvSpPr>
-        <p:spPr>
-          <a:xfrm>
-            <a:off x="1258934" y="1913533"/>
-            <a:ext cx="7199006" cy="461665"/>
-          </a:xfrm>
-          <a:prstGeom prst="rect">
-            <a:avLst/>
-          </a:prstGeom>
-          <a:noFill/>
-        </p:spPr>
-        <p:txBody>
-          <a:bodyPr wrap="square" rtlCol="0">
-            <a:spAutoFit/>
-          </a:bodyPr>
-          <a:lstStyle/>
-          <a:p>
-            <a:pPr algn="just"/>
-            <a:r>
-              <a:rPr lang="pt-BR" sz="1200" dirty="0">
-                <a:solidFill>
-                  <a:srgbClr val="3B9BC1"/>
-                </a:solidFill>
-              </a:rPr>
-              <a:t>O sistema deve ter persistência baseado num Sistema de Gestão de Base de Dados, onde devem ser armazenados todos os dados e operações.</a:t>
-            </a:r>
-            <a:endParaRPr lang="en-US" dirty="0"/>
-          </a:p>
-        </p:txBody>
-      </p:sp>
-      <p:sp>
-        <p:nvSpPr>
-          <p:cNvPr id="69" name="TextBox 68"/>
-          <p:cNvSpPr txBox="1"/>
-          <p:nvPr/>
-        </p:nvSpPr>
-        <p:spPr>
-          <a:xfrm>
-            <a:off x="1244579" y="2349271"/>
-            <a:ext cx="7199006" cy="276999"/>
-          </a:xfrm>
-          <a:prstGeom prst="rect">
-            <a:avLst/>
-          </a:prstGeom>
-          <a:noFill/>
-        </p:spPr>
-        <p:txBody>
-          <a:bodyPr wrap="square" rtlCol="0">
-            <a:spAutoFit/>
-          </a:bodyPr>
-          <a:lstStyle/>
-          <a:p>
-            <a:pPr algn="just"/>
-            <a:r>
-              <a:rPr lang="pt-BR" sz="1200" dirty="0">
-                <a:solidFill>
-                  <a:srgbClr val="3B9BC1"/>
-                </a:solidFill>
-              </a:rPr>
-              <a:t>As interfaces de utilizador devem ser elegantes e responsivas.</a:t>
-            </a:r>
-            <a:endParaRPr lang="en-US" sz="1200" dirty="0"/>
-          </a:p>
-        </p:txBody>
-      </p:sp>
-      <p:sp>
-        <p:nvSpPr>
-          <p:cNvPr id="33" name="Rectangle 32"/>
-          <p:cNvSpPr/>
-          <p:nvPr/>
-        </p:nvSpPr>
-        <p:spPr>
-          <a:xfrm>
-            <a:off x="179513" y="2364581"/>
-            <a:ext cx="8784976" cy="2007370"/>
-          </a:xfrm>
-          <a:prstGeom prst="rect">
-            <a:avLst/>
-          </a:prstGeom>
-          <a:solidFill>
-            <a:srgbClr val="FFFFFF"/>
-          </a:solidFill>
-          <a:ln>
-            <a:solidFill>
-              <a:srgbClr val="FFFFFF"/>
-            </a:solidFill>
-          </a:ln>
-        </p:spPr>
-        <p:style>
-          <a:lnRef idx="2">
-            <a:schemeClr val="accent1">
-              <a:shade val="50000"/>
-            </a:schemeClr>
-          </a:lnRef>
-          <a:fillRef idx="1">
-            <a:schemeClr val="accent1"/>
-          </a:fillRef>
-          <a:effectRef idx="0">
-            <a:schemeClr val="accent1"/>
-          </a:effectRef>
-          <a:fontRef idx="minor">
-            <a:schemeClr val="lt1"/>
-          </a:fontRef>
-        </p:style>
-        <p:txBody>
-          <a:bodyPr rtlCol="0" anchor="ctr"/>
-          <a:lstStyle/>
-          <a:p>
-            <a:pPr algn="ctr"/>
-            <a:endParaRPr lang="en-US"/>
           </a:p>
         </p:txBody>
       </p:sp>
     </p:spTree>
     <p:extLst>
       <p:ext uri="{BB962C8B-B14F-4D97-AF65-F5344CB8AC3E}">
-        <p14:creationId xmlns:p14="http://schemas.microsoft.com/office/powerpoint/2010/main" val="2460407180"/>
+        <p14:creationId xmlns:p14="http://schemas.microsoft.com/office/powerpoint/2010/main" val="894643797"/>
       </p:ext>
     </p:extLst>
   </p:cSld>
@@ -21887,6 +21898,22 @@
               </a:rPr>
               <a:t>Funcionais</a:t>
             </a:r>
+            <a:r>
+              <a:rPr lang="en-US" b="1" dirty="0" smtClean="0">
+                <a:solidFill>
+                  <a:schemeClr val="bg1"/>
+                </a:solidFill>
+              </a:rPr>
+              <a:t> e </a:t>
+            </a:r>
+            <a:r>
+              <a:rPr lang="en-US" b="1" dirty="0" err="1" smtClean="0">
+                <a:solidFill>
+                  <a:schemeClr val="bg1"/>
+                </a:solidFill>
+              </a:rPr>
+              <a:t>Técnicos</a:t>
+            </a:r>
             <a:endParaRPr lang="en-US" b="1" dirty="0">
               <a:solidFill>
                 <a:schemeClr val="bg1"/>
@@ -22000,12 +22027,20 @@
           <a:p>
             <a:pPr marL="182880"/>
             <a:r>
+              <a:rPr lang="en-US" b="1" dirty="0" smtClean="0">
+                <a:solidFill>
+                  <a:schemeClr val="bg1"/>
+                </a:solidFill>
+              </a:rPr>
+              <a:t>Checkpoints, </a:t>
+            </a:r>
+            <a:r>
               <a:rPr lang="en-US" b="1" dirty="0" err="1" smtClean="0">
                 <a:solidFill>
                   <a:schemeClr val="bg1"/>
                 </a:solidFill>
               </a:rPr>
-              <a:t>Requisitos</a:t>
+              <a:t>Mentores</a:t>
             </a:r>
             <a:r>
               <a:rPr lang="en-US" b="1" dirty="0" smtClean="0">
@@ -22013,7 +22048,7 @@
                   <a:schemeClr val="bg1"/>
                 </a:solidFill>
               </a:rPr>
-              <a:t> </a:t>
+              <a:t> e </a:t>
             </a:r>
             <a:r>
               <a:rPr lang="en-US" b="1" dirty="0" err="1" smtClean="0">
@@ -22021,7 +22056,7 @@
                   <a:schemeClr val="bg1"/>
                 </a:solidFill>
               </a:rPr>
-              <a:t>Técnicos</a:t>
+              <a:t>Entregáveis</a:t>
             </a:r>
             <a:endParaRPr lang="en-US" b="1" dirty="0">
               <a:solidFill>
@@ -22324,7 +22359,7 @@
       </p:grpSpPr>
       <p:sp>
         <p:nvSpPr>
-          <p:cNvPr id="24" name="Titre 23"/>
+          <p:cNvPr id="7" name="Titre 6"/>
           <p:cNvSpPr>
             <a:spLocks noGrp="1"/>
           </p:cNvSpPr>
@@ -22339,7 +22374,11 @@
           <a:p>
             <a:r>
               <a:rPr lang="fr-FR" dirty="0" smtClean="0"/>
-              <a:t>6.</a:t>
+              <a:t>5. </a:t>
+            </a:r>
+            <a:r>
+              <a:rPr lang="fr-FR" dirty="0" err="1" smtClean="0"/>
+              <a:t>Mentores</a:t>
             </a:r>
             <a:endParaRPr lang="fr-FR" dirty="0"/>
           </a:p>
@@ -22347,7 +22386,7 @@
       </p:sp>
       <p:sp>
         <p:nvSpPr>
-          <p:cNvPr id="2" name="Espace réservé de la date 1"/>
+          <p:cNvPr id="3" name="Espace réservé de la date 2"/>
           <p:cNvSpPr>
             <a:spLocks noGrp="1"/>
           </p:cNvSpPr>
@@ -22361,10 +22400,10 @@
           <a:lstStyle/>
           <a:p>
             <a:r>
-              <a:rPr lang="fr-FR" noProof="0" smtClean="0"/>
+              <a:rPr lang="fr-FR" smtClean="0"/>
               <a:t>Date</a:t>
             </a:r>
-            <a:endParaRPr lang="fr-FR" noProof="0"/>
+            <a:endParaRPr lang="fr-FR"/>
           </a:p>
         </p:txBody>
       </p:sp>
@@ -22384,16 +22423,20 @@
           <a:lstStyle/>
           <a:p>
             <a:r>
-              <a:rPr lang="en-US" noProof="0" smtClean="0"/>
-              <a:t>Presentation title</a:t>
-            </a:r>
-            <a:endParaRPr lang="fr-FR" noProof="0"/>
-          </a:p>
-        </p:txBody>
-      </p:sp>
-      <p:sp>
-        <p:nvSpPr>
-          <p:cNvPr id="3" name="Espace réservé du numéro de diapositive 2"/>
+              <a:rPr lang="fr-FR" dirty="0" smtClean="0"/>
+              <a:t>Code Race – O </a:t>
+            </a:r>
+            <a:r>
+              <a:rPr lang="fr-FR" dirty="0" err="1" smtClean="0"/>
+              <a:t>Desafio</a:t>
+            </a:r>
+            <a:endParaRPr lang="fr-FR" dirty="0"/>
+          </a:p>
+        </p:txBody>
+      </p:sp>
+      <p:sp>
+        <p:nvSpPr>
+          <p:cNvPr id="5" name="Espace réservé du numéro de diapositive 4"/>
           <p:cNvSpPr>
             <a:spLocks noGrp="1"/>
           </p:cNvSpPr>
@@ -22406,50 +22449,1230 @@
           <a:bodyPr/>
           <a:lstStyle/>
           <a:p>
-            <a:fld id="{733122C9-A0B9-462F-8757-0847AD287B63}" type="slidenum">
-              <a:rPr lang="fr-FR" noProof="0" smtClean="0"/>
+            <a:fld id="{10C140CD-8AED-46FF-A9A2-77308F3F39AE}" type="slidenum">
+              <a:rPr lang="fr-FR" smtClean="0"/>
               <a:pPr/>
               <a:t>20</a:t>
             </a:fld>
-            <a:endParaRPr lang="fr-FR" noProof="0"/>
-          </a:p>
-        </p:txBody>
-      </p:sp>
-      <p:sp>
-        <p:nvSpPr>
-          <p:cNvPr id="25" name="Espace réservé du texte 24"/>
-          <p:cNvSpPr>
-            <a:spLocks noGrp="1"/>
-          </p:cNvSpPr>
-          <p:nvPr>
-            <p:ph type="body" sz="quarter" idx="13"/>
-          </p:nvPr>
-        </p:nvSpPr>
-        <p:spPr/>
-        <p:txBody>
-          <a:bodyPr/>
+            <a:endParaRPr lang="fr-FR" dirty="0"/>
+          </a:p>
+        </p:txBody>
+      </p:sp>
+      <p:sp>
+        <p:nvSpPr>
+          <p:cNvPr id="10" name="TextBox 9"/>
+          <p:cNvSpPr txBox="1"/>
+          <p:nvPr/>
+        </p:nvSpPr>
+        <p:spPr>
+          <a:xfrm>
+            <a:off x="251520" y="1131590"/>
+            <a:ext cx="1757323" cy="338554"/>
+          </a:xfrm>
+          <a:prstGeom prst="rect">
+            <a:avLst/>
+          </a:prstGeom>
+          <a:noFill/>
+        </p:spPr>
+        <p:txBody>
+          <a:bodyPr wrap="square" rtlCol="0">
+            <a:spAutoFit/>
+          </a:bodyPr>
           <a:lstStyle/>
           <a:p>
             <a:r>
-              <a:rPr lang="fr-FR" dirty="0" err="1" smtClean="0"/>
-              <a:t>Fatores</a:t>
-            </a:r>
-            <a:r>
-              <a:rPr lang="fr-FR" dirty="0" smtClean="0"/>
-              <a:t> de </a:t>
-            </a:r>
-            <a:r>
-              <a:rPr lang="fr-FR" dirty="0" err="1" smtClean="0"/>
-              <a:t>Avaliação</a:t>
-            </a:r>
-            <a:endParaRPr lang="fr-FR" dirty="0"/>
-          </a:p>
-        </p:txBody>
-      </p:sp>
+              <a:rPr lang="en-US" sz="1600" b="1" dirty="0" smtClean="0">
+                <a:solidFill>
+                  <a:srgbClr val="3B9BC1"/>
+                </a:solidFill>
+              </a:rPr>
+              <a:t>Backend</a:t>
+            </a:r>
+            <a:endParaRPr lang="en-US" b="1" dirty="0">
+              <a:solidFill>
+                <a:srgbClr val="3B9BC1"/>
+              </a:solidFill>
+            </a:endParaRPr>
+          </a:p>
+        </p:txBody>
+      </p:sp>
+      <p:cxnSp>
+        <p:nvCxnSpPr>
+          <p:cNvPr id="15" name="Straight Connector 14"/>
+          <p:cNvCxnSpPr/>
+          <p:nvPr/>
+        </p:nvCxnSpPr>
+        <p:spPr>
+          <a:xfrm>
+            <a:off x="268100" y="1486466"/>
+            <a:ext cx="2532831" cy="0"/>
+          </a:xfrm>
+          <a:prstGeom prst="line">
+            <a:avLst/>
+          </a:prstGeom>
+          <a:ln w="19050">
+            <a:solidFill>
+              <a:srgbClr val="3B9BC1"/>
+            </a:solidFill>
+          </a:ln>
+        </p:spPr>
+        <p:style>
+          <a:lnRef idx="1">
+            <a:schemeClr val="accent1"/>
+          </a:lnRef>
+          <a:fillRef idx="0">
+            <a:schemeClr val="accent1"/>
+          </a:fillRef>
+          <a:effectRef idx="0">
+            <a:schemeClr val="accent1"/>
+          </a:effectRef>
+          <a:fontRef idx="minor">
+            <a:schemeClr val="tx1"/>
+          </a:fontRef>
+        </p:style>
+      </p:cxnSp>
+      <p:sp>
+        <p:nvSpPr>
+          <p:cNvPr id="9" name="TextBox 8"/>
+          <p:cNvSpPr txBox="1"/>
+          <p:nvPr/>
+        </p:nvSpPr>
+        <p:spPr>
+          <a:xfrm>
+            <a:off x="3102709" y="1136242"/>
+            <a:ext cx="1757323" cy="338554"/>
+          </a:xfrm>
+          <a:prstGeom prst="rect">
+            <a:avLst/>
+          </a:prstGeom>
+          <a:noFill/>
+        </p:spPr>
+        <p:txBody>
+          <a:bodyPr wrap="square" rtlCol="0">
+            <a:spAutoFit/>
+          </a:bodyPr>
+          <a:lstStyle/>
+          <a:p>
+            <a:r>
+              <a:rPr lang="en-US" sz="1600" b="1" dirty="0" smtClean="0">
+                <a:solidFill>
+                  <a:srgbClr val="3B9BC1"/>
+                </a:solidFill>
+              </a:rPr>
+              <a:t>Frontend</a:t>
+            </a:r>
+            <a:endParaRPr lang="en-US" b="1" dirty="0">
+              <a:solidFill>
+                <a:srgbClr val="3B9BC1"/>
+              </a:solidFill>
+            </a:endParaRPr>
+          </a:p>
+        </p:txBody>
+      </p:sp>
+      <p:cxnSp>
+        <p:nvCxnSpPr>
+          <p:cNvPr id="11" name="Straight Connector 10"/>
+          <p:cNvCxnSpPr/>
+          <p:nvPr/>
+        </p:nvCxnSpPr>
+        <p:spPr>
+          <a:xfrm>
+            <a:off x="3119289" y="1491118"/>
+            <a:ext cx="2532831" cy="0"/>
+          </a:xfrm>
+          <a:prstGeom prst="line">
+            <a:avLst/>
+          </a:prstGeom>
+          <a:ln w="19050">
+            <a:solidFill>
+              <a:srgbClr val="3B9BC1"/>
+            </a:solidFill>
+          </a:ln>
+        </p:spPr>
+        <p:style>
+          <a:lnRef idx="1">
+            <a:schemeClr val="accent1"/>
+          </a:lnRef>
+          <a:fillRef idx="0">
+            <a:schemeClr val="accent1"/>
+          </a:fillRef>
+          <a:effectRef idx="0">
+            <a:schemeClr val="accent1"/>
+          </a:effectRef>
+          <a:fontRef idx="minor">
+            <a:schemeClr val="tx1"/>
+          </a:fontRef>
+        </p:style>
+      </p:cxnSp>
+      <p:sp>
+        <p:nvSpPr>
+          <p:cNvPr id="12" name="TextBox 11"/>
+          <p:cNvSpPr txBox="1"/>
+          <p:nvPr/>
+        </p:nvSpPr>
+        <p:spPr>
+          <a:xfrm>
+            <a:off x="5888324" y="1131590"/>
+            <a:ext cx="1757323" cy="338554"/>
+          </a:xfrm>
+          <a:prstGeom prst="rect">
+            <a:avLst/>
+          </a:prstGeom>
+          <a:noFill/>
+        </p:spPr>
+        <p:txBody>
+          <a:bodyPr wrap="square" rtlCol="0">
+            <a:spAutoFit/>
+          </a:bodyPr>
+          <a:lstStyle/>
+          <a:p>
+            <a:r>
+              <a:rPr lang="en-US" sz="1600" b="1" dirty="0" err="1" smtClean="0">
+                <a:solidFill>
+                  <a:srgbClr val="3B9BC1"/>
+                </a:solidFill>
+              </a:rPr>
+              <a:t>MobileApp</a:t>
+            </a:r>
+            <a:endParaRPr lang="en-US" b="1" dirty="0">
+              <a:solidFill>
+                <a:srgbClr val="3B9BC1"/>
+              </a:solidFill>
+            </a:endParaRPr>
+          </a:p>
+        </p:txBody>
+      </p:sp>
+      <p:cxnSp>
+        <p:nvCxnSpPr>
+          <p:cNvPr id="13" name="Straight Connector 12"/>
+          <p:cNvCxnSpPr/>
+          <p:nvPr/>
+        </p:nvCxnSpPr>
+        <p:spPr>
+          <a:xfrm>
+            <a:off x="5904904" y="1486466"/>
+            <a:ext cx="2532831" cy="0"/>
+          </a:xfrm>
+          <a:prstGeom prst="line">
+            <a:avLst/>
+          </a:prstGeom>
+          <a:ln w="19050">
+            <a:solidFill>
+              <a:srgbClr val="3B9BC1"/>
+            </a:solidFill>
+          </a:ln>
+        </p:spPr>
+        <p:style>
+          <a:lnRef idx="1">
+            <a:schemeClr val="accent1"/>
+          </a:lnRef>
+          <a:fillRef idx="0">
+            <a:schemeClr val="accent1"/>
+          </a:fillRef>
+          <a:effectRef idx="0">
+            <a:schemeClr val="accent1"/>
+          </a:effectRef>
+          <a:fontRef idx="minor">
+            <a:schemeClr val="tx1"/>
+          </a:fontRef>
+        </p:style>
+      </p:cxnSp>
+      <p:graphicFrame>
+        <p:nvGraphicFramePr>
+          <p:cNvPr id="46" name="Table 45"/>
+          <p:cNvGraphicFramePr>
+            <a:graphicFrameLocks noGrp="1"/>
+          </p:cNvGraphicFramePr>
+          <p:nvPr>
+            <p:extLst>
+              <p:ext uri="{D42A27DB-BD31-4B8C-83A1-F6EECF244321}">
+                <p14:modId xmlns:p14="http://schemas.microsoft.com/office/powerpoint/2010/main" val="3069770046"/>
+              </p:ext>
+            </p:extLst>
+          </p:nvPr>
+        </p:nvGraphicFramePr>
+        <p:xfrm>
+          <a:off x="268101" y="1677514"/>
+          <a:ext cx="2532830" cy="2438400"/>
+        </p:xfrm>
+        <a:graphic>
+          <a:graphicData uri="http://schemas.openxmlformats.org/drawingml/2006/table">
+            <a:tbl>
+              <a:tblPr bandRow="1">
+                <a:tableStyleId>{93296810-A885-4BE3-A3E7-6D5BEEA58F35}</a:tableStyleId>
+              </a:tblPr>
+              <a:tblGrid>
+                <a:gridCol w="2532830">
+                  <a:extLst>
+                    <a:ext uri="{9D8B030D-6E8A-4147-A177-3AD203B41FA5}">
+                      <a16:colId xmlns:a16="http://schemas.microsoft.com/office/drawing/2014/main" val="3696332174"/>
+                    </a:ext>
+                  </a:extLst>
+                </a:gridCol>
+              </a:tblGrid>
+              <a:tr h="297180">
+                <a:tc>
+                  <a:txBody>
+                    <a:bodyPr/>
+                    <a:lstStyle/>
+                    <a:p>
+                      <a:pPr marL="0" marR="0" lvl="0" indent="0" algn="l" defTabSz="914400" rtl="0" eaLnBrk="1" fontAlgn="auto" latinLnBrk="0" hangingPunct="1">
+                        <a:lnSpc>
+                          <a:spcPct val="100000"/>
+                        </a:lnSpc>
+                        <a:spcBef>
+                          <a:spcPts val="0"/>
+                        </a:spcBef>
+                        <a:spcAft>
+                          <a:spcPts val="0"/>
+                        </a:spcAft>
+                        <a:buClrTx/>
+                        <a:buSzTx/>
+                        <a:buFontTx/>
+                        <a:buNone/>
+                        <a:tabLst/>
+                        <a:defRPr/>
+                      </a:pPr>
+                      <a:r>
+                        <a:rPr lang="en-US" sz="1400" b="1" dirty="0" smtClean="0">
+                          <a:solidFill>
+                            <a:schemeClr val="bg1"/>
+                          </a:solidFill>
+                        </a:rPr>
+                        <a:t>Ivson Santos</a:t>
+                      </a:r>
+                    </a:p>
+                  </a:txBody>
+                  <a:tcPr>
+                    <a:solidFill>
+                      <a:srgbClr val="3B9BC1"/>
+                    </a:solidFill>
+                  </a:tcPr>
+                </a:tc>
+                <a:extLst>
+                  <a:ext uri="{0D108BD9-81ED-4DB2-BD59-A6C34878D82A}">
+                    <a16:rowId xmlns:a16="http://schemas.microsoft.com/office/drawing/2014/main" val="2917543718"/>
+                  </a:ext>
+                </a:extLst>
+              </a:tr>
+              <a:tr h="297180">
+                <a:tc>
+                  <a:txBody>
+                    <a:bodyPr/>
+                    <a:lstStyle/>
+                    <a:p>
+                      <a:pPr marL="0" marR="0" lvl="0" indent="0" algn="l" defTabSz="914400" rtl="0" eaLnBrk="1" fontAlgn="auto" latinLnBrk="0" hangingPunct="1">
+                        <a:lnSpc>
+                          <a:spcPct val="100000"/>
+                        </a:lnSpc>
+                        <a:spcBef>
+                          <a:spcPts val="0"/>
+                        </a:spcBef>
+                        <a:spcAft>
+                          <a:spcPts val="0"/>
+                        </a:spcAft>
+                        <a:buClrTx/>
+                        <a:buSzTx/>
+                        <a:buFontTx/>
+                        <a:buNone/>
+                        <a:tabLst/>
+                        <a:defRPr/>
+                      </a:pPr>
+                      <a:r>
+                        <a:rPr lang="en-US" sz="1400" b="1" dirty="0" smtClean="0">
+                          <a:solidFill>
+                            <a:schemeClr val="bg1"/>
+                          </a:solidFill>
+                        </a:rPr>
+                        <a:t>Ruben </a:t>
+                      </a:r>
+                      <a:r>
+                        <a:rPr lang="en-US" sz="1400" b="1" dirty="0" err="1" smtClean="0">
+                          <a:solidFill>
+                            <a:schemeClr val="bg1"/>
+                          </a:solidFill>
+                        </a:rPr>
+                        <a:t>Lins</a:t>
+                      </a:r>
+                      <a:endParaRPr lang="en-US" sz="1400" b="1" dirty="0" smtClean="0">
+                        <a:solidFill>
+                          <a:schemeClr val="bg1"/>
+                        </a:solidFill>
+                      </a:endParaRPr>
+                    </a:p>
+                  </a:txBody>
+                  <a:tcPr>
+                    <a:solidFill>
+                      <a:srgbClr val="3B9BC1"/>
+                    </a:solidFill>
+                  </a:tcPr>
+                </a:tc>
+                <a:extLst>
+                  <a:ext uri="{0D108BD9-81ED-4DB2-BD59-A6C34878D82A}">
+                    <a16:rowId xmlns:a16="http://schemas.microsoft.com/office/drawing/2014/main" val="1282064853"/>
+                  </a:ext>
+                </a:extLst>
+              </a:tr>
+              <a:tr h="297180">
+                <a:tc>
+                  <a:txBody>
+                    <a:bodyPr/>
+                    <a:lstStyle/>
+                    <a:p>
+                      <a:pPr marL="0" marR="0" lvl="0" indent="0" algn="l" defTabSz="914400" rtl="0" eaLnBrk="1" fontAlgn="auto" latinLnBrk="0" hangingPunct="1">
+                        <a:lnSpc>
+                          <a:spcPct val="100000"/>
+                        </a:lnSpc>
+                        <a:spcBef>
+                          <a:spcPts val="0"/>
+                        </a:spcBef>
+                        <a:spcAft>
+                          <a:spcPts val="0"/>
+                        </a:spcAft>
+                        <a:buClrTx/>
+                        <a:buSzTx/>
+                        <a:buFontTx/>
+                        <a:buNone/>
+                        <a:tabLst/>
+                        <a:defRPr/>
+                      </a:pPr>
+                      <a:r>
+                        <a:rPr lang="en-US" sz="1400" b="1" dirty="0" smtClean="0">
+                          <a:solidFill>
+                            <a:schemeClr val="bg1"/>
+                          </a:solidFill>
+                        </a:rPr>
+                        <a:t>Pedro </a:t>
+                      </a:r>
+                      <a:r>
+                        <a:rPr lang="en-US" sz="1400" b="1" dirty="0" err="1" smtClean="0">
+                          <a:solidFill>
+                            <a:schemeClr val="bg1"/>
+                          </a:solidFill>
+                        </a:rPr>
+                        <a:t>Bonifácio</a:t>
+                      </a:r>
+                      <a:endParaRPr lang="en-US" sz="1400" b="1" dirty="0" smtClean="0">
+                        <a:solidFill>
+                          <a:schemeClr val="bg1"/>
+                        </a:solidFill>
+                      </a:endParaRPr>
+                    </a:p>
+                  </a:txBody>
+                  <a:tcPr>
+                    <a:solidFill>
+                      <a:srgbClr val="3B9BC1"/>
+                    </a:solidFill>
+                  </a:tcPr>
+                </a:tc>
+                <a:extLst>
+                  <a:ext uri="{0D108BD9-81ED-4DB2-BD59-A6C34878D82A}">
+                    <a16:rowId xmlns:a16="http://schemas.microsoft.com/office/drawing/2014/main" val="158964116"/>
+                  </a:ext>
+                </a:extLst>
+              </a:tr>
+              <a:tr h="297180">
+                <a:tc>
+                  <a:txBody>
+                    <a:bodyPr/>
+                    <a:lstStyle/>
+                    <a:p>
+                      <a:r>
+                        <a:rPr lang="pt-PT" sz="1400" b="1" kern="1200" dirty="0" smtClean="0">
+                          <a:solidFill>
+                            <a:schemeClr val="bg1"/>
+                          </a:solidFill>
+                          <a:effectLst/>
+                          <a:latin typeface="+mn-lt"/>
+                          <a:ea typeface="+mn-ea"/>
+                          <a:cs typeface="+mn-cs"/>
+                        </a:rPr>
+                        <a:t>Vítor Borrego</a:t>
+                      </a:r>
+                      <a:endParaRPr lang="en-US" sz="1400" b="1" dirty="0">
+                        <a:solidFill>
+                          <a:schemeClr val="bg1"/>
+                        </a:solidFill>
+                      </a:endParaRPr>
+                    </a:p>
+                  </a:txBody>
+                  <a:tcPr>
+                    <a:solidFill>
+                      <a:srgbClr val="3B9BC1"/>
+                    </a:solidFill>
+                  </a:tcPr>
+                </a:tc>
+                <a:extLst>
+                  <a:ext uri="{0D108BD9-81ED-4DB2-BD59-A6C34878D82A}">
+                    <a16:rowId xmlns:a16="http://schemas.microsoft.com/office/drawing/2014/main" val="1826365426"/>
+                  </a:ext>
+                </a:extLst>
+              </a:tr>
+              <a:tr h="297180">
+                <a:tc>
+                  <a:txBody>
+                    <a:bodyPr/>
+                    <a:lstStyle/>
+                    <a:p>
+                      <a:pPr marL="0" marR="0" lvl="0" indent="0" algn="l" defTabSz="914400" rtl="0" eaLnBrk="1" fontAlgn="auto" latinLnBrk="0" hangingPunct="1">
+                        <a:lnSpc>
+                          <a:spcPct val="100000"/>
+                        </a:lnSpc>
+                        <a:spcBef>
+                          <a:spcPts val="0"/>
+                        </a:spcBef>
+                        <a:spcAft>
+                          <a:spcPts val="0"/>
+                        </a:spcAft>
+                        <a:buClrTx/>
+                        <a:buSzTx/>
+                        <a:buFontTx/>
+                        <a:buNone/>
+                        <a:tabLst/>
+                        <a:defRPr/>
+                      </a:pPr>
+                      <a:r>
+                        <a:rPr lang="pt-PT" sz="1400" b="1" kern="1200" dirty="0" smtClean="0">
+                          <a:solidFill>
+                            <a:schemeClr val="bg1"/>
+                          </a:solidFill>
+                          <a:effectLst/>
+                          <a:latin typeface="+mn-lt"/>
+                          <a:ea typeface="+mn-ea"/>
+                          <a:cs typeface="+mn-cs"/>
+                        </a:rPr>
+                        <a:t>João Mendes</a:t>
+                      </a:r>
+                      <a:endParaRPr lang="en-US" sz="1400" b="1" kern="1200" dirty="0" smtClean="0">
+                        <a:solidFill>
+                          <a:schemeClr val="bg1"/>
+                        </a:solidFill>
+                        <a:effectLst/>
+                        <a:latin typeface="+mn-lt"/>
+                        <a:ea typeface="+mn-ea"/>
+                        <a:cs typeface="+mn-cs"/>
+                      </a:endParaRPr>
+                    </a:p>
+                  </a:txBody>
+                  <a:tcPr>
+                    <a:solidFill>
+                      <a:srgbClr val="3B9BC1"/>
+                    </a:solidFill>
+                  </a:tcPr>
+                </a:tc>
+                <a:extLst>
+                  <a:ext uri="{0D108BD9-81ED-4DB2-BD59-A6C34878D82A}">
+                    <a16:rowId xmlns:a16="http://schemas.microsoft.com/office/drawing/2014/main" val="2367899454"/>
+                  </a:ext>
+                </a:extLst>
+              </a:tr>
+              <a:tr h="297180">
+                <a:tc>
+                  <a:txBody>
+                    <a:bodyPr/>
+                    <a:lstStyle/>
+                    <a:p>
+                      <a:pPr marL="0" marR="0" lvl="0" indent="0" algn="l" defTabSz="914400" rtl="0" eaLnBrk="1" fontAlgn="auto" latinLnBrk="0" hangingPunct="1">
+                        <a:lnSpc>
+                          <a:spcPct val="100000"/>
+                        </a:lnSpc>
+                        <a:spcBef>
+                          <a:spcPts val="0"/>
+                        </a:spcBef>
+                        <a:spcAft>
+                          <a:spcPts val="0"/>
+                        </a:spcAft>
+                        <a:buClrTx/>
+                        <a:buSzTx/>
+                        <a:buFontTx/>
+                        <a:buNone/>
+                        <a:tabLst/>
+                        <a:defRPr/>
+                      </a:pPr>
+                      <a:r>
+                        <a:rPr lang="pt-PT" sz="1400" b="1" kern="1200" dirty="0" smtClean="0">
+                          <a:solidFill>
+                            <a:schemeClr val="bg1"/>
+                          </a:solidFill>
+                          <a:effectLst/>
+                          <a:latin typeface="+mn-lt"/>
+                          <a:ea typeface="+mn-ea"/>
+                          <a:cs typeface="+mn-cs"/>
+                        </a:rPr>
+                        <a:t>Rafael </a:t>
+                      </a:r>
+                      <a:r>
+                        <a:rPr lang="pt-PT" sz="1400" b="1" kern="1200" dirty="0" err="1" smtClean="0">
+                          <a:solidFill>
+                            <a:schemeClr val="bg1"/>
+                          </a:solidFill>
+                          <a:effectLst/>
+                          <a:latin typeface="+mn-lt"/>
+                          <a:ea typeface="+mn-ea"/>
+                          <a:cs typeface="+mn-cs"/>
+                        </a:rPr>
+                        <a:t>Faita</a:t>
+                      </a:r>
+                      <a:endParaRPr lang="en-US" sz="1400" b="1" kern="1200" dirty="0" smtClean="0">
+                        <a:solidFill>
+                          <a:schemeClr val="bg1"/>
+                        </a:solidFill>
+                        <a:effectLst/>
+                        <a:latin typeface="+mn-lt"/>
+                        <a:ea typeface="+mn-ea"/>
+                        <a:cs typeface="+mn-cs"/>
+                      </a:endParaRPr>
+                    </a:p>
+                  </a:txBody>
+                  <a:tcPr>
+                    <a:solidFill>
+                      <a:srgbClr val="3B9BC1"/>
+                    </a:solidFill>
+                  </a:tcPr>
+                </a:tc>
+                <a:extLst>
+                  <a:ext uri="{0D108BD9-81ED-4DB2-BD59-A6C34878D82A}">
+                    <a16:rowId xmlns:a16="http://schemas.microsoft.com/office/drawing/2014/main" val="4173402503"/>
+                  </a:ext>
+                </a:extLst>
+              </a:tr>
+              <a:tr h="297180">
+                <a:tc>
+                  <a:txBody>
+                    <a:bodyPr/>
+                    <a:lstStyle/>
+                    <a:p>
+                      <a:pPr marL="0" marR="0" lvl="0" indent="0" algn="l" defTabSz="914400" rtl="0" eaLnBrk="1" fontAlgn="auto" latinLnBrk="0" hangingPunct="1">
+                        <a:lnSpc>
+                          <a:spcPct val="100000"/>
+                        </a:lnSpc>
+                        <a:spcBef>
+                          <a:spcPts val="0"/>
+                        </a:spcBef>
+                        <a:spcAft>
+                          <a:spcPts val="0"/>
+                        </a:spcAft>
+                        <a:buClrTx/>
+                        <a:buSzTx/>
+                        <a:buFontTx/>
+                        <a:buNone/>
+                        <a:tabLst/>
+                        <a:defRPr/>
+                      </a:pPr>
+                      <a:r>
+                        <a:rPr lang="pt-PT" sz="1400" b="1" kern="1200" dirty="0" smtClean="0">
+                          <a:solidFill>
+                            <a:schemeClr val="bg1"/>
+                          </a:solidFill>
+                          <a:effectLst/>
+                          <a:latin typeface="+mn-lt"/>
+                          <a:ea typeface="+mn-ea"/>
+                          <a:cs typeface="+mn-cs"/>
+                        </a:rPr>
+                        <a:t>Jaime Santos</a:t>
+                      </a:r>
+                      <a:endParaRPr lang="en-US" sz="1400" b="1" kern="1200" dirty="0" smtClean="0">
+                        <a:solidFill>
+                          <a:schemeClr val="bg1"/>
+                        </a:solidFill>
+                        <a:effectLst/>
+                        <a:latin typeface="+mn-lt"/>
+                        <a:ea typeface="+mn-ea"/>
+                        <a:cs typeface="+mn-cs"/>
+                      </a:endParaRPr>
+                    </a:p>
+                  </a:txBody>
+                  <a:tcPr>
+                    <a:solidFill>
+                      <a:srgbClr val="3B9BC1"/>
+                    </a:solidFill>
+                  </a:tcPr>
+                </a:tc>
+                <a:extLst>
+                  <a:ext uri="{0D108BD9-81ED-4DB2-BD59-A6C34878D82A}">
+                    <a16:rowId xmlns:a16="http://schemas.microsoft.com/office/drawing/2014/main" val="2921528038"/>
+                  </a:ext>
+                </a:extLst>
+              </a:tr>
+              <a:tr h="297180">
+                <a:tc>
+                  <a:txBody>
+                    <a:bodyPr/>
+                    <a:lstStyle/>
+                    <a:p>
+                      <a:pPr marL="0" marR="0" lvl="0" indent="0" algn="l" defTabSz="914400" rtl="0" eaLnBrk="1" fontAlgn="auto" latinLnBrk="0" hangingPunct="1">
+                        <a:lnSpc>
+                          <a:spcPct val="100000"/>
+                        </a:lnSpc>
+                        <a:spcBef>
+                          <a:spcPts val="0"/>
+                        </a:spcBef>
+                        <a:spcAft>
+                          <a:spcPts val="0"/>
+                        </a:spcAft>
+                        <a:buClrTx/>
+                        <a:buSzTx/>
+                        <a:buFontTx/>
+                        <a:buNone/>
+                        <a:tabLst/>
+                        <a:defRPr/>
+                      </a:pPr>
+                      <a:r>
+                        <a:rPr lang="pt-PT" sz="1400" b="1" kern="1200" dirty="0" smtClean="0">
+                          <a:solidFill>
+                            <a:schemeClr val="bg1"/>
+                          </a:solidFill>
+                          <a:effectLst/>
+                          <a:latin typeface="+mn-lt"/>
+                          <a:ea typeface="+mn-ea"/>
+                          <a:cs typeface="+mn-cs"/>
+                        </a:rPr>
+                        <a:t>David Morgado</a:t>
+                      </a:r>
+                      <a:endParaRPr lang="en-US" sz="1400" b="1" kern="1200" dirty="0" smtClean="0">
+                        <a:solidFill>
+                          <a:schemeClr val="bg1"/>
+                        </a:solidFill>
+                        <a:effectLst/>
+                        <a:latin typeface="+mn-lt"/>
+                        <a:ea typeface="+mn-ea"/>
+                        <a:cs typeface="+mn-cs"/>
+                      </a:endParaRPr>
+                    </a:p>
+                  </a:txBody>
+                  <a:tcPr>
+                    <a:solidFill>
+                      <a:srgbClr val="3B9BC1"/>
+                    </a:solidFill>
+                  </a:tcPr>
+                </a:tc>
+                <a:extLst>
+                  <a:ext uri="{0D108BD9-81ED-4DB2-BD59-A6C34878D82A}">
+                    <a16:rowId xmlns:a16="http://schemas.microsoft.com/office/drawing/2014/main" val="1165862197"/>
+                  </a:ext>
+                </a:extLst>
+              </a:tr>
+            </a:tbl>
+          </a:graphicData>
+        </a:graphic>
+      </p:graphicFrame>
+      <p:graphicFrame>
+        <p:nvGraphicFramePr>
+          <p:cNvPr id="49" name="Table 48"/>
+          <p:cNvGraphicFramePr>
+            <a:graphicFrameLocks noGrp="1"/>
+          </p:cNvGraphicFramePr>
+          <p:nvPr>
+            <p:extLst>
+              <p:ext uri="{D42A27DB-BD31-4B8C-83A1-F6EECF244321}">
+                <p14:modId xmlns:p14="http://schemas.microsoft.com/office/powerpoint/2010/main" val="2865727569"/>
+              </p:ext>
+            </p:extLst>
+          </p:nvPr>
+        </p:nvGraphicFramePr>
+        <p:xfrm>
+          <a:off x="3119289" y="1677514"/>
+          <a:ext cx="2532831" cy="914400"/>
+        </p:xfrm>
+        <a:graphic>
+          <a:graphicData uri="http://schemas.openxmlformats.org/drawingml/2006/table">
+            <a:tbl>
+              <a:tblPr bandRow="1">
+                <a:tableStyleId>{93296810-A885-4BE3-A3E7-6D5BEEA58F35}</a:tableStyleId>
+              </a:tblPr>
+              <a:tblGrid>
+                <a:gridCol w="2532831">
+                  <a:extLst>
+                    <a:ext uri="{9D8B030D-6E8A-4147-A177-3AD203B41FA5}">
+                      <a16:colId xmlns:a16="http://schemas.microsoft.com/office/drawing/2014/main" val="3696332174"/>
+                    </a:ext>
+                  </a:extLst>
+                </a:gridCol>
+              </a:tblGrid>
+              <a:tr h="297180">
+                <a:tc>
+                  <a:txBody>
+                    <a:bodyPr/>
+                    <a:lstStyle/>
+                    <a:p>
+                      <a:pPr marL="0" marR="0" lvl="0" indent="0" algn="l" defTabSz="914400" rtl="0" eaLnBrk="1" fontAlgn="auto" latinLnBrk="0" hangingPunct="1">
+                        <a:lnSpc>
+                          <a:spcPct val="100000"/>
+                        </a:lnSpc>
+                        <a:spcBef>
+                          <a:spcPts val="0"/>
+                        </a:spcBef>
+                        <a:spcAft>
+                          <a:spcPts val="0"/>
+                        </a:spcAft>
+                        <a:buClrTx/>
+                        <a:buSzTx/>
+                        <a:buFontTx/>
+                        <a:buNone/>
+                        <a:tabLst/>
+                        <a:defRPr/>
+                      </a:pPr>
+                      <a:r>
+                        <a:rPr lang="pt-PT" sz="1400" b="1" kern="1200" dirty="0" smtClean="0">
+                          <a:solidFill>
+                            <a:schemeClr val="bg1"/>
+                          </a:solidFill>
+                          <a:effectLst/>
+                          <a:latin typeface="+mn-lt"/>
+                          <a:ea typeface="+mn-ea"/>
+                          <a:cs typeface="+mn-cs"/>
+                        </a:rPr>
+                        <a:t>Rodrigo </a:t>
+                      </a:r>
+                      <a:r>
+                        <a:rPr lang="pt-PT" sz="1400" b="1" kern="1200" dirty="0" err="1" smtClean="0">
+                          <a:solidFill>
+                            <a:schemeClr val="bg1"/>
+                          </a:solidFill>
+                          <a:effectLst/>
+                          <a:latin typeface="+mn-lt"/>
+                          <a:ea typeface="+mn-ea"/>
+                          <a:cs typeface="+mn-cs"/>
+                        </a:rPr>
+                        <a:t>Fiori</a:t>
+                      </a:r>
+                      <a:endParaRPr lang="en-US" sz="1100" b="1" dirty="0" smtClean="0">
+                        <a:solidFill>
+                          <a:schemeClr val="bg1"/>
+                        </a:solidFill>
+                      </a:endParaRPr>
+                    </a:p>
+                  </a:txBody>
+                  <a:tcPr>
+                    <a:solidFill>
+                      <a:srgbClr val="3B9BC1"/>
+                    </a:solidFill>
+                  </a:tcPr>
+                </a:tc>
+                <a:extLst>
+                  <a:ext uri="{0D108BD9-81ED-4DB2-BD59-A6C34878D82A}">
+                    <a16:rowId xmlns:a16="http://schemas.microsoft.com/office/drawing/2014/main" val="2917543718"/>
+                  </a:ext>
+                </a:extLst>
+              </a:tr>
+              <a:tr h="297180">
+                <a:tc>
+                  <a:txBody>
+                    <a:bodyPr/>
+                    <a:lstStyle/>
+                    <a:p>
+                      <a:pPr marL="0" marR="0" lvl="0" indent="0" algn="l" defTabSz="914400" rtl="0" eaLnBrk="1" fontAlgn="auto" latinLnBrk="0" hangingPunct="1">
+                        <a:lnSpc>
+                          <a:spcPct val="100000"/>
+                        </a:lnSpc>
+                        <a:spcBef>
+                          <a:spcPts val="0"/>
+                        </a:spcBef>
+                        <a:spcAft>
+                          <a:spcPts val="0"/>
+                        </a:spcAft>
+                        <a:buClrTx/>
+                        <a:buSzTx/>
+                        <a:buFontTx/>
+                        <a:buNone/>
+                        <a:tabLst/>
+                        <a:defRPr/>
+                      </a:pPr>
+                      <a:r>
+                        <a:rPr lang="pt-PT" sz="1400" b="1" kern="1200" dirty="0" smtClean="0">
+                          <a:solidFill>
+                            <a:schemeClr val="bg1"/>
+                          </a:solidFill>
+                          <a:effectLst/>
+                          <a:latin typeface="+mn-lt"/>
+                          <a:ea typeface="+mn-ea"/>
+                          <a:cs typeface="+mn-cs"/>
+                        </a:rPr>
+                        <a:t>Daniel </a:t>
+                      </a:r>
+                      <a:r>
+                        <a:rPr lang="pt-PT" sz="1400" b="1" kern="1200" dirty="0" err="1" smtClean="0">
+                          <a:solidFill>
+                            <a:schemeClr val="bg1"/>
+                          </a:solidFill>
+                          <a:effectLst/>
+                          <a:latin typeface="+mn-lt"/>
+                          <a:ea typeface="+mn-ea"/>
+                          <a:cs typeface="+mn-cs"/>
+                        </a:rPr>
+                        <a:t>Morales</a:t>
+                      </a:r>
+                      <a:endParaRPr lang="en-US" sz="1100" b="1" dirty="0" smtClean="0">
+                        <a:solidFill>
+                          <a:schemeClr val="bg1"/>
+                        </a:solidFill>
+                      </a:endParaRPr>
+                    </a:p>
+                  </a:txBody>
+                  <a:tcPr>
+                    <a:solidFill>
+                      <a:srgbClr val="3B9BC1"/>
+                    </a:solidFill>
+                  </a:tcPr>
+                </a:tc>
+                <a:extLst>
+                  <a:ext uri="{0D108BD9-81ED-4DB2-BD59-A6C34878D82A}">
+                    <a16:rowId xmlns:a16="http://schemas.microsoft.com/office/drawing/2014/main" val="1282064853"/>
+                  </a:ext>
+                </a:extLst>
+              </a:tr>
+              <a:tr h="297180">
+                <a:tc>
+                  <a:txBody>
+                    <a:bodyPr/>
+                    <a:lstStyle/>
+                    <a:p>
+                      <a:r>
+                        <a:rPr lang="pt-PT" sz="1400" b="1" kern="1200" dirty="0" smtClean="0">
+                          <a:solidFill>
+                            <a:schemeClr val="bg1"/>
+                          </a:solidFill>
+                          <a:effectLst/>
+                          <a:latin typeface="+mn-lt"/>
+                          <a:ea typeface="+mn-ea"/>
+                          <a:cs typeface="+mn-cs"/>
+                        </a:rPr>
+                        <a:t>Douglas Lira</a:t>
+                      </a:r>
+                      <a:endParaRPr lang="en-US" sz="1400" b="1" kern="1200" dirty="0">
+                        <a:solidFill>
+                          <a:schemeClr val="bg1"/>
+                        </a:solidFill>
+                        <a:effectLst/>
+                        <a:latin typeface="+mn-lt"/>
+                        <a:ea typeface="+mn-ea"/>
+                        <a:cs typeface="+mn-cs"/>
+                      </a:endParaRPr>
+                    </a:p>
+                  </a:txBody>
+                  <a:tcPr>
+                    <a:solidFill>
+                      <a:srgbClr val="3B9BC1"/>
+                    </a:solidFill>
+                  </a:tcPr>
+                </a:tc>
+                <a:extLst>
+                  <a:ext uri="{0D108BD9-81ED-4DB2-BD59-A6C34878D82A}">
+                    <a16:rowId xmlns:a16="http://schemas.microsoft.com/office/drawing/2014/main" val="158964116"/>
+                  </a:ext>
+                </a:extLst>
+              </a:tr>
+            </a:tbl>
+          </a:graphicData>
+        </a:graphic>
+      </p:graphicFrame>
+      <p:graphicFrame>
+        <p:nvGraphicFramePr>
+          <p:cNvPr id="50" name="Table 49"/>
+          <p:cNvGraphicFramePr>
+            <a:graphicFrameLocks noGrp="1"/>
+          </p:cNvGraphicFramePr>
+          <p:nvPr>
+            <p:extLst>
+              <p:ext uri="{D42A27DB-BD31-4B8C-83A1-F6EECF244321}">
+                <p14:modId xmlns:p14="http://schemas.microsoft.com/office/powerpoint/2010/main" val="2877322730"/>
+              </p:ext>
+            </p:extLst>
+          </p:nvPr>
+        </p:nvGraphicFramePr>
+        <p:xfrm>
+          <a:off x="5904904" y="1677514"/>
+          <a:ext cx="2532831" cy="1211580"/>
+        </p:xfrm>
+        <a:graphic>
+          <a:graphicData uri="http://schemas.openxmlformats.org/drawingml/2006/table">
+            <a:tbl>
+              <a:tblPr bandRow="1">
+                <a:tableStyleId>{93296810-A885-4BE3-A3E7-6D5BEEA58F35}</a:tableStyleId>
+              </a:tblPr>
+              <a:tblGrid>
+                <a:gridCol w="2532831">
+                  <a:extLst>
+                    <a:ext uri="{9D8B030D-6E8A-4147-A177-3AD203B41FA5}">
+                      <a16:colId xmlns:a16="http://schemas.microsoft.com/office/drawing/2014/main" val="3696332174"/>
+                    </a:ext>
+                  </a:extLst>
+                </a:gridCol>
+              </a:tblGrid>
+              <a:tr h="297180">
+                <a:tc>
+                  <a:txBody>
+                    <a:bodyPr/>
+                    <a:lstStyle/>
+                    <a:p>
+                      <a:pPr marL="0" marR="0" lvl="0" indent="0" algn="l" defTabSz="914400" rtl="0" eaLnBrk="1" fontAlgn="auto" latinLnBrk="0" hangingPunct="1">
+                        <a:lnSpc>
+                          <a:spcPct val="100000"/>
+                        </a:lnSpc>
+                        <a:spcBef>
+                          <a:spcPts val="0"/>
+                        </a:spcBef>
+                        <a:spcAft>
+                          <a:spcPts val="0"/>
+                        </a:spcAft>
+                        <a:buClrTx/>
+                        <a:buSzTx/>
+                        <a:buFontTx/>
+                        <a:buNone/>
+                        <a:tabLst/>
+                        <a:defRPr/>
+                      </a:pPr>
+                      <a:r>
+                        <a:rPr lang="pt-PT" sz="1400" b="1" kern="1200" dirty="0" err="1" smtClean="0">
+                          <a:solidFill>
+                            <a:schemeClr val="bg1"/>
+                          </a:solidFill>
+                          <a:effectLst/>
+                          <a:latin typeface="+mn-lt"/>
+                          <a:ea typeface="+mn-ea"/>
+                          <a:cs typeface="+mn-cs"/>
+                        </a:rPr>
+                        <a:t>Tarek</a:t>
+                      </a:r>
+                      <a:r>
+                        <a:rPr lang="pt-PT" sz="1400" b="1" kern="1200" dirty="0" smtClean="0">
+                          <a:solidFill>
+                            <a:schemeClr val="bg1"/>
+                          </a:solidFill>
+                          <a:effectLst/>
+                          <a:latin typeface="+mn-lt"/>
+                          <a:ea typeface="+mn-ea"/>
+                          <a:cs typeface="+mn-cs"/>
+                        </a:rPr>
+                        <a:t> </a:t>
+                      </a:r>
+                      <a:r>
+                        <a:rPr lang="pt-PT" sz="1400" b="1" kern="1200" dirty="0" err="1" smtClean="0">
+                          <a:solidFill>
+                            <a:schemeClr val="bg1"/>
+                          </a:solidFill>
+                          <a:effectLst/>
+                          <a:latin typeface="+mn-lt"/>
+                          <a:ea typeface="+mn-ea"/>
+                          <a:cs typeface="+mn-cs"/>
+                        </a:rPr>
+                        <a:t>Jradi</a:t>
+                      </a:r>
+                      <a:r>
+                        <a:rPr lang="pt-PT" sz="1400" b="1" kern="1200" dirty="0" smtClean="0">
+                          <a:solidFill>
+                            <a:schemeClr val="bg1"/>
+                          </a:solidFill>
+                          <a:effectLst/>
+                          <a:latin typeface="+mn-lt"/>
+                          <a:ea typeface="+mn-ea"/>
+                          <a:cs typeface="+mn-cs"/>
+                        </a:rPr>
+                        <a:t> (iOS)</a:t>
+                      </a:r>
+                      <a:endParaRPr lang="en-US" sz="1400" b="1" dirty="0" smtClean="0">
+                        <a:solidFill>
+                          <a:schemeClr val="bg1"/>
+                        </a:solidFill>
+                        <a:latin typeface="+mn-lt"/>
+                      </a:endParaRPr>
+                    </a:p>
+                  </a:txBody>
+                  <a:tcPr>
+                    <a:solidFill>
+                      <a:srgbClr val="3B9BC1"/>
+                    </a:solidFill>
+                  </a:tcPr>
+                </a:tc>
+                <a:extLst>
+                  <a:ext uri="{0D108BD9-81ED-4DB2-BD59-A6C34878D82A}">
+                    <a16:rowId xmlns:a16="http://schemas.microsoft.com/office/drawing/2014/main" val="2917543718"/>
+                  </a:ext>
+                </a:extLst>
+              </a:tr>
+              <a:tr h="297180">
+                <a:tc>
+                  <a:txBody>
+                    <a:bodyPr/>
+                    <a:lstStyle/>
+                    <a:p>
+                      <a:pPr marL="0" marR="0">
+                        <a:spcBef>
+                          <a:spcPts val="0"/>
+                        </a:spcBef>
+                        <a:spcAft>
+                          <a:spcPts val="0"/>
+                        </a:spcAft>
+                      </a:pPr>
+                      <a:r>
+                        <a:rPr lang="pt-PT" sz="1400" b="1" dirty="0">
+                          <a:solidFill>
+                            <a:schemeClr val="bg1"/>
+                          </a:solidFill>
+                          <a:effectLst/>
+                          <a:latin typeface="+mn-lt"/>
+                          <a:ea typeface="Calibri" panose="020F0502020204030204" pitchFamily="34" charset="0"/>
+                        </a:rPr>
+                        <a:t>Hugo Ricardo Martins (</a:t>
+                      </a:r>
+                      <a:r>
+                        <a:rPr lang="pt-PT" sz="1400" b="1" dirty="0" err="1">
+                          <a:solidFill>
+                            <a:schemeClr val="bg1"/>
+                          </a:solidFill>
+                          <a:effectLst/>
+                          <a:latin typeface="+mn-lt"/>
+                          <a:ea typeface="Calibri" panose="020F0502020204030204" pitchFamily="34" charset="0"/>
+                        </a:rPr>
+                        <a:t>And</a:t>
+                      </a:r>
+                      <a:r>
+                        <a:rPr lang="pt-PT" sz="1400" b="1" dirty="0">
+                          <a:solidFill>
+                            <a:schemeClr val="bg1"/>
+                          </a:solidFill>
+                          <a:effectLst/>
+                          <a:latin typeface="+mn-lt"/>
+                          <a:ea typeface="Calibri" panose="020F0502020204030204" pitchFamily="34" charset="0"/>
+                        </a:rPr>
+                        <a:t>)</a:t>
+                      </a:r>
+                      <a:endParaRPr lang="en-US" sz="1400" b="1" dirty="0">
+                        <a:solidFill>
+                          <a:schemeClr val="bg1"/>
+                        </a:solidFill>
+                        <a:effectLst/>
+                        <a:latin typeface="+mn-lt"/>
+                        <a:ea typeface="Calibri" panose="020F0502020204030204" pitchFamily="34" charset="0"/>
+                      </a:endParaRPr>
+                    </a:p>
+                  </a:txBody>
+                  <a:tcPr marL="68580" marR="68580" marT="0" marB="0">
+                    <a:solidFill>
+                      <a:srgbClr val="3B9BC1"/>
+                    </a:solidFill>
+                  </a:tcPr>
+                </a:tc>
+                <a:extLst>
+                  <a:ext uri="{0D108BD9-81ED-4DB2-BD59-A6C34878D82A}">
+                    <a16:rowId xmlns:a16="http://schemas.microsoft.com/office/drawing/2014/main" val="1282064853"/>
+                  </a:ext>
+                </a:extLst>
+              </a:tr>
+              <a:tr h="297180">
+                <a:tc>
+                  <a:txBody>
+                    <a:bodyPr/>
+                    <a:lstStyle/>
+                    <a:p>
+                      <a:r>
+                        <a:rPr lang="pt-PT" sz="1400" b="1" kern="1200" dirty="0" smtClean="0">
+                          <a:solidFill>
+                            <a:schemeClr val="bg1"/>
+                          </a:solidFill>
+                          <a:effectLst/>
+                          <a:latin typeface="+mn-lt"/>
+                          <a:ea typeface="+mn-ea"/>
+                          <a:cs typeface="+mn-cs"/>
+                        </a:rPr>
+                        <a:t>Ricardo Dias (iOS)</a:t>
+                      </a:r>
+                      <a:endParaRPr lang="en-US" sz="1400" b="1" kern="1200" dirty="0">
+                        <a:solidFill>
+                          <a:schemeClr val="bg1"/>
+                        </a:solidFill>
+                        <a:effectLst/>
+                        <a:latin typeface="+mn-lt"/>
+                        <a:ea typeface="+mn-ea"/>
+                        <a:cs typeface="+mn-cs"/>
+                      </a:endParaRPr>
+                    </a:p>
+                  </a:txBody>
+                  <a:tcPr>
+                    <a:solidFill>
+                      <a:srgbClr val="3B9BC1"/>
+                    </a:solidFill>
+                  </a:tcPr>
+                </a:tc>
+                <a:extLst>
+                  <a:ext uri="{0D108BD9-81ED-4DB2-BD59-A6C34878D82A}">
+                    <a16:rowId xmlns:a16="http://schemas.microsoft.com/office/drawing/2014/main" val="158964116"/>
+                  </a:ext>
+                </a:extLst>
+              </a:tr>
+              <a:tr h="297180">
+                <a:tc>
+                  <a:txBody>
+                    <a:bodyPr/>
+                    <a:lstStyle/>
+                    <a:p>
+                      <a:r>
+                        <a:rPr lang="pt-PT" sz="1400" b="1" kern="1200" dirty="0" smtClean="0">
+                          <a:solidFill>
+                            <a:schemeClr val="bg1"/>
+                          </a:solidFill>
+                          <a:effectLst/>
+                          <a:latin typeface="+mn-lt"/>
+                          <a:ea typeface="+mn-ea"/>
+                          <a:cs typeface="+mn-cs"/>
+                        </a:rPr>
+                        <a:t>Fábio Pinheiro (</a:t>
+                      </a:r>
+                      <a:r>
+                        <a:rPr lang="pt-PT" sz="1400" b="1" kern="1200" dirty="0" err="1" smtClean="0">
+                          <a:solidFill>
+                            <a:schemeClr val="bg1"/>
+                          </a:solidFill>
+                          <a:effectLst/>
+                          <a:latin typeface="+mn-lt"/>
+                          <a:ea typeface="+mn-ea"/>
+                          <a:cs typeface="+mn-cs"/>
+                        </a:rPr>
+                        <a:t>And</a:t>
+                      </a:r>
+                      <a:r>
+                        <a:rPr lang="pt-PT" sz="1400" b="1" kern="1200" dirty="0" smtClean="0">
+                          <a:solidFill>
+                            <a:schemeClr val="bg1"/>
+                          </a:solidFill>
+                          <a:effectLst/>
+                          <a:latin typeface="+mn-lt"/>
+                          <a:ea typeface="+mn-ea"/>
+                          <a:cs typeface="+mn-cs"/>
+                        </a:rPr>
+                        <a:t>/iOS)</a:t>
+                      </a:r>
+                      <a:endParaRPr lang="en-US" sz="1400" b="1" kern="1200" dirty="0">
+                        <a:solidFill>
+                          <a:schemeClr val="bg1"/>
+                        </a:solidFill>
+                        <a:effectLst/>
+                        <a:latin typeface="+mn-lt"/>
+                        <a:ea typeface="+mn-ea"/>
+                        <a:cs typeface="+mn-cs"/>
+                      </a:endParaRPr>
+                    </a:p>
+                  </a:txBody>
+                  <a:tcPr>
+                    <a:solidFill>
+                      <a:srgbClr val="3B9BC1"/>
+                    </a:solidFill>
+                  </a:tcPr>
+                </a:tc>
+                <a:extLst>
+                  <a:ext uri="{0D108BD9-81ED-4DB2-BD59-A6C34878D82A}">
+                    <a16:rowId xmlns:a16="http://schemas.microsoft.com/office/drawing/2014/main" val="3792260507"/>
+                  </a:ext>
+                </a:extLst>
+              </a:tr>
+            </a:tbl>
+          </a:graphicData>
+        </a:graphic>
+      </p:graphicFrame>
     </p:spTree>
     <p:extLst>
       <p:ext uri="{BB962C8B-B14F-4D97-AF65-F5344CB8AC3E}">
-        <p14:creationId xmlns:p14="http://schemas.microsoft.com/office/powerpoint/2010/main" val="3814973739"/>
+        <p14:creationId xmlns:p14="http://schemas.microsoft.com/office/powerpoint/2010/main" val="453513705"/>
       </p:ext>
     </p:extLst>
   </p:cSld>
@@ -22500,6 +23723,1658 @@
           <a:p>
             <a:r>
               <a:rPr lang="fr-FR" dirty="0" smtClean="0"/>
+              <a:t>5. Checkpoints</a:t>
+            </a:r>
+            <a:endParaRPr lang="fr-FR" dirty="0"/>
+          </a:p>
+        </p:txBody>
+      </p:sp>
+      <p:sp>
+        <p:nvSpPr>
+          <p:cNvPr id="3" name="Espace réservé de la date 2"/>
+          <p:cNvSpPr>
+            <a:spLocks noGrp="1"/>
+          </p:cNvSpPr>
+          <p:nvPr>
+            <p:ph type="dt" sz="half" idx="10"/>
+          </p:nvPr>
+        </p:nvSpPr>
+        <p:spPr/>
+        <p:txBody>
+          <a:bodyPr/>
+          <a:lstStyle/>
+          <a:p>
+            <a:r>
+              <a:rPr lang="fr-FR" smtClean="0"/>
+              <a:t>Date</a:t>
+            </a:r>
+            <a:endParaRPr lang="fr-FR"/>
+          </a:p>
+        </p:txBody>
+      </p:sp>
+      <p:sp>
+        <p:nvSpPr>
+          <p:cNvPr id="4" name="Espace réservé du pied de page 3"/>
+          <p:cNvSpPr>
+            <a:spLocks noGrp="1"/>
+          </p:cNvSpPr>
+          <p:nvPr>
+            <p:ph type="ftr" sz="quarter" idx="11"/>
+          </p:nvPr>
+        </p:nvSpPr>
+        <p:spPr/>
+        <p:txBody>
+          <a:bodyPr/>
+          <a:lstStyle/>
+          <a:p>
+            <a:r>
+              <a:rPr lang="fr-FR" dirty="0" smtClean="0"/>
+              <a:t>Code Race – O </a:t>
+            </a:r>
+            <a:r>
+              <a:rPr lang="fr-FR" dirty="0" err="1" smtClean="0"/>
+              <a:t>Desafio</a:t>
+            </a:r>
+            <a:endParaRPr lang="fr-FR" dirty="0"/>
+          </a:p>
+        </p:txBody>
+      </p:sp>
+      <p:sp>
+        <p:nvSpPr>
+          <p:cNvPr id="5" name="Espace réservé du numéro de diapositive 4"/>
+          <p:cNvSpPr>
+            <a:spLocks noGrp="1"/>
+          </p:cNvSpPr>
+          <p:nvPr>
+            <p:ph type="sldNum" sz="quarter" idx="12"/>
+          </p:nvPr>
+        </p:nvSpPr>
+        <p:spPr/>
+        <p:txBody>
+          <a:bodyPr/>
+          <a:lstStyle/>
+          <a:p>
+            <a:fld id="{10C140CD-8AED-46FF-A9A2-77308F3F39AE}" type="slidenum">
+              <a:rPr lang="fr-FR" smtClean="0"/>
+              <a:pPr/>
+              <a:t>21</a:t>
+            </a:fld>
+            <a:endParaRPr lang="fr-FR" dirty="0"/>
+          </a:p>
+        </p:txBody>
+      </p:sp>
+      <p:sp>
+        <p:nvSpPr>
+          <p:cNvPr id="10" name="TextBox 9"/>
+          <p:cNvSpPr txBox="1"/>
+          <p:nvPr/>
+        </p:nvSpPr>
+        <p:spPr>
+          <a:xfrm>
+            <a:off x="2566194" y="699542"/>
+            <a:ext cx="1757323" cy="338554"/>
+          </a:xfrm>
+          <a:prstGeom prst="rect">
+            <a:avLst/>
+          </a:prstGeom>
+          <a:noFill/>
+        </p:spPr>
+        <p:txBody>
+          <a:bodyPr wrap="square" rtlCol="0">
+            <a:spAutoFit/>
+          </a:bodyPr>
+          <a:lstStyle/>
+          <a:p>
+            <a:r>
+              <a:rPr lang="en-US" sz="1600" b="1" dirty="0" err="1" smtClean="0">
+                <a:solidFill>
+                  <a:srgbClr val="3B9BC1"/>
+                </a:solidFill>
+              </a:rPr>
+              <a:t>Sexta</a:t>
+            </a:r>
+            <a:r>
+              <a:rPr lang="en-US" sz="1600" b="1" dirty="0" smtClean="0">
+                <a:solidFill>
+                  <a:srgbClr val="3B9BC1"/>
+                </a:solidFill>
+              </a:rPr>
+              <a:t> Feira</a:t>
+            </a:r>
+            <a:endParaRPr lang="en-US" b="1" dirty="0">
+              <a:solidFill>
+                <a:srgbClr val="3B9BC1"/>
+              </a:solidFill>
+            </a:endParaRPr>
+          </a:p>
+        </p:txBody>
+      </p:sp>
+      <p:cxnSp>
+        <p:nvCxnSpPr>
+          <p:cNvPr id="15" name="Straight Connector 14"/>
+          <p:cNvCxnSpPr/>
+          <p:nvPr/>
+        </p:nvCxnSpPr>
+        <p:spPr>
+          <a:xfrm>
+            <a:off x="2582774" y="1054418"/>
+            <a:ext cx="2532831" cy="0"/>
+          </a:xfrm>
+          <a:prstGeom prst="line">
+            <a:avLst/>
+          </a:prstGeom>
+          <a:ln w="19050">
+            <a:solidFill>
+              <a:srgbClr val="3B9BC1"/>
+            </a:solidFill>
+          </a:ln>
+        </p:spPr>
+        <p:style>
+          <a:lnRef idx="1">
+            <a:schemeClr val="accent1"/>
+          </a:lnRef>
+          <a:fillRef idx="0">
+            <a:schemeClr val="accent1"/>
+          </a:fillRef>
+          <a:effectRef idx="0">
+            <a:schemeClr val="accent1"/>
+          </a:effectRef>
+          <a:fontRef idx="minor">
+            <a:schemeClr val="tx1"/>
+          </a:fontRef>
+        </p:style>
+      </p:cxnSp>
+      <p:sp>
+        <p:nvSpPr>
+          <p:cNvPr id="8" name="TextBox 7"/>
+          <p:cNvSpPr txBox="1"/>
+          <p:nvPr/>
+        </p:nvSpPr>
+        <p:spPr>
+          <a:xfrm>
+            <a:off x="2566194" y="1059582"/>
+            <a:ext cx="4653838" cy="369332"/>
+          </a:xfrm>
+          <a:prstGeom prst="rect">
+            <a:avLst/>
+          </a:prstGeom>
+          <a:noFill/>
+        </p:spPr>
+        <p:txBody>
+          <a:bodyPr wrap="none" rtlCol="0">
+            <a:spAutoFit/>
+          </a:bodyPr>
+          <a:lstStyle/>
+          <a:p>
+            <a:pPr marL="285750" indent="-285750">
+              <a:buFont typeface="Wingdings" panose="05000000000000000000" pitchFamily="2" charset="2"/>
+              <a:buChar char="Ø"/>
+            </a:pPr>
+            <a:r>
+              <a:rPr lang="en-US" b="1" dirty="0" smtClean="0">
+                <a:solidFill>
+                  <a:srgbClr val="3B9BC1"/>
+                </a:solidFill>
+              </a:rPr>
+              <a:t>19h30 </a:t>
+            </a:r>
+            <a:r>
+              <a:rPr lang="en-US" b="1" dirty="0" err="1" smtClean="0">
+                <a:solidFill>
+                  <a:srgbClr val="3B9BC1"/>
+                </a:solidFill>
+              </a:rPr>
+              <a:t>Esclarecimentos</a:t>
+            </a:r>
+            <a:r>
+              <a:rPr lang="en-US" b="1" dirty="0" smtClean="0">
+                <a:solidFill>
+                  <a:srgbClr val="3B9BC1"/>
+                </a:solidFill>
+              </a:rPr>
+              <a:t> com </a:t>
+            </a:r>
+            <a:r>
+              <a:rPr lang="en-US" b="1" dirty="0" err="1" smtClean="0">
+                <a:solidFill>
+                  <a:srgbClr val="3B9BC1"/>
+                </a:solidFill>
+              </a:rPr>
+              <a:t>Mentores</a:t>
+            </a:r>
+            <a:endParaRPr lang="en-US" b="1" dirty="0">
+              <a:solidFill>
+                <a:srgbClr val="3B9BC1"/>
+              </a:solidFill>
+            </a:endParaRPr>
+          </a:p>
+        </p:txBody>
+      </p:sp>
+      <p:sp>
+        <p:nvSpPr>
+          <p:cNvPr id="16" name="TextBox 15"/>
+          <p:cNvSpPr txBox="1"/>
+          <p:nvPr/>
+        </p:nvSpPr>
+        <p:spPr>
+          <a:xfrm>
+            <a:off x="2582774" y="1347614"/>
+            <a:ext cx="4294765" cy="369332"/>
+          </a:xfrm>
+          <a:prstGeom prst="rect">
+            <a:avLst/>
+          </a:prstGeom>
+          <a:noFill/>
+        </p:spPr>
+        <p:txBody>
+          <a:bodyPr wrap="none" rtlCol="0">
+            <a:spAutoFit/>
+          </a:bodyPr>
+          <a:lstStyle/>
+          <a:p>
+            <a:pPr marL="285750" indent="-285750">
+              <a:buFont typeface="Wingdings" panose="05000000000000000000" pitchFamily="2" charset="2"/>
+              <a:buChar char="Ø"/>
+            </a:pPr>
+            <a:r>
+              <a:rPr lang="en-US" b="1" dirty="0" smtClean="0">
+                <a:solidFill>
+                  <a:srgbClr val="3B9BC1"/>
+                </a:solidFill>
+              </a:rPr>
+              <a:t>23h-00h Checkpoint com </a:t>
+            </a:r>
+            <a:r>
+              <a:rPr lang="en-US" b="1" dirty="0" err="1" smtClean="0">
+                <a:solidFill>
+                  <a:srgbClr val="3B9BC1"/>
+                </a:solidFill>
+              </a:rPr>
+              <a:t>Mentores</a:t>
+            </a:r>
+            <a:endParaRPr lang="en-US" b="1" dirty="0">
+              <a:solidFill>
+                <a:srgbClr val="3B9BC1"/>
+              </a:solidFill>
+            </a:endParaRPr>
+          </a:p>
+        </p:txBody>
+      </p:sp>
+      <p:sp>
+        <p:nvSpPr>
+          <p:cNvPr id="20" name="TextBox 19"/>
+          <p:cNvSpPr txBox="1"/>
+          <p:nvPr/>
+        </p:nvSpPr>
+        <p:spPr>
+          <a:xfrm>
+            <a:off x="2566194" y="1828652"/>
+            <a:ext cx="1757323" cy="338554"/>
+          </a:xfrm>
+          <a:prstGeom prst="rect">
+            <a:avLst/>
+          </a:prstGeom>
+          <a:noFill/>
+        </p:spPr>
+        <p:txBody>
+          <a:bodyPr wrap="square" rtlCol="0">
+            <a:spAutoFit/>
+          </a:bodyPr>
+          <a:lstStyle/>
+          <a:p>
+            <a:r>
+              <a:rPr lang="en-US" sz="1600" b="1" dirty="0" err="1" smtClean="0">
+                <a:solidFill>
+                  <a:srgbClr val="3B9BC1"/>
+                </a:solidFill>
+              </a:rPr>
+              <a:t>Sábado</a:t>
+            </a:r>
+            <a:endParaRPr lang="en-US" b="1" dirty="0">
+              <a:solidFill>
+                <a:srgbClr val="3B9BC1"/>
+              </a:solidFill>
+            </a:endParaRPr>
+          </a:p>
+        </p:txBody>
+      </p:sp>
+      <p:cxnSp>
+        <p:nvCxnSpPr>
+          <p:cNvPr id="21" name="Straight Connector 20"/>
+          <p:cNvCxnSpPr/>
+          <p:nvPr/>
+        </p:nvCxnSpPr>
+        <p:spPr>
+          <a:xfrm>
+            <a:off x="2582774" y="2183528"/>
+            <a:ext cx="2532831" cy="0"/>
+          </a:xfrm>
+          <a:prstGeom prst="line">
+            <a:avLst/>
+          </a:prstGeom>
+          <a:ln w="19050">
+            <a:solidFill>
+              <a:srgbClr val="3B9BC1"/>
+            </a:solidFill>
+          </a:ln>
+        </p:spPr>
+        <p:style>
+          <a:lnRef idx="1">
+            <a:schemeClr val="accent1"/>
+          </a:lnRef>
+          <a:fillRef idx="0">
+            <a:schemeClr val="accent1"/>
+          </a:fillRef>
+          <a:effectRef idx="0">
+            <a:schemeClr val="accent1"/>
+          </a:effectRef>
+          <a:fontRef idx="minor">
+            <a:schemeClr val="tx1"/>
+          </a:fontRef>
+        </p:style>
+      </p:cxnSp>
+      <p:sp>
+        <p:nvSpPr>
+          <p:cNvPr id="22" name="TextBox 21"/>
+          <p:cNvSpPr txBox="1"/>
+          <p:nvPr/>
+        </p:nvSpPr>
+        <p:spPr>
+          <a:xfrm>
+            <a:off x="2566194" y="2188692"/>
+            <a:ext cx="4282006" cy="369332"/>
+          </a:xfrm>
+          <a:prstGeom prst="rect">
+            <a:avLst/>
+          </a:prstGeom>
+          <a:noFill/>
+        </p:spPr>
+        <p:txBody>
+          <a:bodyPr wrap="none" rtlCol="0">
+            <a:spAutoFit/>
+          </a:bodyPr>
+          <a:lstStyle/>
+          <a:p>
+            <a:pPr marL="285750" indent="-285750">
+              <a:buFont typeface="Wingdings" panose="05000000000000000000" pitchFamily="2" charset="2"/>
+              <a:buChar char="Ø"/>
+            </a:pPr>
+            <a:r>
+              <a:rPr lang="en-US" b="1" dirty="0" smtClean="0">
+                <a:solidFill>
+                  <a:srgbClr val="3B9BC1"/>
+                </a:solidFill>
+              </a:rPr>
+              <a:t>11h-12h </a:t>
+            </a:r>
+            <a:r>
+              <a:rPr lang="en-US" b="1" dirty="0">
+                <a:solidFill>
+                  <a:srgbClr val="3B9BC1"/>
+                </a:solidFill>
+              </a:rPr>
+              <a:t>Checkpoint com </a:t>
+            </a:r>
+            <a:r>
+              <a:rPr lang="en-US" b="1" dirty="0" err="1">
+                <a:solidFill>
+                  <a:srgbClr val="3B9BC1"/>
+                </a:solidFill>
+              </a:rPr>
+              <a:t>Mentores</a:t>
+            </a:r>
+            <a:endParaRPr lang="en-US" b="1" dirty="0">
+              <a:solidFill>
+                <a:srgbClr val="3B9BC1"/>
+              </a:solidFill>
+            </a:endParaRPr>
+          </a:p>
+        </p:txBody>
+      </p:sp>
+      <p:sp>
+        <p:nvSpPr>
+          <p:cNvPr id="23" name="TextBox 22"/>
+          <p:cNvSpPr txBox="1"/>
+          <p:nvPr/>
+        </p:nvSpPr>
+        <p:spPr>
+          <a:xfrm>
+            <a:off x="2580473" y="2467047"/>
+            <a:ext cx="4294765" cy="369332"/>
+          </a:xfrm>
+          <a:prstGeom prst="rect">
+            <a:avLst/>
+          </a:prstGeom>
+          <a:noFill/>
+        </p:spPr>
+        <p:txBody>
+          <a:bodyPr wrap="none" rtlCol="0">
+            <a:spAutoFit/>
+          </a:bodyPr>
+          <a:lstStyle/>
+          <a:p>
+            <a:pPr marL="285750" indent="-285750">
+              <a:buFont typeface="Wingdings" panose="05000000000000000000" pitchFamily="2" charset="2"/>
+              <a:buChar char="Ø"/>
+            </a:pPr>
+            <a:r>
+              <a:rPr lang="en-US" b="1" dirty="0" smtClean="0">
+                <a:solidFill>
+                  <a:srgbClr val="3B9BC1"/>
+                </a:solidFill>
+              </a:rPr>
+              <a:t>17h-18h Checkpoint com </a:t>
+            </a:r>
+            <a:r>
+              <a:rPr lang="en-US" b="1" dirty="0" err="1" smtClean="0">
+                <a:solidFill>
+                  <a:srgbClr val="3B9BC1"/>
+                </a:solidFill>
+              </a:rPr>
+              <a:t>Mentores</a:t>
+            </a:r>
+            <a:endParaRPr lang="en-US" b="1" dirty="0">
+              <a:solidFill>
+                <a:srgbClr val="3B9BC1"/>
+              </a:solidFill>
+            </a:endParaRPr>
+          </a:p>
+        </p:txBody>
+      </p:sp>
+      <p:sp>
+        <p:nvSpPr>
+          <p:cNvPr id="24" name="TextBox 23"/>
+          <p:cNvSpPr txBox="1"/>
+          <p:nvPr/>
+        </p:nvSpPr>
+        <p:spPr>
+          <a:xfrm>
+            <a:off x="2580473" y="2745402"/>
+            <a:ext cx="4294765" cy="369332"/>
+          </a:xfrm>
+          <a:prstGeom prst="rect">
+            <a:avLst/>
+          </a:prstGeom>
+          <a:noFill/>
+        </p:spPr>
+        <p:txBody>
+          <a:bodyPr wrap="none" rtlCol="0">
+            <a:spAutoFit/>
+          </a:bodyPr>
+          <a:lstStyle/>
+          <a:p>
+            <a:pPr marL="285750" indent="-285750">
+              <a:buFont typeface="Wingdings" panose="05000000000000000000" pitchFamily="2" charset="2"/>
+              <a:buChar char="Ø"/>
+            </a:pPr>
+            <a:r>
+              <a:rPr lang="en-US" b="1" dirty="0" smtClean="0">
+                <a:solidFill>
+                  <a:srgbClr val="3B9BC1"/>
+                </a:solidFill>
+              </a:rPr>
+              <a:t>23h-00h Checkpoint com </a:t>
+            </a:r>
+            <a:r>
+              <a:rPr lang="en-US" b="1" dirty="0" err="1" smtClean="0">
+                <a:solidFill>
+                  <a:srgbClr val="3B9BC1"/>
+                </a:solidFill>
+              </a:rPr>
+              <a:t>Mentores</a:t>
+            </a:r>
+            <a:endParaRPr lang="en-US" b="1" dirty="0">
+              <a:solidFill>
+                <a:srgbClr val="3B9BC1"/>
+              </a:solidFill>
+            </a:endParaRPr>
+          </a:p>
+        </p:txBody>
+      </p:sp>
+      <p:sp>
+        <p:nvSpPr>
+          <p:cNvPr id="25" name="TextBox 24"/>
+          <p:cNvSpPr txBox="1"/>
+          <p:nvPr/>
+        </p:nvSpPr>
+        <p:spPr>
+          <a:xfrm>
+            <a:off x="2580473" y="3210530"/>
+            <a:ext cx="1757323" cy="338554"/>
+          </a:xfrm>
+          <a:prstGeom prst="rect">
+            <a:avLst/>
+          </a:prstGeom>
+          <a:noFill/>
+        </p:spPr>
+        <p:txBody>
+          <a:bodyPr wrap="square" rtlCol="0">
+            <a:spAutoFit/>
+          </a:bodyPr>
+          <a:lstStyle/>
+          <a:p>
+            <a:r>
+              <a:rPr lang="en-US" sz="1600" b="1" dirty="0" smtClean="0">
+                <a:solidFill>
+                  <a:srgbClr val="3B9BC1"/>
+                </a:solidFill>
+              </a:rPr>
+              <a:t>Domingo</a:t>
+            </a:r>
+            <a:endParaRPr lang="en-US" b="1" dirty="0">
+              <a:solidFill>
+                <a:srgbClr val="3B9BC1"/>
+              </a:solidFill>
+            </a:endParaRPr>
+          </a:p>
+        </p:txBody>
+      </p:sp>
+      <p:cxnSp>
+        <p:nvCxnSpPr>
+          <p:cNvPr id="26" name="Straight Connector 25"/>
+          <p:cNvCxnSpPr/>
+          <p:nvPr/>
+        </p:nvCxnSpPr>
+        <p:spPr>
+          <a:xfrm>
+            <a:off x="2597053" y="3565406"/>
+            <a:ext cx="2532831" cy="0"/>
+          </a:xfrm>
+          <a:prstGeom prst="line">
+            <a:avLst/>
+          </a:prstGeom>
+          <a:ln w="19050">
+            <a:solidFill>
+              <a:srgbClr val="3B9BC1"/>
+            </a:solidFill>
+          </a:ln>
+        </p:spPr>
+        <p:style>
+          <a:lnRef idx="1">
+            <a:schemeClr val="accent1"/>
+          </a:lnRef>
+          <a:fillRef idx="0">
+            <a:schemeClr val="accent1"/>
+          </a:fillRef>
+          <a:effectRef idx="0">
+            <a:schemeClr val="accent1"/>
+          </a:effectRef>
+          <a:fontRef idx="minor">
+            <a:schemeClr val="tx1"/>
+          </a:fontRef>
+        </p:style>
+      </p:cxnSp>
+      <p:sp>
+        <p:nvSpPr>
+          <p:cNvPr id="27" name="TextBox 26"/>
+          <p:cNvSpPr txBox="1"/>
+          <p:nvPr/>
+        </p:nvSpPr>
+        <p:spPr>
+          <a:xfrm>
+            <a:off x="2580473" y="3570570"/>
+            <a:ext cx="4871847" cy="369332"/>
+          </a:xfrm>
+          <a:prstGeom prst="rect">
+            <a:avLst/>
+          </a:prstGeom>
+          <a:noFill/>
+        </p:spPr>
+        <p:txBody>
+          <a:bodyPr wrap="none" rtlCol="0">
+            <a:spAutoFit/>
+          </a:bodyPr>
+          <a:lstStyle/>
+          <a:p>
+            <a:pPr marL="285750" indent="-285750">
+              <a:buFont typeface="Wingdings" panose="05000000000000000000" pitchFamily="2" charset="2"/>
+              <a:buChar char="Ø"/>
+            </a:pPr>
+            <a:r>
+              <a:rPr lang="en-US" b="1" dirty="0" smtClean="0">
+                <a:solidFill>
+                  <a:srgbClr val="3B9BC1"/>
+                </a:solidFill>
+              </a:rPr>
+              <a:t>08h-09h </a:t>
+            </a:r>
+            <a:r>
+              <a:rPr lang="en-US" b="1" dirty="0" err="1" smtClean="0">
+                <a:solidFill>
+                  <a:srgbClr val="3B9BC1"/>
+                </a:solidFill>
+              </a:rPr>
+              <a:t>Esclarecimentos</a:t>
+            </a:r>
+            <a:r>
+              <a:rPr lang="en-US" b="1" dirty="0" smtClean="0">
+                <a:solidFill>
+                  <a:srgbClr val="3B9BC1"/>
+                </a:solidFill>
+              </a:rPr>
+              <a:t> com </a:t>
+            </a:r>
+            <a:r>
+              <a:rPr lang="en-US" b="1" dirty="0" err="1" smtClean="0">
+                <a:solidFill>
+                  <a:srgbClr val="3B9BC1"/>
+                </a:solidFill>
+              </a:rPr>
+              <a:t>Mentores</a:t>
+            </a:r>
+            <a:endParaRPr lang="en-US" b="1" dirty="0">
+              <a:solidFill>
+                <a:srgbClr val="3B9BC1"/>
+              </a:solidFill>
+            </a:endParaRPr>
+          </a:p>
+        </p:txBody>
+      </p:sp>
+      <p:pic>
+        <p:nvPicPr>
+          <p:cNvPr id="9" name="Picture 8"/>
+          <p:cNvPicPr>
+            <a:picLocks noChangeAspect="1"/>
+          </p:cNvPicPr>
+          <p:nvPr/>
+        </p:nvPicPr>
+        <p:blipFill>
+          <a:blip r:embed="rId2" cstate="print">
+            <a:extLst>
+              <a:ext uri="{28A0092B-C50C-407E-A947-70E740481C1C}">
+                <a14:useLocalDpi xmlns:a14="http://schemas.microsoft.com/office/drawing/2010/main" val="0"/>
+              </a:ext>
+            </a:extLst>
+          </a:blip>
+          <a:stretch>
+            <a:fillRect/>
+          </a:stretch>
+        </p:blipFill>
+        <p:spPr>
+          <a:xfrm>
+            <a:off x="340763" y="4104685"/>
+            <a:ext cx="462156" cy="462156"/>
+          </a:xfrm>
+          <a:prstGeom prst="rect">
+            <a:avLst/>
+          </a:prstGeom>
+        </p:spPr>
+      </p:pic>
+      <p:sp>
+        <p:nvSpPr>
+          <p:cNvPr id="32" name="TextBox 31"/>
+          <p:cNvSpPr txBox="1"/>
+          <p:nvPr/>
+        </p:nvSpPr>
+        <p:spPr>
+          <a:xfrm>
+            <a:off x="761064" y="4161152"/>
+            <a:ext cx="4993675" cy="369332"/>
+          </a:xfrm>
+          <a:prstGeom prst="rect">
+            <a:avLst/>
+          </a:prstGeom>
+          <a:noFill/>
+        </p:spPr>
+        <p:txBody>
+          <a:bodyPr wrap="none" rtlCol="0">
+            <a:spAutoFit/>
+          </a:bodyPr>
+          <a:lstStyle/>
+          <a:p>
+            <a:r>
+              <a:rPr lang="en-US" b="1" dirty="0" err="1" smtClean="0">
+                <a:solidFill>
+                  <a:srgbClr val="7FD0FF"/>
+                </a:solidFill>
+              </a:rPr>
+              <a:t>Haverá</a:t>
+            </a:r>
+            <a:r>
+              <a:rPr lang="en-US" b="1" dirty="0" smtClean="0">
+                <a:solidFill>
+                  <a:srgbClr val="7FD0FF"/>
+                </a:solidFill>
+              </a:rPr>
+              <a:t> um WhatsApp para </a:t>
+            </a:r>
+            <a:r>
+              <a:rPr lang="en-US" b="1" dirty="0" err="1" smtClean="0">
+                <a:solidFill>
+                  <a:srgbClr val="7FD0FF"/>
+                </a:solidFill>
+              </a:rPr>
+              <a:t>esclarecimentos</a:t>
+            </a:r>
+            <a:endParaRPr lang="en-US" b="1" dirty="0">
+              <a:solidFill>
+                <a:srgbClr val="7FD0FF"/>
+              </a:solidFill>
+            </a:endParaRPr>
+          </a:p>
+        </p:txBody>
+      </p:sp>
+    </p:spTree>
+    <p:extLst>
+      <p:ext uri="{BB962C8B-B14F-4D97-AF65-F5344CB8AC3E}">
+        <p14:creationId xmlns:p14="http://schemas.microsoft.com/office/powerpoint/2010/main" val="2605591354"/>
+      </p:ext>
+    </p:extLst>
+  </p:cSld>
+  <p:clrMapOvr>
+    <a:masterClrMapping/>
+  </p:clrMapOvr>
+  <p:timing>
+    <p:tnLst>
+      <p:par>
+        <p:cTn id="1" dur="indefinite" restart="never" nodeType="tmRoot">
+          <p:childTnLst>
+            <p:seq concurrent="1" nextAc="seek">
+              <p:cTn id="2" dur="indefinite" nodeType="mainSeq">
+                <p:childTnLst>
+                  <p:par>
+                    <p:cTn id="3" fill="hold">
+                      <p:stCondLst>
+                        <p:cond delay="indefinite"/>
+                      </p:stCondLst>
+                      <p:childTnLst>
+                        <p:par>
+                          <p:cTn id="4" fill="hold">
+                            <p:stCondLst>
+                              <p:cond delay="0"/>
+                            </p:stCondLst>
+                            <p:childTnLst>
+                              <p:par>
+                                <p:cTn id="5" presetID="1" presetClass="entr" presetSubtype="0" fill="hold" grpId="0" nodeType="clickEffect">
+                                  <p:stCondLst>
+                                    <p:cond delay="0"/>
+                                  </p:stCondLst>
+                                  <p:childTnLst>
+                                    <p:set>
+                                      <p:cBhvr>
+                                        <p:cTn id="6" dur="1" fill="hold">
+                                          <p:stCondLst>
+                                            <p:cond delay="0"/>
+                                          </p:stCondLst>
+                                        </p:cTn>
+                                        <p:tgtEl>
+                                          <p:spTgt spid="32"/>
+                                        </p:tgtEl>
+                                        <p:attrNameLst>
+                                          <p:attrName>style.visibility</p:attrName>
+                                        </p:attrNameLst>
+                                      </p:cBhvr>
+                                      <p:to>
+                                        <p:strVal val="visible"/>
+                                      </p:to>
+                                    </p:set>
+                                  </p:childTnLst>
+                                </p:cTn>
+                              </p:par>
+                              <p:par>
+                                <p:cTn id="7" presetID="1" presetClass="entr" presetSubtype="0" fill="hold" nodeType="withEffect">
+                                  <p:stCondLst>
+                                    <p:cond delay="0"/>
+                                  </p:stCondLst>
+                                  <p:childTnLst>
+                                    <p:set>
+                                      <p:cBhvr>
+                                        <p:cTn id="8" dur="1" fill="hold">
+                                          <p:stCondLst>
+                                            <p:cond delay="0"/>
+                                          </p:stCondLst>
+                                        </p:cTn>
+                                        <p:tgtEl>
+                                          <p:spTgt spid="9"/>
+                                        </p:tgtEl>
+                                        <p:attrNameLst>
+                                          <p:attrName>style.visibility</p:attrName>
+                                        </p:attrNameLst>
+                                      </p:cBhvr>
+                                      <p:to>
+                                        <p:strVal val="visible"/>
+                                      </p:to>
+                                    </p:set>
+                                  </p:childTnLst>
+                                </p:cTn>
+                              </p:par>
+                            </p:childTnLst>
+                          </p:cTn>
+                        </p:par>
+                      </p:childTnLst>
+                    </p:cTn>
+                  </p:par>
+                </p:childTnLst>
+              </p:cTn>
+              <p:prevCondLst>
+                <p:cond evt="onPrev" delay="0">
+                  <p:tgtEl>
+                    <p:sldTgt/>
+                  </p:tgtEl>
+                </p:cond>
+              </p:prevCondLst>
+              <p:nextCondLst>
+                <p:cond evt="onNext" delay="0">
+                  <p:tgtEl>
+                    <p:sldTgt/>
+                  </p:tgtEl>
+                </p:cond>
+              </p:nextCondLst>
+            </p:seq>
+          </p:childTnLst>
+        </p:cTn>
+      </p:par>
+    </p:tnLst>
+    <p:bldLst>
+      <p:bldP spid="32" grpId="0"/>
+    </p:bldLst>
+  </p:timing>
+</p:sld>
+</file>
+
+<file path=ppt/slides/slide22.xml><?xml version="1.0" encoding="utf-8"?>
+<p:sld xmlns:a="http://schemas.openxmlformats.org/drawingml/2006/main" xmlns:r="http://schemas.openxmlformats.org/officeDocument/2006/relationships" xmlns:p="http://schemas.openxmlformats.org/presentationml/2006/main">
+  <p:cSld>
+    <p:spTree>
+      <p:nvGrpSpPr>
+        <p:cNvPr id="1" name=""/>
+        <p:cNvGrpSpPr/>
+        <p:nvPr/>
+      </p:nvGrpSpPr>
+      <p:grpSpPr>
+        <a:xfrm>
+          <a:off x="0" y="0"/>
+          <a:ext cx="0" cy="0"/>
+          <a:chOff x="0" y="0"/>
+          <a:chExt cx="0" cy="0"/>
+        </a:xfrm>
+      </p:grpSpPr>
+      <p:sp>
+        <p:nvSpPr>
+          <p:cNvPr id="7" name="Titre 6"/>
+          <p:cNvSpPr>
+            <a:spLocks noGrp="1"/>
+          </p:cNvSpPr>
+          <p:nvPr>
+            <p:ph type="title"/>
+          </p:nvPr>
+        </p:nvSpPr>
+        <p:spPr/>
+        <p:txBody>
+          <a:bodyPr/>
+          <a:lstStyle/>
+          <a:p>
+            <a:r>
+              <a:rPr lang="fr-FR" dirty="0" smtClean="0"/>
+              <a:t>5. </a:t>
+            </a:r>
+            <a:r>
+              <a:rPr lang="fr-FR" dirty="0" err="1" smtClean="0"/>
+              <a:t>Entregáveis</a:t>
+            </a:r>
+            <a:endParaRPr lang="fr-FR" dirty="0"/>
+          </a:p>
+        </p:txBody>
+      </p:sp>
+      <p:sp>
+        <p:nvSpPr>
+          <p:cNvPr id="3" name="Espace réservé de la date 2"/>
+          <p:cNvSpPr>
+            <a:spLocks noGrp="1"/>
+          </p:cNvSpPr>
+          <p:nvPr>
+            <p:ph type="dt" sz="half" idx="10"/>
+          </p:nvPr>
+        </p:nvSpPr>
+        <p:spPr/>
+        <p:txBody>
+          <a:bodyPr/>
+          <a:lstStyle/>
+          <a:p>
+            <a:r>
+              <a:rPr lang="fr-FR" smtClean="0"/>
+              <a:t>Date</a:t>
+            </a:r>
+            <a:endParaRPr lang="fr-FR"/>
+          </a:p>
+        </p:txBody>
+      </p:sp>
+      <p:sp>
+        <p:nvSpPr>
+          <p:cNvPr id="4" name="Espace réservé du pied de page 3"/>
+          <p:cNvSpPr>
+            <a:spLocks noGrp="1"/>
+          </p:cNvSpPr>
+          <p:nvPr>
+            <p:ph type="ftr" sz="quarter" idx="11"/>
+          </p:nvPr>
+        </p:nvSpPr>
+        <p:spPr/>
+        <p:txBody>
+          <a:bodyPr/>
+          <a:lstStyle/>
+          <a:p>
+            <a:r>
+              <a:rPr lang="fr-FR" dirty="0" smtClean="0"/>
+              <a:t>Code Race – O </a:t>
+            </a:r>
+            <a:r>
+              <a:rPr lang="fr-FR" dirty="0" err="1" smtClean="0"/>
+              <a:t>Desafio</a:t>
+            </a:r>
+            <a:endParaRPr lang="fr-FR" dirty="0"/>
+          </a:p>
+        </p:txBody>
+      </p:sp>
+      <p:sp>
+        <p:nvSpPr>
+          <p:cNvPr id="5" name="Espace réservé du numéro de diapositive 4"/>
+          <p:cNvSpPr>
+            <a:spLocks noGrp="1"/>
+          </p:cNvSpPr>
+          <p:nvPr>
+            <p:ph type="sldNum" sz="quarter" idx="12"/>
+          </p:nvPr>
+        </p:nvSpPr>
+        <p:spPr/>
+        <p:txBody>
+          <a:bodyPr/>
+          <a:lstStyle/>
+          <a:p>
+            <a:fld id="{10C140CD-8AED-46FF-A9A2-77308F3F39AE}" type="slidenum">
+              <a:rPr lang="fr-FR" smtClean="0"/>
+              <a:pPr/>
+              <a:t>22</a:t>
+            </a:fld>
+            <a:endParaRPr lang="fr-FR" dirty="0"/>
+          </a:p>
+        </p:txBody>
+      </p:sp>
+      <p:cxnSp>
+        <p:nvCxnSpPr>
+          <p:cNvPr id="15" name="Straight Connector 14"/>
+          <p:cNvCxnSpPr/>
+          <p:nvPr/>
+        </p:nvCxnSpPr>
+        <p:spPr>
+          <a:xfrm flipV="1">
+            <a:off x="6588224" y="1547577"/>
+            <a:ext cx="515423" cy="432048"/>
+          </a:xfrm>
+          <a:prstGeom prst="line">
+            <a:avLst/>
+          </a:prstGeom>
+          <a:ln w="19050">
+            <a:solidFill>
+              <a:srgbClr val="3B9BC1"/>
+            </a:solidFill>
+          </a:ln>
+        </p:spPr>
+        <p:style>
+          <a:lnRef idx="1">
+            <a:schemeClr val="accent1"/>
+          </a:lnRef>
+          <a:fillRef idx="0">
+            <a:schemeClr val="accent1"/>
+          </a:fillRef>
+          <a:effectRef idx="0">
+            <a:schemeClr val="accent1"/>
+          </a:effectRef>
+          <a:fontRef idx="minor">
+            <a:schemeClr val="tx1"/>
+          </a:fontRef>
+        </p:style>
+      </p:cxnSp>
+      <p:sp>
+        <p:nvSpPr>
+          <p:cNvPr id="8" name="TextBox 7"/>
+          <p:cNvSpPr txBox="1"/>
+          <p:nvPr/>
+        </p:nvSpPr>
+        <p:spPr>
+          <a:xfrm>
+            <a:off x="855932" y="1365617"/>
+            <a:ext cx="6164341" cy="646331"/>
+          </a:xfrm>
+          <a:prstGeom prst="rect">
+            <a:avLst/>
+          </a:prstGeom>
+          <a:noFill/>
+        </p:spPr>
+        <p:txBody>
+          <a:bodyPr wrap="square" rtlCol="0">
+            <a:spAutoFit/>
+          </a:bodyPr>
+          <a:lstStyle/>
+          <a:p>
+            <a:r>
+              <a:rPr lang="en-US" b="1" dirty="0" smtClean="0">
+                <a:solidFill>
+                  <a:srgbClr val="FFC000"/>
+                </a:solidFill>
+              </a:rPr>
+              <a:t>As </a:t>
+            </a:r>
+            <a:r>
+              <a:rPr lang="en-US" b="1" dirty="0" err="1" smtClean="0">
+                <a:solidFill>
+                  <a:srgbClr val="FFC000"/>
+                </a:solidFill>
+              </a:rPr>
+              <a:t>equipas</a:t>
+            </a:r>
+            <a:r>
+              <a:rPr lang="en-US" b="1" dirty="0" smtClean="0">
+                <a:solidFill>
+                  <a:srgbClr val="FFC000"/>
+                </a:solidFill>
+              </a:rPr>
+              <a:t> </a:t>
+            </a:r>
+            <a:r>
+              <a:rPr lang="en-US" b="1" dirty="0" err="1" smtClean="0">
+                <a:solidFill>
+                  <a:srgbClr val="FFC000"/>
+                </a:solidFill>
+              </a:rPr>
+              <a:t>apresentarão</a:t>
+            </a:r>
+            <a:r>
+              <a:rPr lang="en-US" b="1" dirty="0" smtClean="0">
+                <a:solidFill>
+                  <a:srgbClr val="FFC000"/>
+                </a:solidFill>
+              </a:rPr>
+              <a:t> o </a:t>
+            </a:r>
+            <a:r>
+              <a:rPr lang="en-US" b="1" dirty="0" err="1" smtClean="0">
+                <a:solidFill>
+                  <a:srgbClr val="FFC000"/>
+                </a:solidFill>
+              </a:rPr>
+              <a:t>resultado</a:t>
+            </a:r>
+            <a:r>
+              <a:rPr lang="en-US" b="1" dirty="0" smtClean="0">
+                <a:solidFill>
+                  <a:srgbClr val="FFC000"/>
+                </a:solidFill>
+              </a:rPr>
+              <a:t> no final do Code Race!!</a:t>
+            </a:r>
+            <a:endParaRPr lang="en-US" b="1" dirty="0">
+              <a:solidFill>
+                <a:srgbClr val="FFC000"/>
+              </a:solidFill>
+            </a:endParaRPr>
+          </a:p>
+        </p:txBody>
+      </p:sp>
+      <p:cxnSp>
+        <p:nvCxnSpPr>
+          <p:cNvPr id="19" name="Straight Connector 18"/>
+          <p:cNvCxnSpPr/>
+          <p:nvPr/>
+        </p:nvCxnSpPr>
+        <p:spPr>
+          <a:xfrm flipV="1">
+            <a:off x="6660232" y="1628801"/>
+            <a:ext cx="515423" cy="432048"/>
+          </a:xfrm>
+          <a:prstGeom prst="line">
+            <a:avLst/>
+          </a:prstGeom>
+          <a:ln w="19050">
+            <a:solidFill>
+              <a:srgbClr val="3B9BC1"/>
+            </a:solidFill>
+          </a:ln>
+        </p:spPr>
+        <p:style>
+          <a:lnRef idx="1">
+            <a:schemeClr val="accent1"/>
+          </a:lnRef>
+          <a:fillRef idx="0">
+            <a:schemeClr val="accent1"/>
+          </a:fillRef>
+          <a:effectRef idx="0">
+            <a:schemeClr val="accent1"/>
+          </a:effectRef>
+          <a:fontRef idx="minor">
+            <a:schemeClr val="tx1"/>
+          </a:fontRef>
+        </p:style>
+      </p:cxnSp>
+      <p:cxnSp>
+        <p:nvCxnSpPr>
+          <p:cNvPr id="31" name="Straight Connector 30"/>
+          <p:cNvCxnSpPr/>
+          <p:nvPr/>
+        </p:nvCxnSpPr>
+        <p:spPr>
+          <a:xfrm flipV="1">
+            <a:off x="6588224" y="2504613"/>
+            <a:ext cx="515423" cy="432048"/>
+          </a:xfrm>
+          <a:prstGeom prst="line">
+            <a:avLst/>
+          </a:prstGeom>
+          <a:ln w="19050">
+            <a:solidFill>
+              <a:srgbClr val="3B9BC1"/>
+            </a:solidFill>
+          </a:ln>
+        </p:spPr>
+        <p:style>
+          <a:lnRef idx="1">
+            <a:schemeClr val="accent1"/>
+          </a:lnRef>
+          <a:fillRef idx="0">
+            <a:schemeClr val="accent1"/>
+          </a:fillRef>
+          <a:effectRef idx="0">
+            <a:schemeClr val="accent1"/>
+          </a:effectRef>
+          <a:fontRef idx="minor">
+            <a:schemeClr val="tx1"/>
+          </a:fontRef>
+        </p:style>
+      </p:cxnSp>
+      <p:sp>
+        <p:nvSpPr>
+          <p:cNvPr id="32" name="TextBox 31"/>
+          <p:cNvSpPr txBox="1"/>
+          <p:nvPr/>
+        </p:nvSpPr>
+        <p:spPr>
+          <a:xfrm>
+            <a:off x="797609" y="2287523"/>
+            <a:ext cx="6222664" cy="646331"/>
+          </a:xfrm>
+          <a:prstGeom prst="rect">
+            <a:avLst/>
+          </a:prstGeom>
+          <a:noFill/>
+        </p:spPr>
+        <p:txBody>
+          <a:bodyPr wrap="square" rtlCol="0">
+            <a:spAutoFit/>
+          </a:bodyPr>
+          <a:lstStyle/>
+          <a:p>
+            <a:r>
+              <a:rPr lang="en-US" b="1" dirty="0" err="1" smtClean="0">
+                <a:solidFill>
+                  <a:srgbClr val="FFC000"/>
+                </a:solidFill>
+              </a:rPr>
+              <a:t>Os</a:t>
+            </a:r>
+            <a:r>
+              <a:rPr lang="en-US" b="1" dirty="0" smtClean="0">
+                <a:solidFill>
+                  <a:srgbClr val="FFC000"/>
+                </a:solidFill>
+              </a:rPr>
+              <a:t> </a:t>
+            </a:r>
+            <a:r>
+              <a:rPr lang="en-US" b="1" dirty="0" err="1" smtClean="0">
+                <a:solidFill>
+                  <a:srgbClr val="FFC000"/>
+                </a:solidFill>
+              </a:rPr>
+              <a:t>projetos</a:t>
+            </a:r>
+            <a:r>
+              <a:rPr lang="en-US" b="1" dirty="0" smtClean="0">
+                <a:solidFill>
+                  <a:srgbClr val="FFC000"/>
+                </a:solidFill>
+              </a:rPr>
+              <a:t> </a:t>
+            </a:r>
+            <a:r>
+              <a:rPr lang="en-US" b="1" dirty="0" err="1" smtClean="0">
+                <a:solidFill>
+                  <a:srgbClr val="FFC000"/>
+                </a:solidFill>
+              </a:rPr>
+              <a:t>serão</a:t>
+            </a:r>
+            <a:r>
+              <a:rPr lang="en-US" b="1" dirty="0" smtClean="0">
+                <a:solidFill>
+                  <a:srgbClr val="FFC000"/>
+                </a:solidFill>
+              </a:rPr>
+              <a:t> </a:t>
+            </a:r>
+            <a:r>
+              <a:rPr lang="en-US" b="1" dirty="0" err="1" smtClean="0">
+                <a:solidFill>
+                  <a:srgbClr val="FFC000"/>
+                </a:solidFill>
+              </a:rPr>
+              <a:t>recolhidos</a:t>
+            </a:r>
+            <a:r>
+              <a:rPr lang="en-US" b="1" dirty="0" smtClean="0">
+                <a:solidFill>
+                  <a:srgbClr val="FFC000"/>
+                </a:solidFill>
+              </a:rPr>
+              <a:t> </a:t>
+            </a:r>
+            <a:r>
+              <a:rPr lang="en-US" b="1" dirty="0" err="1" smtClean="0">
+                <a:solidFill>
+                  <a:srgbClr val="FFC000"/>
+                </a:solidFill>
+              </a:rPr>
+              <a:t>por</a:t>
+            </a:r>
+            <a:r>
+              <a:rPr lang="en-US" b="1" dirty="0" smtClean="0">
+                <a:solidFill>
+                  <a:srgbClr val="FFC000"/>
+                </a:solidFill>
+              </a:rPr>
+              <a:t> </a:t>
+            </a:r>
+            <a:r>
+              <a:rPr lang="en-US" b="1" dirty="0" err="1" smtClean="0">
+                <a:solidFill>
+                  <a:srgbClr val="FFC000"/>
+                </a:solidFill>
+              </a:rPr>
+              <a:t>passagem</a:t>
+            </a:r>
+            <a:r>
+              <a:rPr lang="en-US" b="1" dirty="0" smtClean="0">
+                <a:solidFill>
+                  <a:srgbClr val="FFC000"/>
+                </a:solidFill>
+              </a:rPr>
+              <a:t> de </a:t>
+            </a:r>
+            <a:r>
+              <a:rPr lang="en-US" b="1" dirty="0" err="1" smtClean="0">
+                <a:solidFill>
+                  <a:srgbClr val="FFC000"/>
+                </a:solidFill>
+              </a:rPr>
+              <a:t>código</a:t>
+            </a:r>
+            <a:r>
+              <a:rPr lang="en-US" b="1" dirty="0" smtClean="0">
+                <a:solidFill>
+                  <a:srgbClr val="FFC000"/>
+                </a:solidFill>
+              </a:rPr>
+              <a:t> </a:t>
+            </a:r>
+            <a:r>
+              <a:rPr lang="en-US" b="1" dirty="0" err="1" smtClean="0">
+                <a:solidFill>
+                  <a:srgbClr val="FFC000"/>
+                </a:solidFill>
+              </a:rPr>
+              <a:t>fonte</a:t>
+            </a:r>
+            <a:r>
+              <a:rPr lang="en-US" b="1" dirty="0" smtClean="0">
+                <a:solidFill>
+                  <a:srgbClr val="FFC000"/>
+                </a:solidFill>
+              </a:rPr>
+              <a:t> para </a:t>
+            </a:r>
+            <a:r>
+              <a:rPr lang="en-US" b="1" dirty="0" err="1" smtClean="0">
+                <a:solidFill>
+                  <a:srgbClr val="FFC000"/>
+                </a:solidFill>
+              </a:rPr>
+              <a:t>uma</a:t>
+            </a:r>
+            <a:r>
+              <a:rPr lang="en-US" b="1" dirty="0" smtClean="0">
+                <a:solidFill>
+                  <a:srgbClr val="FFC000"/>
+                </a:solidFill>
+              </a:rPr>
+              <a:t> PEN!!</a:t>
+            </a:r>
+            <a:endParaRPr lang="en-US" b="1" dirty="0">
+              <a:solidFill>
+                <a:srgbClr val="FFC000"/>
+              </a:solidFill>
+            </a:endParaRPr>
+          </a:p>
+        </p:txBody>
+      </p:sp>
+      <p:cxnSp>
+        <p:nvCxnSpPr>
+          <p:cNvPr id="33" name="Straight Connector 32"/>
+          <p:cNvCxnSpPr/>
+          <p:nvPr/>
+        </p:nvCxnSpPr>
+        <p:spPr>
+          <a:xfrm flipV="1">
+            <a:off x="6660232" y="2585837"/>
+            <a:ext cx="515423" cy="432048"/>
+          </a:xfrm>
+          <a:prstGeom prst="line">
+            <a:avLst/>
+          </a:prstGeom>
+          <a:ln w="19050">
+            <a:solidFill>
+              <a:srgbClr val="3B9BC1"/>
+            </a:solidFill>
+          </a:ln>
+        </p:spPr>
+        <p:style>
+          <a:lnRef idx="1">
+            <a:schemeClr val="accent1"/>
+          </a:lnRef>
+          <a:fillRef idx="0">
+            <a:schemeClr val="accent1"/>
+          </a:fillRef>
+          <a:effectRef idx="0">
+            <a:schemeClr val="accent1"/>
+          </a:effectRef>
+          <a:fontRef idx="minor">
+            <a:schemeClr val="tx1"/>
+          </a:fontRef>
+        </p:style>
+      </p:cxnSp>
+      <p:cxnSp>
+        <p:nvCxnSpPr>
+          <p:cNvPr id="34" name="Straight Connector 33"/>
+          <p:cNvCxnSpPr/>
+          <p:nvPr/>
+        </p:nvCxnSpPr>
+        <p:spPr>
+          <a:xfrm flipH="1" flipV="1">
+            <a:off x="6574158" y="1803970"/>
+            <a:ext cx="14066" cy="165727"/>
+          </a:xfrm>
+          <a:prstGeom prst="line">
+            <a:avLst/>
+          </a:prstGeom>
+          <a:ln w="19050">
+            <a:solidFill>
+              <a:srgbClr val="3B9BC1"/>
+            </a:solidFill>
+          </a:ln>
+        </p:spPr>
+        <p:style>
+          <a:lnRef idx="1">
+            <a:schemeClr val="accent1"/>
+          </a:lnRef>
+          <a:fillRef idx="0">
+            <a:schemeClr val="accent1"/>
+          </a:fillRef>
+          <a:effectRef idx="0">
+            <a:schemeClr val="accent1"/>
+          </a:effectRef>
+          <a:fontRef idx="minor">
+            <a:schemeClr val="tx1"/>
+          </a:fontRef>
+        </p:style>
+      </p:cxnSp>
+      <p:cxnSp>
+        <p:nvCxnSpPr>
+          <p:cNvPr id="35" name="Straight Connector 34"/>
+          <p:cNvCxnSpPr/>
+          <p:nvPr/>
+        </p:nvCxnSpPr>
+        <p:spPr>
+          <a:xfrm flipH="1" flipV="1">
+            <a:off x="6574158" y="2768127"/>
+            <a:ext cx="14066" cy="165727"/>
+          </a:xfrm>
+          <a:prstGeom prst="line">
+            <a:avLst/>
+          </a:prstGeom>
+          <a:ln w="19050">
+            <a:solidFill>
+              <a:srgbClr val="3B9BC1"/>
+            </a:solidFill>
+          </a:ln>
+        </p:spPr>
+        <p:style>
+          <a:lnRef idx="1">
+            <a:schemeClr val="accent1"/>
+          </a:lnRef>
+          <a:fillRef idx="0">
+            <a:schemeClr val="accent1"/>
+          </a:fillRef>
+          <a:effectRef idx="0">
+            <a:schemeClr val="accent1"/>
+          </a:effectRef>
+          <a:fontRef idx="minor">
+            <a:schemeClr val="tx1"/>
+          </a:fontRef>
+        </p:style>
+      </p:cxnSp>
+    </p:spTree>
+    <p:extLst>
+      <p:ext uri="{BB962C8B-B14F-4D97-AF65-F5344CB8AC3E}">
+        <p14:creationId xmlns:p14="http://schemas.microsoft.com/office/powerpoint/2010/main" val="3326842365"/>
+      </p:ext>
+    </p:extLst>
+  </p:cSld>
+  <p:clrMapOvr>
+    <a:masterClrMapping/>
+  </p:clrMapOvr>
+  <p:timing>
+    <p:tnLst>
+      <p:par>
+        <p:cTn id="1" dur="indefinite" restart="never" nodeType="tmRoot"/>
+      </p:par>
+    </p:tnLst>
+  </p:timing>
+</p:sld>
+</file>
+
+<file path=ppt/slides/slide23.xml><?xml version="1.0" encoding="utf-8"?>
+<p:sld xmlns:a="http://schemas.openxmlformats.org/drawingml/2006/main" xmlns:r="http://schemas.openxmlformats.org/officeDocument/2006/relationships" xmlns:p="http://schemas.openxmlformats.org/presentationml/2006/main">
+  <p:cSld>
+    <p:spTree>
+      <p:nvGrpSpPr>
+        <p:cNvPr id="1" name=""/>
+        <p:cNvGrpSpPr/>
+        <p:nvPr/>
+      </p:nvGrpSpPr>
+      <p:grpSpPr>
+        <a:xfrm>
+          <a:off x="0" y="0"/>
+          <a:ext cx="0" cy="0"/>
+          <a:chOff x="0" y="0"/>
+          <a:chExt cx="0" cy="0"/>
+        </a:xfrm>
+      </p:grpSpPr>
+      <p:sp>
+        <p:nvSpPr>
+          <p:cNvPr id="24" name="Titre 23"/>
+          <p:cNvSpPr>
+            <a:spLocks noGrp="1"/>
+          </p:cNvSpPr>
+          <p:nvPr>
+            <p:ph type="title"/>
+          </p:nvPr>
+        </p:nvSpPr>
+        <p:spPr/>
+        <p:txBody>
+          <a:bodyPr/>
+          <a:lstStyle/>
+          <a:p>
+            <a:r>
+              <a:rPr lang="fr-FR" dirty="0" smtClean="0"/>
+              <a:t>6.</a:t>
+            </a:r>
+            <a:endParaRPr lang="fr-FR" dirty="0"/>
+          </a:p>
+        </p:txBody>
+      </p:sp>
+      <p:sp>
+        <p:nvSpPr>
+          <p:cNvPr id="2" name="Espace réservé de la date 1"/>
+          <p:cNvSpPr>
+            <a:spLocks noGrp="1"/>
+          </p:cNvSpPr>
+          <p:nvPr>
+            <p:ph type="dt" sz="half" idx="10"/>
+          </p:nvPr>
+        </p:nvSpPr>
+        <p:spPr/>
+        <p:txBody>
+          <a:bodyPr/>
+          <a:lstStyle/>
+          <a:p>
+            <a:r>
+              <a:rPr lang="fr-FR" noProof="0" smtClean="0"/>
+              <a:t>Date</a:t>
+            </a:r>
+            <a:endParaRPr lang="fr-FR" noProof="0"/>
+          </a:p>
+        </p:txBody>
+      </p:sp>
+      <p:sp>
+        <p:nvSpPr>
+          <p:cNvPr id="4" name="Espace réservé du pied de page 3"/>
+          <p:cNvSpPr>
+            <a:spLocks noGrp="1"/>
+          </p:cNvSpPr>
+          <p:nvPr>
+            <p:ph type="ftr" sz="quarter" idx="11"/>
+          </p:nvPr>
+        </p:nvSpPr>
+        <p:spPr/>
+        <p:txBody>
+          <a:bodyPr/>
+          <a:lstStyle/>
+          <a:p>
+            <a:r>
+              <a:rPr lang="en-US" noProof="0" smtClean="0"/>
+              <a:t>Presentation title</a:t>
+            </a:r>
+            <a:endParaRPr lang="fr-FR" noProof="0"/>
+          </a:p>
+        </p:txBody>
+      </p:sp>
+      <p:sp>
+        <p:nvSpPr>
+          <p:cNvPr id="3" name="Espace réservé du numéro de diapositive 2"/>
+          <p:cNvSpPr>
+            <a:spLocks noGrp="1"/>
+          </p:cNvSpPr>
+          <p:nvPr>
+            <p:ph type="sldNum" sz="quarter" idx="12"/>
+          </p:nvPr>
+        </p:nvSpPr>
+        <p:spPr/>
+        <p:txBody>
+          <a:bodyPr/>
+          <a:lstStyle/>
+          <a:p>
+            <a:fld id="{733122C9-A0B9-462F-8757-0847AD287B63}" type="slidenum">
+              <a:rPr lang="fr-FR" noProof="0" smtClean="0"/>
+              <a:pPr/>
+              <a:t>23</a:t>
+            </a:fld>
+            <a:endParaRPr lang="fr-FR" noProof="0"/>
+          </a:p>
+        </p:txBody>
+      </p:sp>
+      <p:sp>
+        <p:nvSpPr>
+          <p:cNvPr id="25" name="Espace réservé du texte 24"/>
+          <p:cNvSpPr>
+            <a:spLocks noGrp="1"/>
+          </p:cNvSpPr>
+          <p:nvPr>
+            <p:ph type="body" sz="quarter" idx="13"/>
+          </p:nvPr>
+        </p:nvSpPr>
+        <p:spPr/>
+        <p:txBody>
+          <a:bodyPr/>
+          <a:lstStyle/>
+          <a:p>
+            <a:r>
+              <a:rPr lang="fr-FR" dirty="0" err="1" smtClean="0"/>
+              <a:t>Fatores</a:t>
+            </a:r>
+            <a:r>
+              <a:rPr lang="fr-FR" dirty="0" smtClean="0"/>
+              <a:t> de </a:t>
+            </a:r>
+            <a:r>
+              <a:rPr lang="fr-FR" dirty="0" err="1" smtClean="0"/>
+              <a:t>Avaliação</a:t>
+            </a:r>
+            <a:endParaRPr lang="fr-FR" dirty="0"/>
+          </a:p>
+        </p:txBody>
+      </p:sp>
+    </p:spTree>
+    <p:extLst>
+      <p:ext uri="{BB962C8B-B14F-4D97-AF65-F5344CB8AC3E}">
+        <p14:creationId xmlns:p14="http://schemas.microsoft.com/office/powerpoint/2010/main" val="3814973739"/>
+      </p:ext>
+    </p:extLst>
+  </p:cSld>
+  <p:clrMapOvr>
+    <a:masterClrMapping/>
+  </p:clrMapOvr>
+  <p:timing>
+    <p:tnLst>
+      <p:par>
+        <p:cTn id="1" dur="indefinite" restart="never" nodeType="tmRoot"/>
+      </p:par>
+    </p:tnLst>
+  </p:timing>
+</p:sld>
+</file>
+
+<file path=ppt/slides/slide24.xml><?xml version="1.0" encoding="utf-8"?>
+<p:sld xmlns:a="http://schemas.openxmlformats.org/drawingml/2006/main" xmlns:r="http://schemas.openxmlformats.org/officeDocument/2006/relationships" xmlns:p="http://schemas.openxmlformats.org/presentationml/2006/main">
+  <p:cSld>
+    <p:spTree>
+      <p:nvGrpSpPr>
+        <p:cNvPr id="1" name=""/>
+        <p:cNvGrpSpPr/>
+        <p:nvPr/>
+      </p:nvGrpSpPr>
+      <p:grpSpPr>
+        <a:xfrm>
+          <a:off x="0" y="0"/>
+          <a:ext cx="0" cy="0"/>
+          <a:chOff x="0" y="0"/>
+          <a:chExt cx="0" cy="0"/>
+        </a:xfrm>
+      </p:grpSpPr>
+      <p:sp>
+        <p:nvSpPr>
+          <p:cNvPr id="7" name="Titre 6"/>
+          <p:cNvSpPr>
+            <a:spLocks noGrp="1"/>
+          </p:cNvSpPr>
+          <p:nvPr>
+            <p:ph type="title"/>
+          </p:nvPr>
+        </p:nvSpPr>
+        <p:spPr/>
+        <p:txBody>
+          <a:bodyPr/>
+          <a:lstStyle/>
+          <a:p>
+            <a:r>
+              <a:rPr lang="fr-FR" dirty="0" smtClean="0"/>
               <a:t>6. </a:t>
             </a:r>
             <a:r>
@@ -22596,7 +25471,7 @@
             <a:fld id="{10C140CD-8AED-46FF-A9A2-77308F3F39AE}" type="slidenum">
               <a:rPr lang="fr-FR" sz="600" smtClean="0"/>
               <a:pPr/>
-              <a:t>21</a:t>
+              <a:t>24</a:t>
             </a:fld>
             <a:endParaRPr lang="fr-FR" sz="600" dirty="0"/>
           </a:p>
@@ -22722,7 +25597,7 @@
             <a:fld id="{10C140CD-8AED-46FF-A9A2-77308F3F39AE}" type="slidenum">
               <a:rPr lang="fr-FR" smtClean="0"/>
               <a:pPr/>
-              <a:t>21</a:t>
+              <a:t>24</a:t>
             </a:fld>
             <a:endParaRPr lang="fr-FR" dirty="0"/>
           </a:p>
@@ -23213,7 +26088,7 @@
 </p:sld>
 </file>
 
-<file path=ppt/slides/slide22.xml><?xml version="1.0" encoding="utf-8"?>
+<file path=ppt/slides/slide25.xml><?xml version="1.0" encoding="utf-8"?>
 <p:sld xmlns:a="http://schemas.openxmlformats.org/drawingml/2006/main" xmlns:r="http://schemas.openxmlformats.org/officeDocument/2006/relationships" xmlns:p="http://schemas.openxmlformats.org/presentationml/2006/main">
   <p:cSld>
     <p:spTree>
@@ -23294,7 +26169,7 @@
             <a:fld id="{733122C9-A0B9-462F-8757-0847AD287B63}" type="slidenum">
               <a:rPr lang="fr-FR" noProof="0" smtClean="0"/>
               <a:pPr/>
-              <a:t>22</a:t>
+              <a:t>25</a:t>
             </a:fld>
             <a:endParaRPr lang="fr-FR" noProof="0"/>
           </a:p>

--- a/Challenge Presentation.PPTX
+++ b/Challenge Presentation.PPTX
@@ -20173,7 +20173,7 @@
                   <a:schemeClr val="bg1"/>
                 </a:solidFill>
               </a:rPr>
-              <a:t>Obrigatórios</a:t>
+              <a:t>Opcionais</a:t>
             </a:r>
             <a:endParaRPr lang="en-US" sz="1400" dirty="0">
               <a:solidFill>
@@ -34904,6 +34904,12 @@
 </file>
 
 <file path=customXml/item1.xml><?xml version="1.0" encoding="utf-8"?>
+<p:properties xmlns:p="http://schemas.microsoft.com/office/2006/metadata/properties" xmlns:xsi="http://www.w3.org/2001/XMLSchema-instance" xmlns:pc="http://schemas.microsoft.com/office/infopath/2007/PartnerControls">
+  <documentManagement/>
+</p:properties>
+</file>
+
+<file path=customXml/item2.xml><?xml version="1.0" encoding="utf-8"?>
 <ct:contentTypeSchema xmlns:ct="http://schemas.microsoft.com/office/2006/metadata/contentType" xmlns:ma="http://schemas.microsoft.com/office/2006/metadata/properties/metaAttributes" ct:_="" ma:_="" ma:contentTypeName="Document" ma:contentTypeID="0x0101001F419E1A6EA81A4789CC2A27D54FE063" ma:contentTypeVersion="2" ma:contentTypeDescription="Create a new document." ma:contentTypeScope="" ma:versionID="6e5cb36ff88c0f99687fc20d43474a84">
   <xsd:schema xmlns:xsd="http://www.w3.org/2001/XMLSchema" xmlns:xs="http://www.w3.org/2001/XMLSchema" xmlns:p="http://schemas.microsoft.com/office/2006/metadata/properties" targetNamespace="http://schemas.microsoft.com/office/2006/metadata/properties" ma:root="true" ma:fieldsID="0d665e38e66d01d06a7f476fcfe73af8">
     <xsd:element name="properties">
@@ -35017,12 +35023,6 @@
 </ct:contentTypeSchema>
 </file>
 
-<file path=customXml/item2.xml><?xml version="1.0" encoding="utf-8"?>
-<p:properties xmlns:p="http://schemas.microsoft.com/office/2006/metadata/properties" xmlns:xsi="http://www.w3.org/2001/XMLSchema-instance" xmlns:pc="http://schemas.microsoft.com/office/infopath/2007/PartnerControls">
-  <documentManagement/>
-</p:properties>
-</file>
-
 <file path=customXml/item3.xml><?xml version="1.0" encoding="utf-8"?>
 <?mso-contentType ?>
 <FormTemplates xmlns="http://schemas.microsoft.com/sharepoint/v3/contenttype/forms">
@@ -35033,6 +35033,21 @@
 </file>
 
 <file path=customXml/itemProps1.xml><?xml version="1.0" encoding="utf-8"?>
+<ds:datastoreItem xmlns:ds="http://schemas.openxmlformats.org/officeDocument/2006/customXml" ds:itemID="{65F64EBE-3065-4A3D-B86E-F21B0406FD66}">
+  <ds:schemaRefs>
+    <ds:schemaRef ds:uri="http://schemas.openxmlformats.org/package/2006/metadata/core-properties"/>
+    <ds:schemaRef ds:uri="http://purl.org/dc/elements/1.1/"/>
+    <ds:schemaRef ds:uri="http://schemas.microsoft.com/office/infopath/2007/PartnerControls"/>
+    <ds:schemaRef ds:uri="http://purl.org/dc/dcmitype/"/>
+    <ds:schemaRef ds:uri="http://schemas.microsoft.com/office/2006/documentManagement/types"/>
+    <ds:schemaRef ds:uri="http://schemas.microsoft.com/office/2006/metadata/properties"/>
+    <ds:schemaRef ds:uri="http://purl.org/dc/terms/"/>
+    <ds:schemaRef ds:uri="http://www.w3.org/XML/1998/namespace"/>
+  </ds:schemaRefs>
+</ds:datastoreItem>
+</file>
+
+<file path=customXml/itemProps2.xml><?xml version="1.0" encoding="utf-8"?>
 <ds:datastoreItem xmlns:ds="http://schemas.openxmlformats.org/officeDocument/2006/customXml" ds:itemID="{71BEF1E5-09DF-46B0-9968-4DC05085673B}">
   <ds:schemaRefs>
     <ds:schemaRef ds:uri="http://schemas.microsoft.com/office/2006/metadata/contentType"/>
@@ -35048,21 +35063,6 @@
 </ds:datastoreItem>
 </file>
 
-<file path=customXml/itemProps2.xml><?xml version="1.0" encoding="utf-8"?>
-<ds:datastoreItem xmlns:ds="http://schemas.openxmlformats.org/officeDocument/2006/customXml" ds:itemID="{65F64EBE-3065-4A3D-B86E-F21B0406FD66}">
-  <ds:schemaRefs>
-    <ds:schemaRef ds:uri="http://schemas.openxmlformats.org/package/2006/metadata/core-properties"/>
-    <ds:schemaRef ds:uri="http://purl.org/dc/elements/1.1/"/>
-    <ds:schemaRef ds:uri="http://schemas.microsoft.com/office/infopath/2007/PartnerControls"/>
-    <ds:schemaRef ds:uri="http://purl.org/dc/dcmitype/"/>
-    <ds:schemaRef ds:uri="http://schemas.microsoft.com/office/2006/documentManagement/types"/>
-    <ds:schemaRef ds:uri="http://schemas.microsoft.com/office/2006/metadata/properties"/>
-    <ds:schemaRef ds:uri="http://purl.org/dc/terms/"/>
-    <ds:schemaRef ds:uri="http://www.w3.org/XML/1998/namespace"/>
-  </ds:schemaRefs>
-</ds:datastoreItem>
-</file>
-
 <file path=customXml/itemProps3.xml><?xml version="1.0" encoding="utf-8"?>
 <ds:datastoreItem xmlns:ds="http://schemas.openxmlformats.org/officeDocument/2006/customXml" ds:itemID="{74695D99-3EAE-4F55-A2B4-F38051B8FE0A}">
   <ds:schemaRefs>

--- a/Challenge Presentation.PPTX
+++ b/Challenge Presentation.PPTX
@@ -16810,7 +16810,7 @@
         <p:spPr>
           <a:xfrm>
             <a:off x="1266395" y="3609589"/>
-            <a:ext cx="7199006" cy="461665"/>
+            <a:ext cx="7199006" cy="276999"/>
           </a:xfrm>
           <a:prstGeom prst="rect">
             <a:avLst/>
@@ -16830,9 +16830,9 @@
                   <a:srgbClr val="3B9BC1"/>
                 </a:solidFill>
               </a:rPr>
-              <a:t>O Frontend deverá permitir a escolha de itens de menu, com quantificadores para cada, à semelhança de um carrinho de compras.</a:t>
-            </a:r>
-            <a:endParaRPr lang="en-US" dirty="0"/>
+              <a:t>A MobileApp deve permitir alterar o estado de uma encomenda, pelo restaurante.</a:t>
+            </a:r>
+            <a:endParaRPr lang="en-US" sz="1200" dirty="0"/>
           </a:p>
         </p:txBody>
       </p:sp>
@@ -17637,8 +17637,8 @@
         </p:nvSpPr>
         <p:spPr>
           <a:xfrm>
-            <a:off x="179512" y="2801555"/>
-            <a:ext cx="8784976" cy="1501627"/>
+            <a:off x="18347" y="2374858"/>
+            <a:ext cx="8784976" cy="1853076"/>
           </a:xfrm>
           <a:prstGeom prst="rect">
             <a:avLst/>
@@ -17750,79 +17750,6 @@
                 </a:solidFill>
               </a:rPr>
               <a:t>.</a:t>
-            </a:r>
-            <a:endParaRPr lang="en-US" dirty="0"/>
-          </a:p>
-        </p:txBody>
-      </p:sp>
-      <p:sp>
-        <p:nvSpPr>
-          <p:cNvPr id="32" name="TextBox 31"/>
-          <p:cNvSpPr txBox="1"/>
-          <p:nvPr/>
-        </p:nvSpPr>
-        <p:spPr>
-          <a:xfrm>
-            <a:off x="647082" y="2437935"/>
-            <a:ext cx="559769" cy="276999"/>
-          </a:xfrm>
-          <a:prstGeom prst="rect">
-            <a:avLst/>
-          </a:prstGeom>
-          <a:noFill/>
-        </p:spPr>
-        <p:txBody>
-          <a:bodyPr wrap="none" rtlCol="0">
-            <a:spAutoFit/>
-          </a:bodyPr>
-          <a:lstStyle/>
-          <a:p>
-            <a:r>
-              <a:rPr lang="en-US" sz="1200" dirty="0" smtClean="0">
-                <a:solidFill>
-                  <a:srgbClr val="3B9BC1"/>
-                </a:solidFill>
-              </a:rPr>
-              <a:t>RF15</a:t>
-            </a:r>
-            <a:endParaRPr lang="en-US" sz="1200" dirty="0">
-              <a:solidFill>
-                <a:srgbClr val="3B9BC1"/>
-              </a:solidFill>
-            </a:endParaRPr>
-          </a:p>
-        </p:txBody>
-      </p:sp>
-      <p:sp>
-        <p:nvSpPr>
-          <p:cNvPr id="33" name="TextBox 32"/>
-          <p:cNvSpPr txBox="1"/>
-          <p:nvPr/>
-        </p:nvSpPr>
-        <p:spPr>
-          <a:xfrm>
-            <a:off x="1243706" y="2363887"/>
-            <a:ext cx="7199006" cy="276999"/>
-          </a:xfrm>
-          <a:prstGeom prst="rect">
-            <a:avLst/>
-          </a:prstGeom>
-          <a:noFill/>
-        </p:spPr>
-        <p:txBody>
-          <a:bodyPr wrap="square" rtlCol="0">
-            <a:spAutoFit/>
-          </a:bodyPr>
-          <a:lstStyle/>
-          <a:p>
-            <a:pPr algn="just"/>
-            <a:r>
-              <a:rPr lang="pt-BR" sz="1200" dirty="0">
-                <a:solidFill>
-                  <a:srgbClr val="3B9BC1"/>
-                </a:solidFill>
-              </a:rPr>
-              <a:t>A MobileApp deve permitir alterar o estado de uma encomenda, pelo restaurante.</a:t>
             </a:r>
             <a:endParaRPr lang="en-US" dirty="0"/>
           </a:p>
@@ -18503,7 +18430,7 @@
                   <a:srgbClr val="3B9BC1"/>
                 </a:solidFill>
               </a:rPr>
-              <a:t>RF16</a:t>
+              <a:t>RF15</a:t>
             </a:r>
             <a:endParaRPr lang="en-US" sz="1200" dirty="0">
               <a:solidFill>
@@ -18541,7 +18468,7 @@
                   <a:srgbClr val="3B9BC1"/>
                 </a:solidFill>
               </a:rPr>
-              <a:t>RF17</a:t>
+              <a:t>RF16</a:t>
             </a:r>
             <a:endParaRPr lang="en-US" sz="1200" dirty="0">
               <a:solidFill>
@@ -18579,7 +18506,7 @@
                   <a:srgbClr val="3B9BC1"/>
                 </a:solidFill>
               </a:rPr>
-              <a:t>RF18</a:t>
+              <a:t>RF17</a:t>
             </a:r>
             <a:endParaRPr lang="en-US" sz="1200" dirty="0">
               <a:solidFill>
@@ -34904,12 +34831,6 @@
 </file>
 
 <file path=customXml/item1.xml><?xml version="1.0" encoding="utf-8"?>
-<p:properties xmlns:p="http://schemas.microsoft.com/office/2006/metadata/properties" xmlns:xsi="http://www.w3.org/2001/XMLSchema-instance" xmlns:pc="http://schemas.microsoft.com/office/infopath/2007/PartnerControls">
-  <documentManagement/>
-</p:properties>
-</file>
-
-<file path=customXml/item2.xml><?xml version="1.0" encoding="utf-8"?>
 <ct:contentTypeSchema xmlns:ct="http://schemas.microsoft.com/office/2006/metadata/contentType" xmlns:ma="http://schemas.microsoft.com/office/2006/metadata/properties/metaAttributes" ct:_="" ma:_="" ma:contentTypeName="Document" ma:contentTypeID="0x0101001F419E1A6EA81A4789CC2A27D54FE063" ma:contentTypeVersion="2" ma:contentTypeDescription="Create a new document." ma:contentTypeScope="" ma:versionID="6e5cb36ff88c0f99687fc20d43474a84">
   <xsd:schema xmlns:xsd="http://www.w3.org/2001/XMLSchema" xmlns:xs="http://www.w3.org/2001/XMLSchema" xmlns:p="http://schemas.microsoft.com/office/2006/metadata/properties" targetNamespace="http://schemas.microsoft.com/office/2006/metadata/properties" ma:root="true" ma:fieldsID="0d665e38e66d01d06a7f476fcfe73af8">
     <xsd:element name="properties">
@@ -35023,6 +34944,12 @@
 </ct:contentTypeSchema>
 </file>
 
+<file path=customXml/item2.xml><?xml version="1.0" encoding="utf-8"?>
+<p:properties xmlns:p="http://schemas.microsoft.com/office/2006/metadata/properties" xmlns:xsi="http://www.w3.org/2001/XMLSchema-instance" xmlns:pc="http://schemas.microsoft.com/office/infopath/2007/PartnerControls">
+  <documentManagement/>
+</p:properties>
+</file>
+
 <file path=customXml/item3.xml><?xml version="1.0" encoding="utf-8"?>
 <?mso-contentType ?>
 <FormTemplates xmlns="http://schemas.microsoft.com/sharepoint/v3/contenttype/forms">
@@ -35033,21 +34960,6 @@
 </file>
 
 <file path=customXml/itemProps1.xml><?xml version="1.0" encoding="utf-8"?>
-<ds:datastoreItem xmlns:ds="http://schemas.openxmlformats.org/officeDocument/2006/customXml" ds:itemID="{65F64EBE-3065-4A3D-B86E-F21B0406FD66}">
-  <ds:schemaRefs>
-    <ds:schemaRef ds:uri="http://schemas.openxmlformats.org/package/2006/metadata/core-properties"/>
-    <ds:schemaRef ds:uri="http://purl.org/dc/elements/1.1/"/>
-    <ds:schemaRef ds:uri="http://schemas.microsoft.com/office/infopath/2007/PartnerControls"/>
-    <ds:schemaRef ds:uri="http://purl.org/dc/dcmitype/"/>
-    <ds:schemaRef ds:uri="http://schemas.microsoft.com/office/2006/documentManagement/types"/>
-    <ds:schemaRef ds:uri="http://schemas.microsoft.com/office/2006/metadata/properties"/>
-    <ds:schemaRef ds:uri="http://purl.org/dc/terms/"/>
-    <ds:schemaRef ds:uri="http://www.w3.org/XML/1998/namespace"/>
-  </ds:schemaRefs>
-</ds:datastoreItem>
-</file>
-
-<file path=customXml/itemProps2.xml><?xml version="1.0" encoding="utf-8"?>
 <ds:datastoreItem xmlns:ds="http://schemas.openxmlformats.org/officeDocument/2006/customXml" ds:itemID="{71BEF1E5-09DF-46B0-9968-4DC05085673B}">
   <ds:schemaRefs>
     <ds:schemaRef ds:uri="http://schemas.microsoft.com/office/2006/metadata/contentType"/>
@@ -35063,6 +34975,21 @@
 </ds:datastoreItem>
 </file>
 
+<file path=customXml/itemProps2.xml><?xml version="1.0" encoding="utf-8"?>
+<ds:datastoreItem xmlns:ds="http://schemas.openxmlformats.org/officeDocument/2006/customXml" ds:itemID="{65F64EBE-3065-4A3D-B86E-F21B0406FD66}">
+  <ds:schemaRefs>
+    <ds:schemaRef ds:uri="http://schemas.openxmlformats.org/package/2006/metadata/core-properties"/>
+    <ds:schemaRef ds:uri="http://purl.org/dc/elements/1.1/"/>
+    <ds:schemaRef ds:uri="http://schemas.microsoft.com/office/infopath/2007/PartnerControls"/>
+    <ds:schemaRef ds:uri="http://purl.org/dc/dcmitype/"/>
+    <ds:schemaRef ds:uri="http://schemas.microsoft.com/office/2006/documentManagement/types"/>
+    <ds:schemaRef ds:uri="http://schemas.microsoft.com/office/2006/metadata/properties"/>
+    <ds:schemaRef ds:uri="http://purl.org/dc/terms/"/>
+    <ds:schemaRef ds:uri="http://www.w3.org/XML/1998/namespace"/>
+  </ds:schemaRefs>
+</ds:datastoreItem>
+</file>
+
 <file path=customXml/itemProps3.xml><?xml version="1.0" encoding="utf-8"?>
 <ds:datastoreItem xmlns:ds="http://schemas.openxmlformats.org/officeDocument/2006/customXml" ds:itemID="{74695D99-3EAE-4F55-A2B4-F38051B8FE0A}">
   <ds:schemaRefs>
